--- a/modeling DGE_CNV.pptx
+++ b/modeling DGE_CNV.pptx
@@ -5,30 +5,29 @@
     <p:sldMasterId id="2147483648" r:id="rId1"/>
   </p:sldMasterIdLst>
   <p:notesMasterIdLst>
-    <p:notesMasterId r:id="rId23"/>
+    <p:notesMasterId r:id="rId22"/>
   </p:notesMasterIdLst>
   <p:sldIdLst>
     <p:sldId id="261" r:id="rId2"/>
     <p:sldId id="263" r:id="rId3"/>
     <p:sldId id="279" r:id="rId4"/>
-    <p:sldId id="298" r:id="rId5"/>
-    <p:sldId id="287" r:id="rId6"/>
-    <p:sldId id="289" r:id="rId7"/>
-    <p:sldId id="283" r:id="rId8"/>
-    <p:sldId id="284" r:id="rId9"/>
-    <p:sldId id="296" r:id="rId10"/>
-    <p:sldId id="282" r:id="rId11"/>
-    <p:sldId id="290" r:id="rId12"/>
-    <p:sldId id="291" r:id="rId13"/>
-    <p:sldId id="294" r:id="rId14"/>
-    <p:sldId id="292" r:id="rId15"/>
-    <p:sldId id="293" r:id="rId16"/>
+    <p:sldId id="287" r:id="rId5"/>
+    <p:sldId id="289" r:id="rId6"/>
+    <p:sldId id="283" r:id="rId7"/>
+    <p:sldId id="284" r:id="rId8"/>
+    <p:sldId id="282" r:id="rId9"/>
+    <p:sldId id="290" r:id="rId10"/>
+    <p:sldId id="291" r:id="rId11"/>
+    <p:sldId id="294" r:id="rId12"/>
+    <p:sldId id="292" r:id="rId13"/>
+    <p:sldId id="293" r:id="rId14"/>
+    <p:sldId id="300" r:id="rId15"/>
+    <p:sldId id="299" r:id="rId16"/>
     <p:sldId id="295" r:id="rId17"/>
     <p:sldId id="297" r:id="rId18"/>
     <p:sldId id="286" r:id="rId19"/>
     <p:sldId id="257" r:id="rId20"/>
     <p:sldId id="259" r:id="rId21"/>
-    <p:sldId id="265" r:id="rId22"/>
   </p:sldIdLst>
   <p:sldSz cx="12192000" cy="6858000"/>
   <p:notesSz cx="6858000" cy="9144000"/>
@@ -262,7 +261,7 @@
           <a:p>
             <a:fld id="{DD643E6E-29A1-41DB-8612-76B35CD7C95C}" type="datetimeFigureOut">
               <a:rPr lang="it-IT" smtClean="0"/>
-              <a:t>15/01/2024</a:t>
+              <a:t>17/01/2024</a:t>
             </a:fld>
             <a:endParaRPr lang="it-IT"/>
           </a:p>
@@ -599,13 +598,16 @@
             </a:r>
             <a:r>
               <a:rPr lang="it-IT" dirty="0"/>
-              <a:t> </a:t>
-            </a:r>
-            <a:r>
-              <a:rPr lang="it-IT"/>
-              <a:t>part use TMP</a:t>
-            </a:r>
-            <a:endParaRPr lang="it-IT" dirty="0"/>
+              <a:t> part </a:t>
+            </a:r>
+            <a:r>
+              <a:rPr lang="it-IT" dirty="0" err="1"/>
+              <a:t>try</a:t>
+            </a:r>
+            <a:r>
+              <a:rPr lang="it-IT" dirty="0"/>
+              <a:t> to use TMP</a:t>
+            </a:r>
           </a:p>
         </p:txBody>
       </p:sp>
@@ -910,7 +912,7 @@
           <a:p>
             <a:fld id="{0B3F8F2C-265E-4EEE-853C-EDDEA6F639BC}" type="slidenum">
               <a:rPr lang="it-IT" smtClean="0"/>
-              <a:t>5</a:t>
+              <a:t>4</a:t>
             </a:fld>
             <a:endParaRPr lang="it-IT"/>
           </a:p>
@@ -1124,7 +1126,7 @@
           <a:p>
             <a:fld id="{0B3F8F2C-265E-4EEE-853C-EDDEA6F639BC}" type="slidenum">
               <a:rPr lang="it-IT" smtClean="0"/>
-              <a:t>6</a:t>
+              <a:t>5</a:t>
             </a:fld>
             <a:endParaRPr lang="it-IT"/>
           </a:p>
@@ -1228,7 +1230,7 @@
           <a:p>
             <a:fld id="{0B3F8F2C-265E-4EEE-853C-EDDEA6F639BC}" type="slidenum">
               <a:rPr lang="it-IT" smtClean="0"/>
-              <a:t>10</a:t>
+              <a:t>8</a:t>
             </a:fld>
             <a:endParaRPr lang="it-IT"/>
           </a:p>
@@ -1339,7 +1341,7 @@
           <a:p>
             <a:fld id="{0B3F8F2C-265E-4EEE-853C-EDDEA6F639BC}" type="slidenum">
               <a:rPr lang="it-IT" smtClean="0"/>
-              <a:t>12</a:t>
+              <a:t>10</a:t>
             </a:fld>
             <a:endParaRPr lang="it-IT"/>
           </a:p>
@@ -1359,6 +1361,96 @@
 </file>
 
 <file path=ppt/notesSlides/notesSlide6.xml><?xml version="1.0" encoding="utf-8"?>
+<p:notes xmlns:a="http://schemas.openxmlformats.org/drawingml/2006/main" xmlns:r="http://schemas.openxmlformats.org/officeDocument/2006/relationships" xmlns:p="http://schemas.openxmlformats.org/presentationml/2006/main">
+  <p:cSld>
+    <p:spTree>
+      <p:nvGrpSpPr>
+        <p:cNvPr id="1" name=""/>
+        <p:cNvGrpSpPr/>
+        <p:nvPr/>
+      </p:nvGrpSpPr>
+      <p:grpSpPr>
+        <a:xfrm>
+          <a:off x="0" y="0"/>
+          <a:ext cx="0" cy="0"/>
+          <a:chOff x="0" y="0"/>
+          <a:chExt cx="0" cy="0"/>
+        </a:xfrm>
+      </p:grpSpPr>
+      <p:sp>
+        <p:nvSpPr>
+          <p:cNvPr id="2" name="Segnaposto immagine diapositiva 1"/>
+          <p:cNvSpPr>
+            <a:spLocks noGrp="1" noRot="1" noChangeAspect="1"/>
+          </p:cNvSpPr>
+          <p:nvPr>
+            <p:ph type="sldImg"/>
+          </p:nvPr>
+        </p:nvSpPr>
+        <p:spPr/>
+      </p:sp>
+      <p:sp>
+        <p:nvSpPr>
+          <p:cNvPr id="3" name="Segnaposto note 2"/>
+          <p:cNvSpPr>
+            <a:spLocks noGrp="1"/>
+          </p:cNvSpPr>
+          <p:nvPr>
+            <p:ph type="body" idx="1"/>
+          </p:nvPr>
+        </p:nvSpPr>
+        <p:spPr/>
+        <p:txBody>
+          <a:bodyPr/>
+          <a:lstStyle/>
+          <a:p>
+            <a:r>
+              <a:rPr lang="it-IT" dirty="0"/>
+              <a:t>https://www.embopress.org/doi/full/10.15252/msb.20209539</a:t>
+            </a:r>
+          </a:p>
+          <a:p>
+            <a:endParaRPr lang="it-IT" dirty="0"/>
+          </a:p>
+        </p:txBody>
+      </p:sp>
+      <p:sp>
+        <p:nvSpPr>
+          <p:cNvPr id="4" name="Segnaposto numero diapositiva 3"/>
+          <p:cNvSpPr>
+            <a:spLocks noGrp="1"/>
+          </p:cNvSpPr>
+          <p:nvPr>
+            <p:ph type="sldNum" sz="quarter" idx="5"/>
+          </p:nvPr>
+        </p:nvSpPr>
+        <p:spPr/>
+        <p:txBody>
+          <a:bodyPr/>
+          <a:lstStyle/>
+          <a:p>
+            <a:fld id="{0B3F8F2C-265E-4EEE-853C-EDDEA6F639BC}" type="slidenum">
+              <a:rPr lang="it-IT" smtClean="0"/>
+              <a:t>15</a:t>
+            </a:fld>
+            <a:endParaRPr lang="it-IT"/>
+          </a:p>
+        </p:txBody>
+      </p:sp>
+    </p:spTree>
+    <p:extLst>
+      <p:ext uri="{BB962C8B-B14F-4D97-AF65-F5344CB8AC3E}">
+        <p14:creationId xmlns:p14="http://schemas.microsoft.com/office/powerpoint/2010/main" val="1212288170"/>
+      </p:ext>
+    </p:extLst>
+  </p:cSld>
+  <p:clrMapOvr>
+    <a:masterClrMapping/>
+  </p:clrMapOvr>
+</p:notes>
+</file>
+
+<file path=ppt/notesSlides/notesSlide7.xml><?xml version="1.0" encoding="utf-8"?>
 <p:notes xmlns:a="http://schemas.openxmlformats.org/drawingml/2006/main" xmlns:r="http://schemas.openxmlformats.org/officeDocument/2006/relationships" xmlns:p="http://schemas.openxmlformats.org/presentationml/2006/main">
   <p:cSld>
     <p:spTree>
@@ -1611,7 +1703,7 @@
           <a:p>
             <a:fld id="{0CD14ACD-B31E-4555-AC88-9E3B7724987F}" type="datetimeFigureOut">
               <a:rPr lang="it-IT" smtClean="0"/>
-              <a:t>15/01/2024</a:t>
+              <a:t>17/01/2024</a:t>
             </a:fld>
             <a:endParaRPr lang="it-IT"/>
           </a:p>
@@ -1809,7 +1901,7 @@
           <a:p>
             <a:fld id="{0CD14ACD-B31E-4555-AC88-9E3B7724987F}" type="datetimeFigureOut">
               <a:rPr lang="it-IT" smtClean="0"/>
-              <a:t>15/01/2024</a:t>
+              <a:t>17/01/2024</a:t>
             </a:fld>
             <a:endParaRPr lang="it-IT"/>
           </a:p>
@@ -2017,7 +2109,7 @@
           <a:p>
             <a:fld id="{0CD14ACD-B31E-4555-AC88-9E3B7724987F}" type="datetimeFigureOut">
               <a:rPr lang="it-IT" smtClean="0"/>
-              <a:t>15/01/2024</a:t>
+              <a:t>17/01/2024</a:t>
             </a:fld>
             <a:endParaRPr lang="it-IT"/>
           </a:p>
@@ -2215,7 +2307,7 @@
           <a:p>
             <a:fld id="{0CD14ACD-B31E-4555-AC88-9E3B7724987F}" type="datetimeFigureOut">
               <a:rPr lang="it-IT" smtClean="0"/>
-              <a:t>15/01/2024</a:t>
+              <a:t>17/01/2024</a:t>
             </a:fld>
             <a:endParaRPr lang="it-IT"/>
           </a:p>
@@ -2490,7 +2582,7 @@
           <a:p>
             <a:fld id="{0CD14ACD-B31E-4555-AC88-9E3B7724987F}" type="datetimeFigureOut">
               <a:rPr lang="it-IT" smtClean="0"/>
-              <a:t>15/01/2024</a:t>
+              <a:t>17/01/2024</a:t>
             </a:fld>
             <a:endParaRPr lang="it-IT"/>
           </a:p>
@@ -2755,7 +2847,7 @@
           <a:p>
             <a:fld id="{0CD14ACD-B31E-4555-AC88-9E3B7724987F}" type="datetimeFigureOut">
               <a:rPr lang="it-IT" smtClean="0"/>
-              <a:t>15/01/2024</a:t>
+              <a:t>17/01/2024</a:t>
             </a:fld>
             <a:endParaRPr lang="it-IT"/>
           </a:p>
@@ -3167,7 +3259,7 @@
           <a:p>
             <a:fld id="{0CD14ACD-B31E-4555-AC88-9E3B7724987F}" type="datetimeFigureOut">
               <a:rPr lang="it-IT" smtClean="0"/>
-              <a:t>15/01/2024</a:t>
+              <a:t>17/01/2024</a:t>
             </a:fld>
             <a:endParaRPr lang="it-IT"/>
           </a:p>
@@ -3308,7 +3400,7 @@
           <a:p>
             <a:fld id="{0CD14ACD-B31E-4555-AC88-9E3B7724987F}" type="datetimeFigureOut">
               <a:rPr lang="it-IT" smtClean="0"/>
-              <a:t>15/01/2024</a:t>
+              <a:t>17/01/2024</a:t>
             </a:fld>
             <a:endParaRPr lang="it-IT"/>
           </a:p>
@@ -3421,7 +3513,7 @@
           <a:p>
             <a:fld id="{0CD14ACD-B31E-4555-AC88-9E3B7724987F}" type="datetimeFigureOut">
               <a:rPr lang="it-IT" smtClean="0"/>
-              <a:t>15/01/2024</a:t>
+              <a:t>17/01/2024</a:t>
             </a:fld>
             <a:endParaRPr lang="it-IT"/>
           </a:p>
@@ -3732,7 +3824,7 @@
           <a:p>
             <a:fld id="{0CD14ACD-B31E-4555-AC88-9E3B7724987F}" type="datetimeFigureOut">
               <a:rPr lang="it-IT" smtClean="0"/>
-              <a:t>15/01/2024</a:t>
+              <a:t>17/01/2024</a:t>
             </a:fld>
             <a:endParaRPr lang="it-IT"/>
           </a:p>
@@ -4020,7 +4112,7 @@
           <a:p>
             <a:fld id="{0CD14ACD-B31E-4555-AC88-9E3B7724987F}" type="datetimeFigureOut">
               <a:rPr lang="it-IT" smtClean="0"/>
-              <a:t>15/01/2024</a:t>
+              <a:t>17/01/2024</a:t>
             </a:fld>
             <a:endParaRPr lang="it-IT"/>
           </a:p>
@@ -4261,7 +4353,7 @@
           <a:p>
             <a:fld id="{0CD14ACD-B31E-4555-AC88-9E3B7724987F}" type="datetimeFigureOut">
               <a:rPr lang="it-IT" smtClean="0"/>
-              <a:t>15/01/2024</a:t>
+              <a:t>17/01/2024</a:t>
             </a:fld>
             <a:endParaRPr lang="it-IT"/>
           </a:p>
@@ -5200,14 +5292,6 @@
 <file path=ppt/slides/slide10.xml><?xml version="1.0" encoding="utf-8"?>
 <p:sld xmlns:a="http://schemas.openxmlformats.org/drawingml/2006/main" xmlns:r="http://schemas.openxmlformats.org/officeDocument/2006/relationships" xmlns:p="http://schemas.openxmlformats.org/presentationml/2006/main">
   <p:cSld>
-    <p:bg>
-      <p:bgPr>
-        <a:solidFill>
-          <a:schemeClr val="bg1"/>
-        </a:solidFill>
-        <a:effectLst/>
-      </p:bgPr>
-    </p:bg>
     <p:spTree>
       <p:nvGrpSpPr>
         <p:cNvPr id="1" name=""/>
@@ -5224,147 +5308,136 @@
       </p:grpSpPr>
       <p:sp>
         <p:nvSpPr>
-          <p:cNvPr id="25" name="Rectangle 24">
-            <a:extLst>
-              <a:ext uri="{FF2B5EF4-FFF2-40B4-BE49-F238E27FC236}">
-                <a16:creationId xmlns:a16="http://schemas.microsoft.com/office/drawing/2014/main" id="{A9F529C3-C941-49FD-8C67-82F134F64BDB}"/>
-              </a:ext>
-              <a:ext uri="{C183D7F6-B498-43B3-948B-1728B52AA6E4}">
-                <adec:decorative xmlns:adec="http://schemas.microsoft.com/office/drawing/2017/decorative" val="1"/>
+          <p:cNvPr id="2" name="Titolo 1">
+            <a:extLst>
+              <a:ext uri="{FF2B5EF4-FFF2-40B4-BE49-F238E27FC236}">
+                <a16:creationId xmlns:a16="http://schemas.microsoft.com/office/drawing/2014/main" id="{0BDA38E2-407F-73D5-5B05-04FF8FB82723}"/>
               </a:ext>
             </a:extLst>
           </p:cNvPr>
           <p:cNvSpPr>
-            <a:spLocks noGrp="1" noRot="1" noChangeAspect="1" noMove="1" noResize="1" noEditPoints="1" noAdjustHandles="1" noChangeArrowheads="1" noChangeShapeType="1" noTextEdit="1"/>
+            <a:spLocks noGrp="1"/>
           </p:cNvSpPr>
           <p:nvPr>
-            <p:extLst>
-              <p:ext uri="{386F3935-93C4-4BCD-93E2-E3B085C9AB24}">
-                <p16:designElem xmlns:p16="http://schemas.microsoft.com/office/powerpoint/2015/main" val="1"/>
-              </p:ext>
-            </p:extLst>
+            <p:ph type="title"/>
           </p:nvPr>
         </p:nvSpPr>
         <p:spPr>
           <a:xfrm>
-            <a:off x="0" y="0"/>
-            <a:ext cx="12192000" cy="6858000"/>
+            <a:off x="2701636" y="212726"/>
+            <a:ext cx="7398328" cy="576983"/>
+          </a:xfrm>
+        </p:spPr>
+        <p:txBody>
+          <a:bodyPr>
+            <a:normAutofit/>
+          </a:bodyPr>
+          <a:lstStyle/>
+          <a:p>
+            <a:pPr algn="ctr"/>
+            <a:r>
+              <a:rPr lang="it-IT" sz="1800" b="1" dirty="0"/>
+              <a:t>TCGA, BRCA (sample size = 3)</a:t>
+            </a:r>
+          </a:p>
+        </p:txBody>
+      </p:sp>
+      <p:sp>
+        <p:nvSpPr>
+          <p:cNvPr id="5" name="AutoShape 2">
+            <a:extLst>
+              <a:ext uri="{FF2B5EF4-FFF2-40B4-BE49-F238E27FC236}">
+                <a16:creationId xmlns:a16="http://schemas.microsoft.com/office/drawing/2014/main" id="{7709A296-EB16-15AB-185B-8C431D744F9E}"/>
+              </a:ext>
+            </a:extLst>
+          </p:cNvPr>
+          <p:cNvSpPr>
+            <a:spLocks noChangeAspect="1" noChangeArrowheads="1"/>
+          </p:cNvSpPr>
+          <p:nvPr/>
+        </p:nvSpPr>
+        <p:spPr bwMode="auto">
+          <a:xfrm>
+            <a:off x="5943600" y="3276600"/>
+            <a:ext cx="304800" cy="304800"/>
           </a:xfrm>
           <a:prstGeom prst="rect">
             <a:avLst/>
           </a:prstGeom>
-          <a:solidFill>
-            <a:schemeClr val="tx1">
-              <a:lumMod val="50000"/>
-              <a:lumOff val="50000"/>
-              <a:alpha val="30000"/>
-            </a:schemeClr>
-          </a:solidFill>
-          <a:ln>
-            <a:noFill/>
-          </a:ln>
-        </p:spPr>
-        <p:style>
-          <a:lnRef idx="2">
-            <a:schemeClr val="accent1">
-              <a:shade val="50000"/>
-            </a:schemeClr>
-          </a:lnRef>
-          <a:fillRef idx="1">
-            <a:schemeClr val="accent1"/>
-          </a:fillRef>
-          <a:effectRef idx="0">
-            <a:schemeClr val="accent1"/>
-          </a:effectRef>
-          <a:fontRef idx="minor">
-            <a:schemeClr val="lt1"/>
-          </a:fontRef>
-        </p:style>
-        <p:txBody>
-          <a:bodyPr rtlCol="0" anchor="ctr"/>
+          <a:noFill/>
+          <a:extLst>
+            <a:ext uri="{909E8E84-426E-40DD-AFC4-6F175D3DCCD1}">
+              <a14:hiddenFill xmlns:a14="http://schemas.microsoft.com/office/drawing/2010/main">
+                <a:solidFill>
+                  <a:srgbClr val="FFFFFF"/>
+                </a:solidFill>
+              </a14:hiddenFill>
+            </a:ext>
+          </a:extLst>
+        </p:spPr>
+        <p:txBody>
+          <a:bodyPr vert="horz" wrap="square" lIns="91440" tIns="45720" rIns="91440" bIns="45720" numCol="1" anchor="t" anchorCtr="0" compatLnSpc="1">
+            <a:prstTxWarp prst="textNoShape">
+              <a:avLst/>
+            </a:prstTxWarp>
+          </a:bodyPr>
           <a:lstStyle/>
           <a:p>
-            <a:pPr algn="ctr"/>
-            <a:endParaRPr lang="en-US"/>
-          </a:p>
-        </p:txBody>
-      </p:sp>
-      <p:sp>
-        <p:nvSpPr>
-          <p:cNvPr id="27" name="Rectangle 26">
-            <a:extLst>
-              <a:ext uri="{FF2B5EF4-FFF2-40B4-BE49-F238E27FC236}">
-                <a16:creationId xmlns:a16="http://schemas.microsoft.com/office/drawing/2014/main" id="{20586029-32A0-47E5-9AEC-AE3ABA6B94D0}"/>
-              </a:ext>
-              <a:ext uri="{C183D7F6-B498-43B3-948B-1728B52AA6E4}">
-                <adec:decorative xmlns:adec="http://schemas.microsoft.com/office/drawing/2017/decorative" val="1"/>
+            <a:endParaRPr lang="it-IT"/>
+          </a:p>
+        </p:txBody>
+      </p:sp>
+      <p:sp>
+        <p:nvSpPr>
+          <p:cNvPr id="7" name="AutoShape 4">
+            <a:extLst>
+              <a:ext uri="{FF2B5EF4-FFF2-40B4-BE49-F238E27FC236}">
+                <a16:creationId xmlns:a16="http://schemas.microsoft.com/office/drawing/2014/main" id="{7BF1E5A0-89AB-48AA-4B29-ECE2E1E9247B}"/>
               </a:ext>
             </a:extLst>
           </p:cNvPr>
           <p:cNvSpPr>
-            <a:spLocks noGrp="1" noRot="1" noChangeAspect="1" noMove="1" noResize="1" noEditPoints="1" noAdjustHandles="1" noChangeArrowheads="1" noChangeShapeType="1" noTextEdit="1"/>
+            <a:spLocks noChangeAspect="1" noChangeArrowheads="1"/>
           </p:cNvSpPr>
-          <p:nvPr>
-            <p:extLst>
-              <p:ext uri="{386F3935-93C4-4BCD-93E2-E3B085C9AB24}">
-                <p16:designElem xmlns:p16="http://schemas.microsoft.com/office/powerpoint/2015/main" val="1"/>
-              </p:ext>
-            </p:extLst>
-          </p:nvPr>
-        </p:nvSpPr>
-        <p:spPr>
+          <p:nvPr/>
+        </p:nvSpPr>
+        <p:spPr bwMode="auto">
           <a:xfrm>
-            <a:off x="477012" y="480060"/>
-            <a:ext cx="11237976" cy="5897880"/>
+            <a:off x="6096000" y="3429000"/>
+            <a:ext cx="304800" cy="304800"/>
           </a:xfrm>
           <a:prstGeom prst="rect">
             <a:avLst/>
           </a:prstGeom>
-          <a:solidFill>
-            <a:srgbClr val="FFFFFF"/>
-          </a:solidFill>
-          <a:ln w="9525">
-            <a:noFill/>
-          </a:ln>
-          <a:effectLst>
-            <a:outerShdw blurRad="63500" dist="17780" dir="5400000" algn="t" rotWithShape="0">
-              <a:prstClr val="black">
-                <a:alpha val="43000"/>
-              </a:prstClr>
-            </a:outerShdw>
-          </a:effectLst>
-        </p:spPr>
-        <p:style>
-          <a:lnRef idx="2">
-            <a:schemeClr val="accent1">
-              <a:shade val="50000"/>
-            </a:schemeClr>
-          </a:lnRef>
-          <a:fillRef idx="1">
-            <a:schemeClr val="accent1"/>
-          </a:fillRef>
-          <a:effectRef idx="0">
-            <a:schemeClr val="accent1"/>
-          </a:effectRef>
-          <a:fontRef idx="minor">
-            <a:schemeClr val="lt1"/>
-          </a:fontRef>
-        </p:style>
-        <p:txBody>
-          <a:bodyPr rtlCol="0" anchor="ctr"/>
+          <a:noFill/>
+          <a:extLst>
+            <a:ext uri="{909E8E84-426E-40DD-AFC4-6F175D3DCCD1}">
+              <a14:hiddenFill xmlns:a14="http://schemas.microsoft.com/office/drawing/2010/main">
+                <a:solidFill>
+                  <a:srgbClr val="FFFFFF"/>
+                </a:solidFill>
+              </a14:hiddenFill>
+            </a:ext>
+          </a:extLst>
+        </p:spPr>
+        <p:txBody>
+          <a:bodyPr vert="horz" wrap="square" lIns="91440" tIns="45720" rIns="91440" bIns="45720" numCol="1" anchor="t" anchorCtr="0" compatLnSpc="1">
+            <a:prstTxWarp prst="textNoShape">
+              <a:avLst/>
+            </a:prstTxWarp>
+          </a:bodyPr>
           <a:lstStyle/>
           <a:p>
-            <a:pPr algn="ctr"/>
-            <a:endParaRPr lang="en-US"/>
+            <a:endParaRPr lang="it-IT"/>
           </a:p>
         </p:txBody>
       </p:sp>
       <p:pic>
         <p:nvPicPr>
-          <p:cNvPr id="11" name="Immagine 10">
-            <a:extLst>
-              <a:ext uri="{FF2B5EF4-FFF2-40B4-BE49-F238E27FC236}">
-                <a16:creationId xmlns:a16="http://schemas.microsoft.com/office/drawing/2014/main" id="{1084E461-0748-E200-7160-5372EE01DF6D}"/>
+          <p:cNvPr id="9" name="Immagine 8">
+            <a:extLst>
+              <a:ext uri="{FF2B5EF4-FFF2-40B4-BE49-F238E27FC236}">
+                <a16:creationId xmlns:a16="http://schemas.microsoft.com/office/drawing/2014/main" id="{F234F68F-3B63-F1AA-6630-6C2FE9F9875F}"/>
               </a:ext>
             </a:extLst>
           </p:cNvPr>
@@ -5381,72 +5454,20 @@
         </p:blipFill>
         <p:spPr>
           <a:xfrm>
-            <a:off x="878782" y="1165508"/>
-            <a:ext cx="4663049" cy="4526981"/>
+            <a:off x="6553200" y="942109"/>
+            <a:ext cx="4383679" cy="4089281"/>
           </a:xfrm>
           <a:prstGeom prst="rect">
             <a:avLst/>
           </a:prstGeom>
         </p:spPr>
       </p:pic>
-      <p:cxnSp>
-        <p:nvCxnSpPr>
-          <p:cNvPr id="29" name="Straight Connector 28">
-            <a:extLst>
-              <a:ext uri="{FF2B5EF4-FFF2-40B4-BE49-F238E27FC236}">
-                <a16:creationId xmlns:a16="http://schemas.microsoft.com/office/drawing/2014/main" id="{8C730EAB-A532-4295-A302-FB4B90DB9F5E}"/>
-              </a:ext>
-              <a:ext uri="{C183D7F6-B498-43B3-948B-1728B52AA6E4}">
-                <adec:decorative xmlns:adec="http://schemas.microsoft.com/office/drawing/2017/decorative" val="1"/>
-              </a:ext>
-            </a:extLst>
-          </p:cNvPr>
-          <p:cNvCxnSpPr>
-            <a:cxnSpLocks noGrp="1" noRot="1" noChangeAspect="1" noMove="1" noResize="1" noEditPoints="1" noAdjustHandles="1" noChangeArrowheads="1" noChangeShapeType="1"/>
-          </p:cNvCxnSpPr>
-          <p:nvPr>
-            <p:extLst>
-              <p:ext uri="{386F3935-93C4-4BCD-93E2-E3B085C9AB24}">
-                <p16:designElem xmlns:p16="http://schemas.microsoft.com/office/powerpoint/2015/main" val="1"/>
-              </p:ext>
-            </p:extLst>
-          </p:nvPr>
-        </p:nvCxnSpPr>
-        <p:spPr>
-          <a:xfrm>
-            <a:off x="6079958" y="1143000"/>
-            <a:ext cx="0" cy="4572000"/>
-          </a:xfrm>
-          <a:prstGeom prst="line">
-            <a:avLst/>
-          </a:prstGeom>
-          <a:ln>
-            <a:solidFill>
-              <a:srgbClr val="4E4E4E"/>
-            </a:solidFill>
-          </a:ln>
-        </p:spPr>
-        <p:style>
-          <a:lnRef idx="1">
-            <a:schemeClr val="accent1"/>
-          </a:lnRef>
-          <a:fillRef idx="0">
-            <a:schemeClr val="accent1"/>
-          </a:fillRef>
-          <a:effectRef idx="0">
-            <a:schemeClr val="accent1"/>
-          </a:effectRef>
-          <a:fontRef idx="minor">
-            <a:schemeClr val="tx1"/>
-          </a:fontRef>
-        </p:style>
-      </p:cxnSp>
       <p:pic>
         <p:nvPicPr>
-          <p:cNvPr id="4" name="Immagine 3">
-            <a:extLst>
-              <a:ext uri="{FF2B5EF4-FFF2-40B4-BE49-F238E27FC236}">
-                <a16:creationId xmlns:a16="http://schemas.microsoft.com/office/drawing/2014/main" id="{2785F493-3294-CE6F-7CE1-06ADC4B49CE7}"/>
+          <p:cNvPr id="10" name="Immagine 9">
+            <a:extLst>
+              <a:ext uri="{FF2B5EF4-FFF2-40B4-BE49-F238E27FC236}">
+                <a16:creationId xmlns:a16="http://schemas.microsoft.com/office/drawing/2014/main" id="{2AE8AFB8-FDE5-66AC-73C1-E075F7B09222}"/>
               </a:ext>
             </a:extLst>
           </p:cNvPr>
@@ -5463,8 +5484,8 @@
         </p:blipFill>
         <p:spPr>
           <a:xfrm>
-            <a:off x="6556971" y="1165509"/>
-            <a:ext cx="4991561" cy="4526981"/>
+            <a:off x="1010305" y="942109"/>
+            <a:ext cx="5238095" cy="4485714"/>
           </a:xfrm>
           <a:prstGeom prst="rect">
             <a:avLst/>
@@ -5473,98 +5494,67 @@
       </p:pic>
       <p:sp>
         <p:nvSpPr>
-          <p:cNvPr id="10" name="AutoShape 8">
-            <a:extLst>
-              <a:ext uri="{FF2B5EF4-FFF2-40B4-BE49-F238E27FC236}">
-                <a16:creationId xmlns:a16="http://schemas.microsoft.com/office/drawing/2014/main" id="{4E890139-79ED-5CD2-BA6C-BD3F943E7BF6}"/>
-              </a:ext>
-            </a:extLst>
-          </p:cNvPr>
-          <p:cNvSpPr>
-            <a:spLocks noChangeAspect="1" noChangeArrowheads="1"/>
-          </p:cNvSpPr>
+          <p:cNvPr id="13" name="CasellaDiTesto 12">
+            <a:extLst>
+              <a:ext uri="{FF2B5EF4-FFF2-40B4-BE49-F238E27FC236}">
+                <a16:creationId xmlns:a16="http://schemas.microsoft.com/office/drawing/2014/main" id="{D27DA91D-C07B-3DF7-EEE7-09D64789BAD5}"/>
+              </a:ext>
+            </a:extLst>
+          </p:cNvPr>
+          <p:cNvSpPr txBox="1"/>
           <p:nvPr/>
         </p:nvSpPr>
-        <p:spPr bwMode="auto">
+        <p:spPr>
           <a:xfrm>
-            <a:off x="5943600" y="3276600"/>
-            <a:ext cx="304800" cy="304800"/>
+            <a:off x="1368188" y="5693735"/>
+            <a:ext cx="6093724" cy="369332"/>
           </a:xfrm>
           <a:prstGeom prst="rect">
             <a:avLst/>
           </a:prstGeom>
           <a:noFill/>
-          <a:extLst>
-            <a:ext uri="{909E8E84-426E-40DD-AFC4-6F175D3DCCD1}">
-              <a14:hiddenFill xmlns:a14="http://schemas.microsoft.com/office/drawing/2010/main">
-                <a:solidFill>
-                  <a:srgbClr val="FFFFFF"/>
-                </a:solidFill>
-              </a14:hiddenFill>
-            </a:ext>
-          </a:extLst>
-        </p:spPr>
-        <p:txBody>
-          <a:bodyPr vert="horz" wrap="square" lIns="91440" tIns="45720" rIns="91440" bIns="45720" numCol="1" anchor="t" anchorCtr="0" compatLnSpc="1">
-            <a:prstTxWarp prst="textNoShape">
-              <a:avLst/>
-            </a:prstTxWarp>
+        </p:spPr>
+        <p:txBody>
+          <a:bodyPr wrap="square">
+            <a:spAutoFit/>
           </a:bodyPr>
           <a:lstStyle/>
           <a:p>
-            <a:endParaRPr lang="it-IT"/>
-          </a:p>
-        </p:txBody>
-      </p:sp>
-      <p:sp>
-        <p:nvSpPr>
-          <p:cNvPr id="3" name="AutoShape 2">
-            <a:extLst>
-              <a:ext uri="{FF2B5EF4-FFF2-40B4-BE49-F238E27FC236}">
-                <a16:creationId xmlns:a16="http://schemas.microsoft.com/office/drawing/2014/main" id="{072F5509-B97F-5A2D-3F51-05E47F6066C7}"/>
-              </a:ext>
-            </a:extLst>
-          </p:cNvPr>
-          <p:cNvSpPr>
-            <a:spLocks noChangeAspect="1" noChangeArrowheads="1"/>
-          </p:cNvSpPr>
-          <p:nvPr/>
-        </p:nvSpPr>
-        <p:spPr bwMode="auto">
-          <a:xfrm>
-            <a:off x="6096000" y="3429000"/>
-            <a:ext cx="304800" cy="304800"/>
-          </a:xfrm>
-          <a:prstGeom prst="rect">
-            <a:avLst/>
-          </a:prstGeom>
-          <a:noFill/>
-          <a:extLst>
-            <a:ext uri="{909E8E84-426E-40DD-AFC4-6F175D3DCCD1}">
-              <a14:hiddenFill xmlns:a14="http://schemas.microsoft.com/office/drawing/2010/main">
-                <a:solidFill>
-                  <a:srgbClr val="FFFFFF"/>
-                </a:solidFill>
-              </a14:hiddenFill>
-            </a:ext>
-          </a:extLst>
-        </p:spPr>
-        <p:txBody>
-          <a:bodyPr vert="horz" wrap="square" lIns="91440" tIns="45720" rIns="91440" bIns="45720" numCol="1" anchor="t" anchorCtr="0" compatLnSpc="1">
-            <a:prstTxWarp prst="textNoShape">
-              <a:avLst/>
-            </a:prstTxWarp>
-          </a:bodyPr>
-          <a:lstStyle/>
-          <a:p>
-            <a:endParaRPr lang="it-IT"/>
+            <a:r>
+              <a:rPr lang="it-IT" dirty="0"/>
+              <a:t>~ 22 % </a:t>
+            </a:r>
+            <a:r>
+              <a:rPr lang="it-IT" dirty="0" err="1"/>
+              <a:t>Dosage</a:t>
+            </a:r>
+            <a:r>
+              <a:rPr lang="it-IT" dirty="0"/>
+              <a:t> </a:t>
+            </a:r>
+            <a:r>
+              <a:rPr lang="it-IT" dirty="0" err="1"/>
+              <a:t>compensated</a:t>
+            </a:r>
+            <a:r>
+              <a:rPr lang="it-IT" dirty="0"/>
+              <a:t> </a:t>
+            </a:r>
+            <a:r>
+              <a:rPr lang="it-IT" dirty="0" err="1"/>
+              <a:t>genes</a:t>
+            </a:r>
+            <a:r>
+              <a:rPr lang="it-IT" dirty="0"/>
+              <a:t> </a:t>
+            </a:r>
           </a:p>
         </p:txBody>
       </p:sp>
     </p:spTree>
     <p:extLst>
       <p:ext uri="{BB962C8B-B14F-4D97-AF65-F5344CB8AC3E}">
-        <p14:creationId xmlns:p14="http://schemas.microsoft.com/office/powerpoint/2010/main" val="3490156820"/>
+        <p14:creationId xmlns:p14="http://schemas.microsoft.com/office/powerpoint/2010/main" val="4195595013"/>
       </p:ext>
     </p:extLst>
   </p:cSld>
@@ -5577,14 +5567,6 @@
 <file path=ppt/slides/slide11.xml><?xml version="1.0" encoding="utf-8"?>
 <p:sld xmlns:a="http://schemas.openxmlformats.org/drawingml/2006/main" xmlns:r="http://schemas.openxmlformats.org/officeDocument/2006/relationships" xmlns:p="http://schemas.openxmlformats.org/presentationml/2006/main">
   <p:cSld>
-    <p:bg>
-      <p:bgPr>
-        <a:solidFill>
-          <a:schemeClr val="bg1"/>
-        </a:solidFill>
-        <a:effectLst/>
-      </p:bgPr>
-    </p:bg>
     <p:spTree>
       <p:nvGrpSpPr>
         <p:cNvPr id="1" name=""/>
@@ -5599,356 +5581,12 @@
           <a:chExt cx="0" cy="0"/>
         </a:xfrm>
       </p:grpSpPr>
-      <p:sp useBgFill="1">
-        <p:nvSpPr>
-          <p:cNvPr id="25" name="Rectangle 24">
-            <a:extLst>
-              <a:ext uri="{FF2B5EF4-FFF2-40B4-BE49-F238E27FC236}">
-                <a16:creationId xmlns:a16="http://schemas.microsoft.com/office/drawing/2014/main" id="{3B47FC9C-2ED3-4100-A4EF-E8CDFEE106C9}"/>
-              </a:ext>
-              <a:ext uri="{C183D7F6-B498-43B3-948B-1728B52AA6E4}">
-                <adec:decorative xmlns:adec="http://schemas.microsoft.com/office/drawing/2017/decorative" val="1"/>
-              </a:ext>
-            </a:extLst>
-          </p:cNvPr>
-          <p:cNvSpPr>
-            <a:spLocks noGrp="1" noRot="1" noChangeAspect="1" noMove="1" noResize="1" noEditPoints="1" noAdjustHandles="1" noChangeArrowheads="1" noChangeShapeType="1" noTextEdit="1"/>
-          </p:cNvSpPr>
-          <p:nvPr>
-            <p:extLst>
-              <p:ext uri="{386F3935-93C4-4BCD-93E2-E3B085C9AB24}">
-                <p16:designElem xmlns:p16="http://schemas.microsoft.com/office/powerpoint/2015/main" val="1"/>
-              </p:ext>
-            </p:extLst>
-          </p:nvPr>
-        </p:nvSpPr>
-        <p:spPr>
-          <a:xfrm>
-            <a:off x="-1" y="0"/>
-            <a:ext cx="12188952" cy="6858000"/>
-          </a:xfrm>
-          <a:prstGeom prst="rect">
-            <a:avLst/>
-          </a:prstGeom>
-          <a:ln>
-            <a:noFill/>
-          </a:ln>
-        </p:spPr>
-        <p:style>
-          <a:lnRef idx="2">
-            <a:schemeClr val="accent1">
-              <a:shade val="50000"/>
-            </a:schemeClr>
-          </a:lnRef>
-          <a:fillRef idx="1">
-            <a:schemeClr val="accent1"/>
-          </a:fillRef>
-          <a:effectRef idx="0">
-            <a:schemeClr val="accent1"/>
-          </a:effectRef>
-          <a:fontRef idx="minor">
-            <a:schemeClr val="lt1"/>
-          </a:fontRef>
-        </p:style>
-        <p:txBody>
-          <a:bodyPr rtlCol="0" anchor="ctr"/>
-          <a:lstStyle/>
-          <a:p>
-            <a:pPr marL="0" marR="0" lvl="0" indent="0" algn="ctr" defTabSz="914400" rtl="0" eaLnBrk="1" fontAlgn="auto" latinLnBrk="0" hangingPunct="1">
-              <a:lnSpc>
-                <a:spcPct val="100000"/>
-              </a:lnSpc>
-              <a:spcBef>
-                <a:spcPts val="0"/>
-              </a:spcBef>
-              <a:spcAft>
-                <a:spcPts val="0"/>
-              </a:spcAft>
-              <a:buClrTx/>
-              <a:buSzTx/>
-              <a:buFontTx/>
-              <a:buNone/>
-              <a:tabLst/>
-              <a:defRPr/>
-            </a:pPr>
-            <a:endParaRPr kumimoji="0" lang="en-US" sz="1800" b="0" i="0" u="none" strike="noStrike" kern="1200" cap="none" spc="0" normalizeH="0" baseline="0" noProof="0" dirty="0">
-              <a:ln>
-                <a:noFill/>
-              </a:ln>
-              <a:solidFill>
-                <a:prstClr val="white"/>
-              </a:solidFill>
-              <a:effectLst/>
-              <a:uLnTx/>
-              <a:uFillTx/>
-              <a:latin typeface="Calibri" panose="020F0502020204030204"/>
-              <a:ea typeface="+mn-ea"/>
-              <a:cs typeface="+mn-cs"/>
-            </a:endParaRPr>
-          </a:p>
-        </p:txBody>
-      </p:sp>
-      <p:sp>
-        <p:nvSpPr>
-          <p:cNvPr id="2" name="Titolo 1">
-            <a:extLst>
-              <a:ext uri="{FF2B5EF4-FFF2-40B4-BE49-F238E27FC236}">
-                <a16:creationId xmlns:a16="http://schemas.microsoft.com/office/drawing/2014/main" id="{2F24DAB3-4C11-016B-134C-A094EA024882}"/>
-              </a:ext>
-            </a:extLst>
-          </p:cNvPr>
-          <p:cNvSpPr>
-            <a:spLocks noGrp="1"/>
-          </p:cNvSpPr>
-          <p:nvPr>
-            <p:ph type="title"/>
-          </p:nvPr>
-        </p:nvSpPr>
-        <p:spPr>
-          <a:xfrm>
-            <a:off x="614516" y="-193519"/>
-            <a:ext cx="10515600" cy="942664"/>
-          </a:xfrm>
-        </p:spPr>
-        <p:txBody>
-          <a:bodyPr vert="horz" lIns="91440" tIns="45720" rIns="91440" bIns="45720" rtlCol="0" anchor="ctr">
-            <a:normAutofit/>
-          </a:bodyPr>
-          <a:lstStyle/>
-          <a:p>
-            <a:pPr algn="ctr"/>
-            <a:r>
-              <a:rPr lang="en-US" sz="2000" dirty="0"/>
-              <a:t>mRNA</a:t>
-            </a:r>
-            <a:r>
-              <a:rPr lang="en-US" sz="2000" kern="1200" dirty="0">
-                <a:solidFill>
-                  <a:schemeClr val="tx1"/>
-                </a:solidFill>
-                <a:latin typeface="+mj-lt"/>
-                <a:ea typeface="+mj-ea"/>
-                <a:cs typeface="+mj-cs"/>
-              </a:rPr>
-              <a:t> and CNVs relationship exploration (TCGA, </a:t>
-            </a:r>
-            <a:r>
-              <a:rPr lang="en-US" sz="2000" dirty="0"/>
-              <a:t>BRCA</a:t>
-            </a:r>
-            <a:r>
-              <a:rPr lang="en-US" sz="2000" kern="1200" dirty="0">
-                <a:solidFill>
-                  <a:schemeClr val="tx1"/>
-                </a:solidFill>
-                <a:latin typeface="+mj-lt"/>
-                <a:ea typeface="+mj-ea"/>
-                <a:cs typeface="+mj-cs"/>
-              </a:rPr>
-              <a:t>)</a:t>
-            </a:r>
-          </a:p>
-        </p:txBody>
-      </p:sp>
-      <p:sp>
-        <p:nvSpPr>
-          <p:cNvPr id="7" name="CasellaDiTesto 6">
-            <a:extLst>
-              <a:ext uri="{FF2B5EF4-FFF2-40B4-BE49-F238E27FC236}">
-                <a16:creationId xmlns:a16="http://schemas.microsoft.com/office/drawing/2014/main" id="{13F98B9A-7108-EDBB-2582-58F57AA1B232}"/>
-              </a:ext>
-            </a:extLst>
-          </p:cNvPr>
-          <p:cNvSpPr txBox="1"/>
-          <p:nvPr/>
-        </p:nvSpPr>
-        <p:spPr>
-          <a:xfrm>
-            <a:off x="3394847" y="379813"/>
-            <a:ext cx="5399256" cy="369332"/>
-          </a:xfrm>
-          <a:prstGeom prst="rect">
-            <a:avLst/>
-          </a:prstGeom>
-          <a:noFill/>
-        </p:spPr>
-        <p:txBody>
-          <a:bodyPr wrap="square" rtlCol="0">
-            <a:spAutoFit/>
-          </a:bodyPr>
-          <a:lstStyle/>
-          <a:p>
-            <a:pPr marL="0" marR="0" lvl="0" indent="0" algn="l" defTabSz="914400" rtl="0" eaLnBrk="1" fontAlgn="auto" latinLnBrk="0" hangingPunct="1">
-              <a:lnSpc>
-                <a:spcPct val="100000"/>
-              </a:lnSpc>
-              <a:spcBef>
-                <a:spcPts val="0"/>
-              </a:spcBef>
-              <a:spcAft>
-                <a:spcPts val="0"/>
-              </a:spcAft>
-              <a:buClrTx/>
-              <a:buSzTx/>
-              <a:buFontTx/>
-              <a:buNone/>
-              <a:tabLst/>
-              <a:defRPr/>
-            </a:pPr>
-            <a:r>
-              <a:rPr kumimoji="0" lang="it-IT" sz="1800" b="0" i="0" u="none" strike="noStrike" kern="1200" cap="none" spc="0" normalizeH="0" baseline="0" noProof="0" dirty="0">
-                <a:ln>
-                  <a:noFill/>
-                </a:ln>
-                <a:solidFill>
-                  <a:prstClr val="black"/>
-                </a:solidFill>
-                <a:effectLst/>
-                <a:uLnTx/>
-                <a:uFillTx/>
-                <a:latin typeface="Calibri" panose="020F0502020204030204"/>
-                <a:ea typeface="+mn-ea"/>
-                <a:cs typeface="+mn-cs"/>
-              </a:rPr>
-              <a:t>Total </a:t>
-            </a:r>
-            <a:r>
-              <a:rPr kumimoji="0" lang="it-IT" sz="1800" b="0" i="0" u="none" strike="noStrike" kern="1200" cap="none" spc="0" normalizeH="0" baseline="0" noProof="0" dirty="0" err="1">
-                <a:ln>
-                  <a:noFill/>
-                </a:ln>
-                <a:solidFill>
-                  <a:prstClr val="black"/>
-                </a:solidFill>
-                <a:effectLst/>
-                <a:uLnTx/>
-                <a:uFillTx/>
-                <a:latin typeface="Calibri" panose="020F0502020204030204"/>
-                <a:ea typeface="+mn-ea"/>
-                <a:cs typeface="+mn-cs"/>
-              </a:rPr>
-              <a:t>genes</a:t>
-            </a:r>
-            <a:r>
-              <a:rPr kumimoji="0" lang="it-IT" sz="1800" b="0" i="0" u="none" strike="noStrike" kern="1200" cap="none" spc="0" normalizeH="0" baseline="0" noProof="0" dirty="0">
-                <a:ln>
-                  <a:noFill/>
-                </a:ln>
-                <a:solidFill>
-                  <a:prstClr val="black"/>
-                </a:solidFill>
-                <a:effectLst/>
-                <a:uLnTx/>
-                <a:uFillTx/>
-                <a:latin typeface="Calibri" panose="020F0502020204030204"/>
-                <a:ea typeface="+mn-ea"/>
-                <a:cs typeface="+mn-cs"/>
-              </a:rPr>
-              <a:t> </a:t>
-            </a:r>
-            <a:r>
-              <a:rPr kumimoji="0" lang="it-IT" sz="1800" b="0" i="0" u="none" strike="noStrike" kern="1200" cap="none" spc="0" normalizeH="0" baseline="0" noProof="0" dirty="0" err="1">
-                <a:ln>
-                  <a:noFill/>
-                </a:ln>
-                <a:solidFill>
-                  <a:prstClr val="black"/>
-                </a:solidFill>
-                <a:effectLst/>
-                <a:uLnTx/>
-                <a:uFillTx/>
-                <a:latin typeface="Calibri" panose="020F0502020204030204"/>
-                <a:ea typeface="+mn-ea"/>
-                <a:cs typeface="+mn-cs"/>
-              </a:rPr>
-              <a:t>tested</a:t>
-            </a:r>
-            <a:r>
-              <a:rPr kumimoji="0" lang="it-IT" sz="1800" b="0" i="0" u="none" strike="noStrike" kern="1200" cap="none" spc="0" normalizeH="0" baseline="0" noProof="0" dirty="0">
-                <a:ln>
-                  <a:noFill/>
-                </a:ln>
-                <a:solidFill>
-                  <a:prstClr val="black"/>
-                </a:solidFill>
-                <a:effectLst/>
-                <a:uLnTx/>
-                <a:uFillTx/>
-                <a:latin typeface="Calibri" panose="020F0502020204030204"/>
-                <a:ea typeface="+mn-ea"/>
-                <a:cs typeface="+mn-cs"/>
-              </a:rPr>
-              <a:t>: </a:t>
-            </a:r>
-            <a:r>
-              <a:rPr lang="it-IT" b="1" dirty="0">
-                <a:solidFill>
-                  <a:prstClr val="black"/>
-                </a:solidFill>
-                <a:latin typeface="Calibri" panose="020F0502020204030204"/>
-              </a:rPr>
-              <a:t>29359</a:t>
-            </a:r>
-            <a:r>
-              <a:rPr kumimoji="0" lang="it-IT" sz="1800" b="1" i="0" u="none" strike="noStrike" kern="1200" cap="none" spc="0" normalizeH="0" baseline="0" noProof="0" dirty="0">
-                <a:ln>
-                  <a:noFill/>
-                </a:ln>
-                <a:solidFill>
-                  <a:prstClr val="black"/>
-                </a:solidFill>
-                <a:effectLst/>
-                <a:uLnTx/>
-                <a:uFillTx/>
-                <a:latin typeface="Calibri" panose="020F0502020204030204"/>
-                <a:ea typeface="+mn-ea"/>
-                <a:cs typeface="+mn-cs"/>
-              </a:rPr>
-              <a:t>, </a:t>
-            </a:r>
-            <a:r>
-              <a:rPr kumimoji="0" lang="it-IT" sz="1800" b="1" i="0" u="none" strike="noStrike" kern="1200" cap="none" spc="0" normalizeH="0" baseline="0" noProof="0" dirty="0" err="1">
-                <a:ln>
-                  <a:noFill/>
-                </a:ln>
-                <a:solidFill>
-                  <a:prstClr val="black"/>
-                </a:solidFill>
-                <a:effectLst/>
-                <a:uLnTx/>
-                <a:uFillTx/>
-                <a:latin typeface="Calibri" panose="020F0502020204030204"/>
-                <a:ea typeface="+mn-ea"/>
-                <a:cs typeface="+mn-cs"/>
-              </a:rPr>
-              <a:t>number</a:t>
-            </a:r>
-            <a:r>
-              <a:rPr kumimoji="0" lang="it-IT" sz="1800" b="1" i="0" u="none" strike="noStrike" kern="1200" cap="none" spc="0" normalizeH="0" baseline="0" noProof="0" dirty="0">
-                <a:ln>
-                  <a:noFill/>
-                </a:ln>
-                <a:solidFill>
-                  <a:prstClr val="black"/>
-                </a:solidFill>
-                <a:effectLst/>
-                <a:uLnTx/>
-                <a:uFillTx/>
-                <a:latin typeface="Calibri" panose="020F0502020204030204"/>
-                <a:ea typeface="+mn-ea"/>
-                <a:cs typeface="+mn-cs"/>
-              </a:rPr>
-              <a:t> of samples: 3</a:t>
-            </a:r>
-          </a:p>
-        </p:txBody>
-      </p:sp>
-      <p:sp>
-        <p:nvSpPr>
-          <p:cNvPr id="10" name="AutoShape 2">
-            <a:extLst>
-              <a:ext uri="{FF2B5EF4-FFF2-40B4-BE49-F238E27FC236}">
-                <a16:creationId xmlns:a16="http://schemas.microsoft.com/office/drawing/2014/main" id="{5384599A-31E2-862E-72FF-AF91F45BD7E5}"/>
+      <p:sp>
+        <p:nvSpPr>
+          <p:cNvPr id="4" name="AutoShape 2">
+            <a:extLst>
+              <a:ext uri="{FF2B5EF4-FFF2-40B4-BE49-F238E27FC236}">
+                <a16:creationId xmlns:a16="http://schemas.microsoft.com/office/drawing/2014/main" id="{17B54E87-909F-0BCE-0D7B-9119B66EA212}"/>
               </a:ext>
             </a:extLst>
           </p:cNvPr>
@@ -5984,271 +5622,16 @@
           </a:bodyPr>
           <a:lstStyle/>
           <a:p>
-            <a:pPr marL="0" marR="0" lvl="0" indent="0" algn="l" defTabSz="914400" rtl="0" eaLnBrk="1" fontAlgn="auto" latinLnBrk="0" hangingPunct="1">
-              <a:lnSpc>
-                <a:spcPct val="100000"/>
-              </a:lnSpc>
-              <a:spcBef>
-                <a:spcPts val="0"/>
-              </a:spcBef>
-              <a:spcAft>
-                <a:spcPts val="0"/>
-              </a:spcAft>
-              <a:buClrTx/>
-              <a:buSzTx/>
-              <a:buFontTx/>
-              <a:buNone/>
-              <a:tabLst/>
-              <a:defRPr/>
-            </a:pPr>
-            <a:endParaRPr kumimoji="0" lang="it-IT" sz="1800" b="0" i="0" u="none" strike="noStrike" kern="1200" cap="none" spc="0" normalizeH="0" baseline="0" noProof="0">
-              <a:ln>
-                <a:noFill/>
-              </a:ln>
-              <a:solidFill>
-                <a:prstClr val="black"/>
-              </a:solidFill>
-              <a:effectLst/>
-              <a:uLnTx/>
-              <a:uFillTx/>
-              <a:latin typeface="Calibri" panose="020F0502020204030204"/>
-              <a:ea typeface="+mn-ea"/>
-              <a:cs typeface="+mn-cs"/>
-            </a:endParaRPr>
-          </a:p>
-        </p:txBody>
-      </p:sp>
-      <p:sp>
-        <p:nvSpPr>
-          <p:cNvPr id="15" name="AutoShape 4">
-            <a:extLst>
-              <a:ext uri="{FF2B5EF4-FFF2-40B4-BE49-F238E27FC236}">
-                <a16:creationId xmlns:a16="http://schemas.microsoft.com/office/drawing/2014/main" id="{4B0ACB89-1ED2-162C-3445-2C7249B546F5}"/>
-              </a:ext>
-            </a:extLst>
-          </p:cNvPr>
-          <p:cNvSpPr>
-            <a:spLocks noChangeAspect="1" noChangeArrowheads="1"/>
-          </p:cNvSpPr>
-          <p:nvPr/>
-        </p:nvSpPr>
-        <p:spPr bwMode="auto">
-          <a:xfrm>
-            <a:off x="6096000" y="3429000"/>
-            <a:ext cx="304800" cy="304800"/>
-          </a:xfrm>
-          <a:prstGeom prst="rect">
-            <a:avLst/>
-          </a:prstGeom>
-          <a:noFill/>
-          <a:extLst>
-            <a:ext uri="{909E8E84-426E-40DD-AFC4-6F175D3DCCD1}">
-              <a14:hiddenFill xmlns:a14="http://schemas.microsoft.com/office/drawing/2010/main">
-                <a:solidFill>
-                  <a:srgbClr val="FFFFFF"/>
-                </a:solidFill>
-              </a14:hiddenFill>
-            </a:ext>
-          </a:extLst>
-        </p:spPr>
-        <p:txBody>
-          <a:bodyPr vert="horz" wrap="square" lIns="91440" tIns="45720" rIns="91440" bIns="45720" numCol="1" anchor="t" anchorCtr="0" compatLnSpc="1">
-            <a:prstTxWarp prst="textNoShape">
-              <a:avLst/>
-            </a:prstTxWarp>
-          </a:bodyPr>
-          <a:lstStyle/>
-          <a:p>
-            <a:pPr marL="0" marR="0" lvl="0" indent="0" algn="l" defTabSz="914400" rtl="0" eaLnBrk="1" fontAlgn="auto" latinLnBrk="0" hangingPunct="1">
-              <a:lnSpc>
-                <a:spcPct val="100000"/>
-              </a:lnSpc>
-              <a:spcBef>
-                <a:spcPts val="0"/>
-              </a:spcBef>
-              <a:spcAft>
-                <a:spcPts val="0"/>
-              </a:spcAft>
-              <a:buClrTx/>
-              <a:buSzTx/>
-              <a:buFontTx/>
-              <a:buNone/>
-              <a:tabLst/>
-              <a:defRPr/>
-            </a:pPr>
-            <a:endParaRPr kumimoji="0" lang="it-IT" sz="1800" b="0" i="0" u="none" strike="noStrike" kern="1200" cap="none" spc="0" normalizeH="0" baseline="0" noProof="0">
-              <a:ln>
-                <a:noFill/>
-              </a:ln>
-              <a:solidFill>
-                <a:prstClr val="black"/>
-              </a:solidFill>
-              <a:effectLst/>
-              <a:uLnTx/>
-              <a:uFillTx/>
-              <a:latin typeface="Calibri" panose="020F0502020204030204"/>
-              <a:ea typeface="+mn-ea"/>
-              <a:cs typeface="+mn-cs"/>
-            </a:endParaRPr>
-          </a:p>
-        </p:txBody>
-      </p:sp>
-      <p:sp>
-        <p:nvSpPr>
-          <p:cNvPr id="11" name="AutoShape 6">
-            <a:extLst>
-              <a:ext uri="{FF2B5EF4-FFF2-40B4-BE49-F238E27FC236}">
-                <a16:creationId xmlns:a16="http://schemas.microsoft.com/office/drawing/2014/main" id="{CF2B3126-942C-4AA1-F823-630261A54295}"/>
-              </a:ext>
-            </a:extLst>
-          </p:cNvPr>
-          <p:cNvSpPr>
-            <a:spLocks noChangeAspect="1" noChangeArrowheads="1"/>
-          </p:cNvSpPr>
-          <p:nvPr/>
-        </p:nvSpPr>
-        <p:spPr bwMode="auto">
-          <a:xfrm>
-            <a:off x="6248400" y="3581400"/>
-            <a:ext cx="304800" cy="304800"/>
-          </a:xfrm>
-          <a:prstGeom prst="rect">
-            <a:avLst/>
-          </a:prstGeom>
-          <a:noFill/>
-          <a:extLst>
-            <a:ext uri="{909E8E84-426E-40DD-AFC4-6F175D3DCCD1}">
-              <a14:hiddenFill xmlns:a14="http://schemas.microsoft.com/office/drawing/2010/main">
-                <a:solidFill>
-                  <a:srgbClr val="FFFFFF"/>
-                </a:solidFill>
-              </a14:hiddenFill>
-            </a:ext>
-          </a:extLst>
-        </p:spPr>
-        <p:txBody>
-          <a:bodyPr vert="horz" wrap="square" lIns="91440" tIns="45720" rIns="91440" bIns="45720" numCol="1" anchor="t" anchorCtr="0" compatLnSpc="1">
-            <a:prstTxWarp prst="textNoShape">
-              <a:avLst/>
-            </a:prstTxWarp>
-          </a:bodyPr>
-          <a:lstStyle/>
-          <a:p>
-            <a:pPr marL="0" marR="0" lvl="0" indent="0" algn="l" defTabSz="914400" rtl="0" eaLnBrk="1" fontAlgn="auto" latinLnBrk="0" hangingPunct="1">
-              <a:lnSpc>
-                <a:spcPct val="100000"/>
-              </a:lnSpc>
-              <a:spcBef>
-                <a:spcPts val="0"/>
-              </a:spcBef>
-              <a:spcAft>
-                <a:spcPts val="0"/>
-              </a:spcAft>
-              <a:buClrTx/>
-              <a:buSzTx/>
-              <a:buFontTx/>
-              <a:buNone/>
-              <a:tabLst/>
-              <a:defRPr/>
-            </a:pPr>
-            <a:endParaRPr kumimoji="0" lang="it-IT" sz="1800" b="0" i="0" u="none" strike="noStrike" kern="1200" cap="none" spc="0" normalizeH="0" baseline="0" noProof="0">
-              <a:ln>
-                <a:noFill/>
-              </a:ln>
-              <a:solidFill>
-                <a:prstClr val="black"/>
-              </a:solidFill>
-              <a:effectLst/>
-              <a:uLnTx/>
-              <a:uFillTx/>
-              <a:latin typeface="Calibri" panose="020F0502020204030204"/>
-              <a:ea typeface="+mn-ea"/>
-              <a:cs typeface="+mn-cs"/>
-            </a:endParaRPr>
-          </a:p>
-        </p:txBody>
-      </p:sp>
-      <p:sp>
-        <p:nvSpPr>
-          <p:cNvPr id="5" name="AutoShape 2">
-            <a:extLst>
-              <a:ext uri="{FF2B5EF4-FFF2-40B4-BE49-F238E27FC236}">
-                <a16:creationId xmlns:a16="http://schemas.microsoft.com/office/drawing/2014/main" id="{9C46A8AB-0B8A-B405-EE73-0F921F7E2CD9}"/>
-              </a:ext>
-            </a:extLst>
-          </p:cNvPr>
-          <p:cNvSpPr>
-            <a:spLocks noChangeAspect="1" noChangeArrowheads="1"/>
-          </p:cNvSpPr>
-          <p:nvPr/>
-        </p:nvSpPr>
-        <p:spPr bwMode="auto">
-          <a:xfrm>
-            <a:off x="6400800" y="3733800"/>
-            <a:ext cx="304800" cy="304800"/>
-          </a:xfrm>
-          <a:prstGeom prst="rect">
-            <a:avLst/>
-          </a:prstGeom>
-          <a:noFill/>
-          <a:extLst>
-            <a:ext uri="{909E8E84-426E-40DD-AFC4-6F175D3DCCD1}">
-              <a14:hiddenFill xmlns:a14="http://schemas.microsoft.com/office/drawing/2010/main">
-                <a:solidFill>
-                  <a:srgbClr val="FFFFFF"/>
-                </a:solidFill>
-              </a14:hiddenFill>
-            </a:ext>
-          </a:extLst>
-        </p:spPr>
-        <p:txBody>
-          <a:bodyPr vert="horz" wrap="square" lIns="91440" tIns="45720" rIns="91440" bIns="45720" numCol="1" anchor="t" anchorCtr="0" compatLnSpc="1">
-            <a:prstTxWarp prst="textNoShape">
-              <a:avLst/>
-            </a:prstTxWarp>
-          </a:bodyPr>
-          <a:lstStyle/>
-          <a:p>
-            <a:pPr marL="0" marR="0" lvl="0" indent="0" algn="l" defTabSz="914400" rtl="0" eaLnBrk="1" fontAlgn="auto" latinLnBrk="0" hangingPunct="1">
-              <a:lnSpc>
-                <a:spcPct val="100000"/>
-              </a:lnSpc>
-              <a:spcBef>
-                <a:spcPts val="0"/>
-              </a:spcBef>
-              <a:spcAft>
-                <a:spcPts val="0"/>
-              </a:spcAft>
-              <a:buClrTx/>
-              <a:buSzTx/>
-              <a:buFontTx/>
-              <a:buNone/>
-              <a:tabLst/>
-              <a:defRPr/>
-            </a:pPr>
-            <a:endParaRPr kumimoji="0" lang="it-IT" sz="1800" b="0" i="0" u="none" strike="noStrike" kern="1200" cap="none" spc="0" normalizeH="0" baseline="0" noProof="0">
-              <a:ln>
-                <a:noFill/>
-              </a:ln>
-              <a:solidFill>
-                <a:prstClr val="black"/>
-              </a:solidFill>
-              <a:effectLst/>
-              <a:uLnTx/>
-              <a:uFillTx/>
-              <a:latin typeface="Calibri" panose="020F0502020204030204"/>
-              <a:ea typeface="+mn-ea"/>
-              <a:cs typeface="+mn-cs"/>
-            </a:endParaRPr>
+            <a:endParaRPr lang="it-IT"/>
           </a:p>
         </p:txBody>
       </p:sp>
       <p:pic>
         <p:nvPicPr>
-          <p:cNvPr id="8" name="Immagine 7">
-            <a:extLst>
-              <a:ext uri="{FF2B5EF4-FFF2-40B4-BE49-F238E27FC236}">
-                <a16:creationId xmlns:a16="http://schemas.microsoft.com/office/drawing/2014/main" id="{E7212A88-0DF7-B643-945C-5520C1CB8AA4}"/>
+          <p:cNvPr id="5" name="Immagine 4">
+            <a:extLst>
+              <a:ext uri="{FF2B5EF4-FFF2-40B4-BE49-F238E27FC236}">
+                <a16:creationId xmlns:a16="http://schemas.microsoft.com/office/drawing/2014/main" id="{D3849B8B-21CE-3DD1-1548-23B095F75D41}"/>
               </a:ext>
             </a:extLst>
           </p:cNvPr>
@@ -6265,8 +5648,8 @@
         </p:blipFill>
         <p:spPr>
           <a:xfrm>
-            <a:off x="1076873" y="942664"/>
-            <a:ext cx="4834547" cy="4468755"/>
+            <a:off x="6376737" y="640017"/>
+            <a:ext cx="4142702" cy="4609487"/>
           </a:xfrm>
           <a:prstGeom prst="rect">
             <a:avLst/>
@@ -6275,10 +5658,10 @@
       </p:pic>
       <p:pic>
         <p:nvPicPr>
-          <p:cNvPr id="9" name="Immagine 8">
-            <a:extLst>
-              <a:ext uri="{FF2B5EF4-FFF2-40B4-BE49-F238E27FC236}">
-                <a16:creationId xmlns:a16="http://schemas.microsoft.com/office/drawing/2014/main" id="{0C4607D7-DC68-9957-6956-E3A111740654}"/>
+          <p:cNvPr id="6" name="Immagine 5">
+            <a:extLst>
+              <a:ext uri="{FF2B5EF4-FFF2-40B4-BE49-F238E27FC236}">
+                <a16:creationId xmlns:a16="http://schemas.microsoft.com/office/drawing/2014/main" id="{667954C5-2D34-EF51-E647-43818CDFC210}"/>
               </a:ext>
             </a:extLst>
           </p:cNvPr>
@@ -6295,18 +5678,183 @@
         </p:blipFill>
         <p:spPr>
           <a:xfrm>
-            <a:off x="6094475" y="924798"/>
-            <a:ext cx="5238095" cy="4361905"/>
+            <a:off x="577168" y="571838"/>
+            <a:ext cx="5238095" cy="5409524"/>
           </a:xfrm>
           <a:prstGeom prst="rect">
             <a:avLst/>
           </a:prstGeom>
         </p:spPr>
       </p:pic>
+      <p:sp>
+        <p:nvSpPr>
+          <p:cNvPr id="3" name="CasellaDiTesto 2">
+            <a:extLst>
+              <a:ext uri="{FF2B5EF4-FFF2-40B4-BE49-F238E27FC236}">
+                <a16:creationId xmlns:a16="http://schemas.microsoft.com/office/drawing/2014/main" id="{BFDB48C2-C0B6-B362-A1B5-1F94024F170E}"/>
+              </a:ext>
+            </a:extLst>
+          </p:cNvPr>
+          <p:cNvSpPr txBox="1"/>
+          <p:nvPr/>
+        </p:nvSpPr>
+        <p:spPr>
+          <a:xfrm>
+            <a:off x="935231" y="6024552"/>
+            <a:ext cx="4114800" cy="523220"/>
+          </a:xfrm>
+          <a:prstGeom prst="rect">
+            <a:avLst/>
+          </a:prstGeom>
+          <a:noFill/>
+        </p:spPr>
+        <p:txBody>
+          <a:bodyPr wrap="square" rtlCol="0">
+            <a:spAutoFit/>
+          </a:bodyPr>
+          <a:lstStyle/>
+          <a:p>
+            <a:pPr algn="ctr"/>
+            <a:r>
+              <a:rPr lang="it-IT" sz="1400" dirty="0" err="1"/>
+              <a:t>about</a:t>
+            </a:r>
+            <a:r>
+              <a:rPr lang="it-IT" sz="1400" dirty="0"/>
+              <a:t> </a:t>
+            </a:r>
+            <a:r>
+              <a:rPr lang="it-IT" sz="1400" b="1" dirty="0"/>
+              <a:t>42 % (1250</a:t>
+            </a:r>
+            <a:r>
+              <a:rPr lang="it-IT" sz="1400" dirty="0"/>
+              <a:t>) of DE </a:t>
+            </a:r>
+            <a:r>
+              <a:rPr lang="it-IT" sz="1400" dirty="0" err="1"/>
+              <a:t>genes</a:t>
+            </a:r>
+            <a:r>
+              <a:rPr lang="it-IT" sz="1400" dirty="0"/>
+              <a:t> are </a:t>
+            </a:r>
+            <a:r>
+              <a:rPr lang="it-IT" sz="1400" dirty="0" err="1"/>
+              <a:t>explained</a:t>
+            </a:r>
+            <a:r>
+              <a:rPr lang="it-IT" sz="1400" dirty="0"/>
+              <a:t> by </a:t>
+            </a:r>
+          </a:p>
+          <a:p>
+            <a:pPr algn="ctr"/>
+            <a:r>
+              <a:rPr lang="it-IT" sz="1400" dirty="0"/>
+              <a:t>the </a:t>
+            </a:r>
+            <a:r>
+              <a:rPr lang="it-IT" sz="1400" dirty="0" err="1"/>
+              <a:t>effect</a:t>
+            </a:r>
+            <a:r>
+              <a:rPr lang="it-IT" sz="1400" dirty="0"/>
+              <a:t> of CNV</a:t>
+            </a:r>
+          </a:p>
+        </p:txBody>
+      </p:sp>
+      <p:pic>
+        <p:nvPicPr>
+          <p:cNvPr id="7" name="Immagine 6">
+            <a:extLst>
+              <a:ext uri="{FF2B5EF4-FFF2-40B4-BE49-F238E27FC236}">
+                <a16:creationId xmlns:a16="http://schemas.microsoft.com/office/drawing/2014/main" id="{7ACF0E8D-9D4B-CA84-BF32-6748C17D1602}"/>
+              </a:ext>
+            </a:extLst>
+          </p:cNvPr>
+          <p:cNvPicPr>
+            <a:picLocks noChangeAspect="1"/>
+          </p:cNvPicPr>
+          <p:nvPr/>
+        </p:nvPicPr>
+        <p:blipFill>
+          <a:blip r:embed="rId4"/>
+          <a:stretch>
+            <a:fillRect/>
+          </a:stretch>
+        </p:blipFill>
+        <p:spPr>
+          <a:xfrm>
+            <a:off x="6205844" y="5183875"/>
+            <a:ext cx="4596782" cy="1442344"/>
+          </a:xfrm>
+          <a:prstGeom prst="rect">
+            <a:avLst/>
+          </a:prstGeom>
+        </p:spPr>
+      </p:pic>
+      <p:sp>
+        <p:nvSpPr>
+          <p:cNvPr id="9" name="Titolo 1">
+            <a:extLst>
+              <a:ext uri="{FF2B5EF4-FFF2-40B4-BE49-F238E27FC236}">
+                <a16:creationId xmlns:a16="http://schemas.microsoft.com/office/drawing/2014/main" id="{53518055-2185-2479-F78B-E09A496B342D}"/>
+              </a:ext>
+            </a:extLst>
+          </p:cNvPr>
+          <p:cNvSpPr txBox="1">
+            <a:spLocks/>
+          </p:cNvSpPr>
+          <p:nvPr/>
+        </p:nvSpPr>
+        <p:spPr>
+          <a:xfrm>
+            <a:off x="2701636" y="212726"/>
+            <a:ext cx="7398328" cy="576983"/>
+          </a:xfrm>
+          <a:prstGeom prst="rect">
+            <a:avLst/>
+          </a:prstGeom>
+        </p:spPr>
+        <p:txBody>
+          <a:bodyPr>
+            <a:normAutofit/>
+          </a:bodyPr>
+          <a:lstStyle>
+            <a:lvl1pPr algn="l" defTabSz="914400" rtl="0" eaLnBrk="1" latinLnBrk="0" hangingPunct="1">
+              <a:lnSpc>
+                <a:spcPct val="90000"/>
+              </a:lnSpc>
+              <a:spcBef>
+                <a:spcPct val="0"/>
+              </a:spcBef>
+              <a:buNone/>
+              <a:defRPr sz="4400" kern="1200">
+                <a:solidFill>
+                  <a:schemeClr val="tx1"/>
+                </a:solidFill>
+                <a:latin typeface="+mj-lt"/>
+                <a:ea typeface="+mj-ea"/>
+                <a:cs typeface="+mj-cs"/>
+              </a:defRPr>
+            </a:lvl1pPr>
+          </a:lstStyle>
+          <a:p>
+            <a:pPr algn="ctr"/>
+            <a:r>
+              <a:rPr lang="it-IT" sz="1800" b="1"/>
+              <a:t>TCGA, BRCA (sample size = 3)</a:t>
+            </a:r>
+            <a:endParaRPr lang="it-IT" sz="1800" b="1" dirty="0"/>
+          </a:p>
+        </p:txBody>
+      </p:sp>
     </p:spTree>
     <p:extLst>
       <p:ext uri="{BB962C8B-B14F-4D97-AF65-F5344CB8AC3E}">
-        <p14:creationId xmlns:p14="http://schemas.microsoft.com/office/powerpoint/2010/main" val="4206292135"/>
+        <p14:creationId xmlns:p14="http://schemas.microsoft.com/office/powerpoint/2010/main" val="3904901927"/>
       </p:ext>
     </p:extLst>
   </p:cSld>
@@ -6338,7 +5886,7 @@
           <p:cNvPr id="2" name="Titolo 1">
             <a:extLst>
               <a:ext uri="{FF2B5EF4-FFF2-40B4-BE49-F238E27FC236}">
-                <a16:creationId xmlns:a16="http://schemas.microsoft.com/office/drawing/2014/main" id="{0BDA38E2-407F-73D5-5B05-04FF8FB82723}"/>
+                <a16:creationId xmlns:a16="http://schemas.microsoft.com/office/drawing/2014/main" id="{63606989-B120-622A-D19B-51EA69130031}"/>
               </a:ext>
             </a:extLst>
           </p:cNvPr>
@@ -6351,8 +5899,8 @@
         </p:nvSpPr>
         <p:spPr>
           <a:xfrm>
-            <a:off x="2701636" y="212726"/>
-            <a:ext cx="7398328" cy="729384"/>
+            <a:off x="2293034" y="154745"/>
+            <a:ext cx="7189764" cy="818490"/>
           </a:xfrm>
         </p:spPr>
         <p:txBody>
@@ -6363,108 +5911,76 @@
           <a:p>
             <a:pPr algn="ctr"/>
             <a:r>
-              <a:rPr lang="it-IT" sz="2800" b="1" dirty="0"/>
-              <a:t>TCGA, BRCA</a:t>
-            </a:r>
-          </a:p>
-        </p:txBody>
-      </p:sp>
-      <p:sp>
-        <p:nvSpPr>
-          <p:cNvPr id="5" name="AutoShape 2">
-            <a:extLst>
-              <a:ext uri="{FF2B5EF4-FFF2-40B4-BE49-F238E27FC236}">
-                <a16:creationId xmlns:a16="http://schemas.microsoft.com/office/drawing/2014/main" id="{7709A296-EB16-15AB-185B-8C431D744F9E}"/>
-              </a:ext>
-            </a:extLst>
-          </p:cNvPr>
-          <p:cNvSpPr>
-            <a:spLocks noChangeAspect="1" noChangeArrowheads="1"/>
-          </p:cNvSpPr>
+              <a:rPr lang="it-IT" sz="3200" dirty="0" err="1"/>
+              <a:t>DEGs</a:t>
+            </a:r>
+            <a:r>
+              <a:rPr lang="it-IT" sz="3200" dirty="0"/>
+              <a:t> vs </a:t>
+            </a:r>
+            <a:r>
+              <a:rPr lang="it-IT" sz="3200" dirty="0" err="1"/>
+              <a:t>All</a:t>
+            </a:r>
+            <a:r>
+              <a:rPr lang="it-IT" sz="3200" dirty="0"/>
+              <a:t> </a:t>
+            </a:r>
+            <a:r>
+              <a:rPr lang="it-IT" sz="3200" dirty="0" err="1"/>
+              <a:t>tested</a:t>
+            </a:r>
+            <a:r>
+              <a:rPr lang="it-IT" sz="3200" dirty="0"/>
+              <a:t> </a:t>
+            </a:r>
+            <a:r>
+              <a:rPr lang="it-IT" sz="3200" dirty="0" err="1"/>
+              <a:t>genes</a:t>
+            </a:r>
+            <a:r>
+              <a:rPr lang="it-IT" sz="3200" dirty="0"/>
+              <a:t>, BRCA</a:t>
+            </a:r>
+          </a:p>
+        </p:txBody>
+      </p:sp>
+      <p:pic>
+        <p:nvPicPr>
+          <p:cNvPr id="3" name="Immagine 2">
+            <a:extLst>
+              <a:ext uri="{FF2B5EF4-FFF2-40B4-BE49-F238E27FC236}">
+                <a16:creationId xmlns:a16="http://schemas.microsoft.com/office/drawing/2014/main" id="{59D74F64-A6E4-5F31-6845-CC44ADC693AD}"/>
+              </a:ext>
+            </a:extLst>
+          </p:cNvPr>
+          <p:cNvPicPr>
+            <a:picLocks noChangeAspect="1"/>
+          </p:cNvPicPr>
           <p:nvPr/>
-        </p:nvSpPr>
-        <p:spPr bwMode="auto">
+        </p:nvPicPr>
+        <p:blipFill>
+          <a:blip r:embed="rId2"/>
+          <a:stretch>
+            <a:fillRect/>
+          </a:stretch>
+        </p:blipFill>
+        <p:spPr>
           <a:xfrm>
-            <a:off x="5943600" y="3276600"/>
-            <a:ext cx="304800" cy="304800"/>
+            <a:off x="435898" y="1054124"/>
+            <a:ext cx="5810158" cy="5205999"/>
           </a:xfrm>
           <a:prstGeom prst="rect">
             <a:avLst/>
           </a:prstGeom>
-          <a:noFill/>
-          <a:extLst>
-            <a:ext uri="{909E8E84-426E-40DD-AFC4-6F175D3DCCD1}">
-              <a14:hiddenFill xmlns:a14="http://schemas.microsoft.com/office/drawing/2010/main">
-                <a:solidFill>
-                  <a:srgbClr val="FFFFFF"/>
-                </a:solidFill>
-              </a14:hiddenFill>
-            </a:ext>
-          </a:extLst>
-        </p:spPr>
-        <p:txBody>
-          <a:bodyPr vert="horz" wrap="square" lIns="91440" tIns="45720" rIns="91440" bIns="45720" numCol="1" anchor="t" anchorCtr="0" compatLnSpc="1">
-            <a:prstTxWarp prst="textNoShape">
-              <a:avLst/>
-            </a:prstTxWarp>
-          </a:bodyPr>
-          <a:lstStyle/>
-          <a:p>
-            <a:endParaRPr lang="it-IT"/>
-          </a:p>
-        </p:txBody>
-      </p:sp>
-      <p:sp>
-        <p:nvSpPr>
-          <p:cNvPr id="7" name="AutoShape 4">
-            <a:extLst>
-              <a:ext uri="{FF2B5EF4-FFF2-40B4-BE49-F238E27FC236}">
-                <a16:creationId xmlns:a16="http://schemas.microsoft.com/office/drawing/2014/main" id="{7BF1E5A0-89AB-48AA-4B29-ECE2E1E9247B}"/>
-              </a:ext>
-            </a:extLst>
-          </p:cNvPr>
-          <p:cNvSpPr>
-            <a:spLocks noChangeAspect="1" noChangeArrowheads="1"/>
-          </p:cNvSpPr>
-          <p:nvPr/>
-        </p:nvSpPr>
-        <p:spPr bwMode="auto">
-          <a:xfrm>
-            <a:off x="6096000" y="3429000"/>
-            <a:ext cx="304800" cy="304800"/>
-          </a:xfrm>
-          <a:prstGeom prst="rect">
-            <a:avLst/>
-          </a:prstGeom>
-          <a:noFill/>
-          <a:extLst>
-            <a:ext uri="{909E8E84-426E-40DD-AFC4-6F175D3DCCD1}">
-              <a14:hiddenFill xmlns:a14="http://schemas.microsoft.com/office/drawing/2010/main">
-                <a:solidFill>
-                  <a:srgbClr val="FFFFFF"/>
-                </a:solidFill>
-              </a14:hiddenFill>
-            </a:ext>
-          </a:extLst>
-        </p:spPr>
-        <p:txBody>
-          <a:bodyPr vert="horz" wrap="square" lIns="91440" tIns="45720" rIns="91440" bIns="45720" numCol="1" anchor="t" anchorCtr="0" compatLnSpc="1">
-            <a:prstTxWarp prst="textNoShape">
-              <a:avLst/>
-            </a:prstTxWarp>
-          </a:bodyPr>
-          <a:lstStyle/>
-          <a:p>
-            <a:endParaRPr lang="it-IT"/>
-          </a:p>
-        </p:txBody>
-      </p:sp>
+        </p:spPr>
+      </p:pic>
       <p:pic>
         <p:nvPicPr>
-          <p:cNvPr id="9" name="Immagine 8">
-            <a:extLst>
-              <a:ext uri="{FF2B5EF4-FFF2-40B4-BE49-F238E27FC236}">
-                <a16:creationId xmlns:a16="http://schemas.microsoft.com/office/drawing/2014/main" id="{F234F68F-3B63-F1AA-6630-6C2FE9F9875F}"/>
+          <p:cNvPr id="4" name="Immagine 3">
+            <a:extLst>
+              <a:ext uri="{FF2B5EF4-FFF2-40B4-BE49-F238E27FC236}">
+                <a16:creationId xmlns:a16="http://schemas.microsoft.com/office/drawing/2014/main" id="{3F0D1EE8-49D6-42AD-931B-663E3716B69A}"/>
               </a:ext>
             </a:extLst>
           </p:cNvPr>
@@ -6481,107 +5997,18 @@
         </p:blipFill>
         <p:spPr>
           <a:xfrm>
-            <a:off x="6553200" y="942109"/>
-            <a:ext cx="4383679" cy="4089281"/>
+            <a:off x="6096000" y="1054124"/>
+            <a:ext cx="5657143" cy="5205999"/>
           </a:xfrm>
           <a:prstGeom prst="rect">
             <a:avLst/>
           </a:prstGeom>
         </p:spPr>
       </p:pic>
-      <p:pic>
-        <p:nvPicPr>
-          <p:cNvPr id="10" name="Immagine 9">
-            <a:extLst>
-              <a:ext uri="{FF2B5EF4-FFF2-40B4-BE49-F238E27FC236}">
-                <a16:creationId xmlns:a16="http://schemas.microsoft.com/office/drawing/2014/main" id="{2AE8AFB8-FDE5-66AC-73C1-E075F7B09222}"/>
-              </a:ext>
-            </a:extLst>
-          </p:cNvPr>
-          <p:cNvPicPr>
-            <a:picLocks noChangeAspect="1"/>
-          </p:cNvPicPr>
-          <p:nvPr/>
-        </p:nvPicPr>
-        <p:blipFill>
-          <a:blip r:embed="rId4"/>
-          <a:stretch>
-            <a:fillRect/>
-          </a:stretch>
-        </p:blipFill>
-        <p:spPr>
-          <a:xfrm>
-            <a:off x="1010305" y="942109"/>
-            <a:ext cx="5238095" cy="4485714"/>
-          </a:xfrm>
-          <a:prstGeom prst="rect">
-            <a:avLst/>
-          </a:prstGeom>
-        </p:spPr>
-      </p:pic>
-      <p:sp>
-        <p:nvSpPr>
-          <p:cNvPr id="13" name="CasellaDiTesto 12">
-            <a:extLst>
-              <a:ext uri="{FF2B5EF4-FFF2-40B4-BE49-F238E27FC236}">
-                <a16:creationId xmlns:a16="http://schemas.microsoft.com/office/drawing/2014/main" id="{D27DA91D-C07B-3DF7-EEE7-09D64789BAD5}"/>
-              </a:ext>
-            </a:extLst>
-          </p:cNvPr>
-          <p:cNvSpPr txBox="1"/>
-          <p:nvPr/>
-        </p:nvSpPr>
-        <p:spPr>
-          <a:xfrm>
-            <a:off x="1368188" y="5693735"/>
-            <a:ext cx="6093724" cy="369332"/>
-          </a:xfrm>
-          <a:prstGeom prst="rect">
-            <a:avLst/>
-          </a:prstGeom>
-          <a:noFill/>
-        </p:spPr>
-        <p:txBody>
-          <a:bodyPr wrap="square">
-            <a:spAutoFit/>
-          </a:bodyPr>
-          <a:lstStyle/>
-          <a:p>
-            <a:r>
-              <a:rPr lang="it-IT" dirty="0"/>
-              <a:t>~ 22 % </a:t>
-            </a:r>
-            <a:r>
-              <a:rPr lang="it-IT" dirty="0" err="1"/>
-              <a:t>Dosage</a:t>
-            </a:r>
-            <a:r>
-              <a:rPr lang="it-IT" dirty="0"/>
-              <a:t> </a:t>
-            </a:r>
-            <a:r>
-              <a:rPr lang="it-IT" dirty="0" err="1"/>
-              <a:t>compensated</a:t>
-            </a:r>
-            <a:r>
-              <a:rPr lang="it-IT" dirty="0"/>
-              <a:t> </a:t>
-            </a:r>
-            <a:r>
-              <a:rPr lang="it-IT" dirty="0" err="1"/>
-              <a:t>genes</a:t>
-            </a:r>
-            <a:r>
-              <a:rPr lang="it-IT" dirty="0"/>
-              <a:t> </a:t>
-            </a:r>
-          </a:p>
-        </p:txBody>
-      </p:sp>
     </p:spTree>
     <p:extLst>
       <p:ext uri="{BB962C8B-B14F-4D97-AF65-F5344CB8AC3E}">
-        <p14:creationId xmlns:p14="http://schemas.microsoft.com/office/powerpoint/2010/main" val="4195595013"/>
+        <p14:creationId xmlns:p14="http://schemas.microsoft.com/office/powerpoint/2010/main" val="3487685893"/>
       </p:ext>
     </p:extLst>
   </p:cSld>
@@ -6608,12 +6035,42 @@
           <a:chExt cx="0" cy="0"/>
         </a:xfrm>
       </p:grpSpPr>
+      <p:pic>
+        <p:nvPicPr>
+          <p:cNvPr id="2" name="Immagine 1">
+            <a:extLst>
+              <a:ext uri="{FF2B5EF4-FFF2-40B4-BE49-F238E27FC236}">
+                <a16:creationId xmlns:a16="http://schemas.microsoft.com/office/drawing/2014/main" id="{C022B97E-705B-5FD5-C531-061E11A7AD38}"/>
+              </a:ext>
+            </a:extLst>
+          </p:cNvPr>
+          <p:cNvPicPr>
+            <a:picLocks noChangeAspect="1"/>
+          </p:cNvPicPr>
+          <p:nvPr/>
+        </p:nvPicPr>
+        <p:blipFill>
+          <a:blip r:embed="rId2"/>
+          <a:stretch>
+            <a:fillRect/>
+          </a:stretch>
+        </p:blipFill>
+        <p:spPr>
+          <a:xfrm>
+            <a:off x="529910" y="410757"/>
+            <a:ext cx="5420724" cy="5441403"/>
+          </a:xfrm>
+          <a:prstGeom prst="rect">
+            <a:avLst/>
+          </a:prstGeom>
+        </p:spPr>
+      </p:pic>
       <p:sp>
         <p:nvSpPr>
           <p:cNvPr id="4" name="AutoShape 2">
             <a:extLst>
               <a:ext uri="{FF2B5EF4-FFF2-40B4-BE49-F238E27FC236}">
-                <a16:creationId xmlns:a16="http://schemas.microsoft.com/office/drawing/2014/main" id="{17B54E87-909F-0BCE-0D7B-9119B66EA212}"/>
+                <a16:creationId xmlns:a16="http://schemas.microsoft.com/office/drawing/2014/main" id="{500B2ECD-8C69-2307-A6A9-92C9566FB5F0}"/>
               </a:ext>
             </a:extLst>
           </p:cNvPr>
@@ -6658,37 +6115,7 @@
           <p:cNvPr id="5" name="Immagine 4">
             <a:extLst>
               <a:ext uri="{FF2B5EF4-FFF2-40B4-BE49-F238E27FC236}">
-                <a16:creationId xmlns:a16="http://schemas.microsoft.com/office/drawing/2014/main" id="{D3849B8B-21CE-3DD1-1548-23B095F75D41}"/>
-              </a:ext>
-            </a:extLst>
-          </p:cNvPr>
-          <p:cNvPicPr>
-            <a:picLocks noChangeAspect="1"/>
-          </p:cNvPicPr>
-          <p:nvPr/>
-        </p:nvPicPr>
-        <p:blipFill>
-          <a:blip r:embed="rId2"/>
-          <a:stretch>
-            <a:fillRect/>
-          </a:stretch>
-        </p:blipFill>
-        <p:spPr>
-          <a:xfrm>
-            <a:off x="6432884" y="231781"/>
-            <a:ext cx="4142702" cy="4609487"/>
-          </a:xfrm>
-          <a:prstGeom prst="rect">
-            <a:avLst/>
-          </a:prstGeom>
-        </p:spPr>
-      </p:pic>
-      <p:pic>
-        <p:nvPicPr>
-          <p:cNvPr id="6" name="Immagine 5">
-            <a:extLst>
-              <a:ext uri="{FF2B5EF4-FFF2-40B4-BE49-F238E27FC236}">
-                <a16:creationId xmlns:a16="http://schemas.microsoft.com/office/drawing/2014/main" id="{667954C5-2D34-EF51-E647-43818CDFC210}"/>
+                <a16:creationId xmlns:a16="http://schemas.microsoft.com/office/drawing/2014/main" id="{48972927-5A17-A98B-C6C7-7821D90EB81E}"/>
               </a:ext>
             </a:extLst>
           </p:cNvPr>
@@ -6705,117 +6132,8 @@
         </p:blipFill>
         <p:spPr>
           <a:xfrm>
-            <a:off x="705505" y="189700"/>
-            <a:ext cx="5238095" cy="5409524"/>
-          </a:xfrm>
-          <a:prstGeom prst="rect">
-            <a:avLst/>
-          </a:prstGeom>
-        </p:spPr>
-      </p:pic>
-      <p:sp>
-        <p:nvSpPr>
-          <p:cNvPr id="3" name="CasellaDiTesto 2">
-            <a:extLst>
-              <a:ext uri="{FF2B5EF4-FFF2-40B4-BE49-F238E27FC236}">
-                <a16:creationId xmlns:a16="http://schemas.microsoft.com/office/drawing/2014/main" id="{BFDB48C2-C0B6-B362-A1B5-1F94024F170E}"/>
-              </a:ext>
-            </a:extLst>
-          </p:cNvPr>
-          <p:cNvSpPr txBox="1"/>
-          <p:nvPr/>
-        </p:nvSpPr>
-        <p:spPr>
-          <a:xfrm>
-            <a:off x="919189" y="5772040"/>
-            <a:ext cx="4114800" cy="523220"/>
-          </a:xfrm>
-          <a:prstGeom prst="rect">
-            <a:avLst/>
-          </a:prstGeom>
-          <a:noFill/>
-        </p:spPr>
-        <p:txBody>
-          <a:bodyPr wrap="square" rtlCol="0">
-            <a:spAutoFit/>
-          </a:bodyPr>
-          <a:lstStyle/>
-          <a:p>
-            <a:pPr algn="ctr"/>
-            <a:r>
-              <a:rPr lang="it-IT" sz="1400" dirty="0" err="1"/>
-              <a:t>about</a:t>
-            </a:r>
-            <a:r>
-              <a:rPr lang="it-IT" sz="1400" dirty="0"/>
-              <a:t> </a:t>
-            </a:r>
-            <a:r>
-              <a:rPr lang="it-IT" sz="1400" b="1" dirty="0"/>
-              <a:t>42 % (1250</a:t>
-            </a:r>
-            <a:r>
-              <a:rPr lang="it-IT" sz="1400" dirty="0"/>
-              <a:t>) of DE </a:t>
-            </a:r>
-            <a:r>
-              <a:rPr lang="it-IT" sz="1400" dirty="0" err="1"/>
-              <a:t>genes</a:t>
-            </a:r>
-            <a:r>
-              <a:rPr lang="it-IT" sz="1400" dirty="0"/>
-              <a:t> are </a:t>
-            </a:r>
-            <a:r>
-              <a:rPr lang="it-IT" sz="1400" dirty="0" err="1"/>
-              <a:t>explained</a:t>
-            </a:r>
-            <a:r>
-              <a:rPr lang="it-IT" sz="1400" dirty="0"/>
-              <a:t> by </a:t>
-            </a:r>
-          </a:p>
-          <a:p>
-            <a:pPr algn="ctr"/>
-            <a:r>
-              <a:rPr lang="it-IT" sz="1400" dirty="0"/>
-              <a:t>the </a:t>
-            </a:r>
-            <a:r>
-              <a:rPr lang="it-IT" sz="1400" dirty="0" err="1"/>
-              <a:t>effect</a:t>
-            </a:r>
-            <a:r>
-              <a:rPr lang="it-IT" sz="1400" dirty="0"/>
-              <a:t> of CNV</a:t>
-            </a:r>
-          </a:p>
-        </p:txBody>
-      </p:sp>
-      <p:pic>
-        <p:nvPicPr>
-          <p:cNvPr id="7" name="Immagine 6">
-            <a:extLst>
-              <a:ext uri="{FF2B5EF4-FFF2-40B4-BE49-F238E27FC236}">
-                <a16:creationId xmlns:a16="http://schemas.microsoft.com/office/drawing/2014/main" id="{7ACF0E8D-9D4B-CA84-BF32-6748C17D1602}"/>
-              </a:ext>
-            </a:extLst>
-          </p:cNvPr>
-          <p:cNvPicPr>
-            <a:picLocks noChangeAspect="1"/>
-          </p:cNvPicPr>
-          <p:nvPr/>
-        </p:nvPicPr>
-        <p:blipFill>
-          <a:blip r:embed="rId4"/>
-          <a:stretch>
-            <a:fillRect/>
-          </a:stretch>
-        </p:blipFill>
-        <p:spPr>
-          <a:xfrm>
-            <a:off x="6432884" y="5022377"/>
-            <a:ext cx="4596782" cy="1442344"/>
+            <a:off x="6095999" y="410757"/>
+            <a:ext cx="5433527" cy="5409524"/>
           </a:xfrm>
           <a:prstGeom prst="rect">
             <a:avLst/>
@@ -6825,7 +6143,7 @@
     </p:spTree>
     <p:extLst>
       <p:ext uri="{BB962C8B-B14F-4D97-AF65-F5344CB8AC3E}">
-        <p14:creationId xmlns:p14="http://schemas.microsoft.com/office/powerpoint/2010/main" val="3904901927"/>
+        <p14:creationId xmlns:p14="http://schemas.microsoft.com/office/powerpoint/2010/main" val="1158529066"/>
       </p:ext>
     </p:extLst>
   </p:cSld>
@@ -6857,7 +6175,7 @@
           <p:cNvPr id="2" name="Titolo 1">
             <a:extLst>
               <a:ext uri="{FF2B5EF4-FFF2-40B4-BE49-F238E27FC236}">
-                <a16:creationId xmlns:a16="http://schemas.microsoft.com/office/drawing/2014/main" id="{63606989-B120-622A-D19B-51EA69130031}"/>
+                <a16:creationId xmlns:a16="http://schemas.microsoft.com/office/drawing/2014/main" id="{FE948474-C215-10F4-9981-88933170F35F}"/>
               </a:ext>
             </a:extLst>
           </p:cNvPr>
@@ -6870,49 +6188,32 @@
         </p:nvSpPr>
         <p:spPr>
           <a:xfrm>
-            <a:off x="2293034" y="154745"/>
-            <a:ext cx="7189764" cy="818490"/>
-          </a:xfrm>
-        </p:spPr>
-        <p:txBody>
-          <a:bodyPr>
-            <a:normAutofit/>
-          </a:bodyPr>
+            <a:off x="838200" y="365126"/>
+            <a:ext cx="10515600" cy="757822"/>
+          </a:xfrm>
+        </p:spPr>
+        <p:txBody>
+          <a:bodyPr/>
           <a:lstStyle/>
           <a:p>
-            <a:pPr algn="ctr"/>
-            <a:r>
-              <a:rPr lang="it-IT" sz="3200" dirty="0" err="1"/>
-              <a:t>DEGs</a:t>
-            </a:r>
-            <a:r>
-              <a:rPr lang="it-IT" sz="3200" dirty="0"/>
-              <a:t> vs </a:t>
-            </a:r>
-            <a:r>
-              <a:rPr lang="it-IT" sz="3200" dirty="0" err="1"/>
-              <a:t>All</a:t>
-            </a:r>
-            <a:r>
-              <a:rPr lang="it-IT" sz="3200" dirty="0"/>
-              <a:t> </a:t>
-            </a:r>
-            <a:r>
-              <a:rPr lang="it-IT" sz="3200" dirty="0" err="1"/>
-              <a:t>tested</a:t>
-            </a:r>
-            <a:r>
-              <a:rPr lang="it-IT" sz="3200" dirty="0"/>
-              <a:t> </a:t>
-            </a:r>
-            <a:r>
-              <a:rPr lang="it-IT" sz="3200" dirty="0" err="1"/>
-              <a:t>genes</a:t>
-            </a:r>
-            <a:r>
-              <a:rPr lang="it-IT" sz="3200" dirty="0"/>
-              <a:t>, BRCA</a:t>
-            </a:r>
+            <a:r>
+              <a:rPr kumimoji="0" lang="it-IT" sz="2800" b="0" i="0" u="none" strike="noStrike" kern="1200" cap="none" spc="0" normalizeH="0" baseline="0" noProof="0" dirty="0">
+                <a:ln>
+                  <a:noFill/>
+                </a:ln>
+                <a:solidFill>
+                  <a:prstClr val="black"/>
+                </a:solidFill>
+                <a:effectLst/>
+                <a:uLnTx/>
+                <a:uFillTx/>
+                <a:latin typeface="Calibri Light" panose="020F0302020204030204"/>
+                <a:ea typeface="+mj-ea"/>
+                <a:cs typeface="+mj-cs"/>
+              </a:rPr>
+              <a:t>LUAD dataset (sample size = 10)</a:t>
+            </a:r>
+            <a:endParaRPr lang="it-IT" dirty="0"/>
           </a:p>
         </p:txBody>
       </p:sp>
@@ -6921,7 +6222,7 @@
           <p:cNvPr id="3" name="Immagine 2">
             <a:extLst>
               <a:ext uri="{FF2B5EF4-FFF2-40B4-BE49-F238E27FC236}">
-                <a16:creationId xmlns:a16="http://schemas.microsoft.com/office/drawing/2014/main" id="{59D74F64-A6E4-5F31-6845-CC44ADC693AD}"/>
+                <a16:creationId xmlns:a16="http://schemas.microsoft.com/office/drawing/2014/main" id="{D9F44BAE-A466-6309-29AC-676077E31A1A}"/>
               </a:ext>
             </a:extLst>
           </p:cNvPr>
@@ -6938,20 +6239,65 @@
         </p:blipFill>
         <p:spPr>
           <a:xfrm>
-            <a:off x="435898" y="1054124"/>
-            <a:ext cx="5810158" cy="5205999"/>
+            <a:off x="6096000" y="1338556"/>
+            <a:ext cx="5923131" cy="4984917"/>
           </a:xfrm>
           <a:prstGeom prst="rect">
             <a:avLst/>
           </a:prstGeom>
         </p:spPr>
       </p:pic>
+      <p:sp>
+        <p:nvSpPr>
+          <p:cNvPr id="5" name="AutoShape 2">
+            <a:extLst>
+              <a:ext uri="{FF2B5EF4-FFF2-40B4-BE49-F238E27FC236}">
+                <a16:creationId xmlns:a16="http://schemas.microsoft.com/office/drawing/2014/main" id="{671964A6-243B-B1E2-B8F7-4D514F12078E}"/>
+              </a:ext>
+            </a:extLst>
+          </p:cNvPr>
+          <p:cNvSpPr>
+            <a:spLocks noChangeAspect="1" noChangeArrowheads="1"/>
+          </p:cNvSpPr>
+          <p:nvPr/>
+        </p:nvSpPr>
+        <p:spPr bwMode="auto">
+          <a:xfrm>
+            <a:off x="5943600" y="3276600"/>
+            <a:ext cx="304800" cy="304800"/>
+          </a:xfrm>
+          <a:prstGeom prst="rect">
+            <a:avLst/>
+          </a:prstGeom>
+          <a:noFill/>
+          <a:extLst>
+            <a:ext uri="{909E8E84-426E-40DD-AFC4-6F175D3DCCD1}">
+              <a14:hiddenFill xmlns:a14="http://schemas.microsoft.com/office/drawing/2010/main">
+                <a:solidFill>
+                  <a:srgbClr val="FFFFFF"/>
+                </a:solidFill>
+              </a14:hiddenFill>
+            </a:ext>
+          </a:extLst>
+        </p:spPr>
+        <p:txBody>
+          <a:bodyPr vert="horz" wrap="square" lIns="91440" tIns="45720" rIns="91440" bIns="45720" numCol="1" anchor="t" anchorCtr="0" compatLnSpc="1">
+            <a:prstTxWarp prst="textNoShape">
+              <a:avLst/>
+            </a:prstTxWarp>
+          </a:bodyPr>
+          <a:lstStyle/>
+          <a:p>
+            <a:endParaRPr lang="it-IT"/>
+          </a:p>
+        </p:txBody>
+      </p:sp>
       <p:pic>
         <p:nvPicPr>
-          <p:cNvPr id="4" name="Immagine 3">
-            <a:extLst>
-              <a:ext uri="{FF2B5EF4-FFF2-40B4-BE49-F238E27FC236}">
-                <a16:creationId xmlns:a16="http://schemas.microsoft.com/office/drawing/2014/main" id="{3F0D1EE8-49D6-42AD-931B-663E3716B69A}"/>
+          <p:cNvPr id="6" name="Immagine 5">
+            <a:extLst>
+              <a:ext uri="{FF2B5EF4-FFF2-40B4-BE49-F238E27FC236}">
+                <a16:creationId xmlns:a16="http://schemas.microsoft.com/office/drawing/2014/main" id="{86119C26-9ED6-81E5-798A-0F28A1D0F6CC}"/>
               </a:ext>
             </a:extLst>
           </p:cNvPr>
@@ -6968,8 +6314,8 @@
         </p:blipFill>
         <p:spPr>
           <a:xfrm>
-            <a:off x="6096000" y="1054124"/>
-            <a:ext cx="5657143" cy="5205999"/>
+            <a:off x="838200" y="1338556"/>
+            <a:ext cx="4760495" cy="5154318"/>
           </a:xfrm>
           <a:prstGeom prst="rect">
             <a:avLst/>
@@ -6979,7 +6325,7 @@
     </p:spTree>
     <p:extLst>
       <p:ext uri="{BB962C8B-B14F-4D97-AF65-F5344CB8AC3E}">
-        <p14:creationId xmlns:p14="http://schemas.microsoft.com/office/powerpoint/2010/main" val="3487685893"/>
+        <p14:creationId xmlns:p14="http://schemas.microsoft.com/office/powerpoint/2010/main" val="3027582755"/>
       </p:ext>
     </p:extLst>
   </p:cSld>
@@ -7006,42 +6352,47 @@
           <a:chExt cx="0" cy="0"/>
         </a:xfrm>
       </p:grpSpPr>
-      <p:pic>
-        <p:nvPicPr>
-          <p:cNvPr id="2" name="Immagine 1">
-            <a:extLst>
-              <a:ext uri="{FF2B5EF4-FFF2-40B4-BE49-F238E27FC236}">
-                <a16:creationId xmlns:a16="http://schemas.microsoft.com/office/drawing/2014/main" id="{C022B97E-705B-5FD5-C531-061E11A7AD38}"/>
-              </a:ext>
-            </a:extLst>
-          </p:cNvPr>
-          <p:cNvPicPr>
-            <a:picLocks noChangeAspect="1"/>
-          </p:cNvPicPr>
-          <p:nvPr/>
-        </p:nvPicPr>
-        <p:blipFill>
-          <a:blip r:embed="rId2"/>
-          <a:stretch>
-            <a:fillRect/>
-          </a:stretch>
-        </p:blipFill>
+      <p:sp>
+        <p:nvSpPr>
+          <p:cNvPr id="2" name="Titolo 1">
+            <a:extLst>
+              <a:ext uri="{FF2B5EF4-FFF2-40B4-BE49-F238E27FC236}">
+                <a16:creationId xmlns:a16="http://schemas.microsoft.com/office/drawing/2014/main" id="{E8141248-7234-6B22-9336-638F1D498EEC}"/>
+              </a:ext>
+            </a:extLst>
+          </p:cNvPr>
+          <p:cNvSpPr>
+            <a:spLocks noGrp="1"/>
+          </p:cNvSpPr>
+          <p:nvPr>
+            <p:ph type="title"/>
+          </p:nvPr>
+        </p:nvSpPr>
         <p:spPr>
           <a:xfrm>
-            <a:off x="529910" y="410757"/>
-            <a:ext cx="5420724" cy="5441403"/>
-          </a:xfrm>
-          <a:prstGeom prst="rect">
-            <a:avLst/>
-          </a:prstGeom>
-        </p:spPr>
-      </p:pic>
+            <a:off x="838200" y="365126"/>
+            <a:ext cx="10515600" cy="679574"/>
+          </a:xfrm>
+        </p:spPr>
+        <p:txBody>
+          <a:bodyPr>
+            <a:normAutofit/>
+          </a:bodyPr>
+          <a:lstStyle/>
+          <a:p>
+            <a:r>
+              <a:rPr lang="it-IT" sz="2800" dirty="0"/>
+              <a:t>LUAD dataset (sample size = 10)</a:t>
+            </a:r>
+          </a:p>
+        </p:txBody>
+      </p:sp>
       <p:sp>
         <p:nvSpPr>
           <p:cNvPr id="4" name="AutoShape 2">
             <a:extLst>
               <a:ext uri="{FF2B5EF4-FFF2-40B4-BE49-F238E27FC236}">
-                <a16:creationId xmlns:a16="http://schemas.microsoft.com/office/drawing/2014/main" id="{500B2ECD-8C69-2307-A6A9-92C9566FB5F0}"/>
+                <a16:creationId xmlns:a16="http://schemas.microsoft.com/office/drawing/2014/main" id="{30E31CC2-57AE-A2A2-80F1-D0E75FEDED3C}"/>
               </a:ext>
             </a:extLst>
           </p:cNvPr>
@@ -7083,10 +6434,10 @@
       </p:sp>
       <p:pic>
         <p:nvPicPr>
-          <p:cNvPr id="5" name="Immagine 4">
-            <a:extLst>
-              <a:ext uri="{FF2B5EF4-FFF2-40B4-BE49-F238E27FC236}">
-                <a16:creationId xmlns:a16="http://schemas.microsoft.com/office/drawing/2014/main" id="{48972927-5A17-A98B-C6C7-7821D90EB81E}"/>
+          <p:cNvPr id="6" name="Immagine 5">
+            <a:extLst>
+              <a:ext uri="{FF2B5EF4-FFF2-40B4-BE49-F238E27FC236}">
+                <a16:creationId xmlns:a16="http://schemas.microsoft.com/office/drawing/2014/main" id="{B6BF2520-8A41-AC2F-8965-91C8CA1DC0AD}"/>
               </a:ext>
             </a:extLst>
           </p:cNvPr>
@@ -7103,8 +6454,83 @@
         </p:blipFill>
         <p:spPr>
           <a:xfrm>
-            <a:off x="6095999" y="410757"/>
-            <a:ext cx="5433527" cy="5409524"/>
+            <a:off x="473242" y="1044700"/>
+            <a:ext cx="5775158" cy="5227763"/>
+          </a:xfrm>
+          <a:prstGeom prst="rect">
+            <a:avLst/>
+          </a:prstGeom>
+        </p:spPr>
+      </p:pic>
+      <p:sp>
+        <p:nvSpPr>
+          <p:cNvPr id="5" name="AutoShape 2">
+            <a:extLst>
+              <a:ext uri="{FF2B5EF4-FFF2-40B4-BE49-F238E27FC236}">
+                <a16:creationId xmlns:a16="http://schemas.microsoft.com/office/drawing/2014/main" id="{6AC13D09-CEC0-DD7C-E6EE-77CD37B30F0B}"/>
+              </a:ext>
+            </a:extLst>
+          </p:cNvPr>
+          <p:cNvSpPr>
+            <a:spLocks noChangeAspect="1" noChangeArrowheads="1"/>
+          </p:cNvSpPr>
+          <p:nvPr/>
+        </p:nvSpPr>
+        <p:spPr bwMode="auto">
+          <a:xfrm>
+            <a:off x="6096000" y="3429000"/>
+            <a:ext cx="304800" cy="304800"/>
+          </a:xfrm>
+          <a:prstGeom prst="rect">
+            <a:avLst/>
+          </a:prstGeom>
+          <a:noFill/>
+          <a:extLst>
+            <a:ext uri="{909E8E84-426E-40DD-AFC4-6F175D3DCCD1}">
+              <a14:hiddenFill xmlns:a14="http://schemas.microsoft.com/office/drawing/2010/main">
+                <a:solidFill>
+                  <a:srgbClr val="FFFFFF"/>
+                </a:solidFill>
+              </a14:hiddenFill>
+            </a:ext>
+          </a:extLst>
+        </p:spPr>
+        <p:txBody>
+          <a:bodyPr vert="horz" wrap="square" lIns="91440" tIns="45720" rIns="91440" bIns="45720" numCol="1" anchor="t" anchorCtr="0" compatLnSpc="1">
+            <a:prstTxWarp prst="textNoShape">
+              <a:avLst/>
+            </a:prstTxWarp>
+          </a:bodyPr>
+          <a:lstStyle/>
+          <a:p>
+            <a:endParaRPr lang="it-IT"/>
+          </a:p>
+        </p:txBody>
+      </p:sp>
+      <p:pic>
+        <p:nvPicPr>
+          <p:cNvPr id="9" name="Immagine 8">
+            <a:extLst>
+              <a:ext uri="{FF2B5EF4-FFF2-40B4-BE49-F238E27FC236}">
+                <a16:creationId xmlns:a16="http://schemas.microsoft.com/office/drawing/2014/main" id="{AA60A253-3A24-B8F5-53B0-3BAAD1B895B6}"/>
+              </a:ext>
+            </a:extLst>
+          </p:cNvPr>
+          <p:cNvPicPr>
+            <a:picLocks noChangeAspect="1"/>
+          </p:cNvPicPr>
+          <p:nvPr/>
+        </p:nvPicPr>
+        <p:blipFill>
+          <a:blip r:embed="rId4"/>
+          <a:stretch>
+            <a:fillRect/>
+          </a:stretch>
+        </p:blipFill>
+        <p:spPr>
+          <a:xfrm>
+            <a:off x="6613358" y="1044700"/>
+            <a:ext cx="5142857" cy="5448174"/>
           </a:xfrm>
           <a:prstGeom prst="rect">
             <a:avLst/>
@@ -7114,7 +6540,7 @@
     </p:spTree>
     <p:extLst>
       <p:ext uri="{BB962C8B-B14F-4D97-AF65-F5344CB8AC3E}">
-        <p14:creationId xmlns:p14="http://schemas.microsoft.com/office/powerpoint/2010/main" val="1158529066"/>
+        <p14:creationId xmlns:p14="http://schemas.microsoft.com/office/powerpoint/2010/main" val="1389371197"/>
       </p:ext>
     </p:extLst>
   </p:cSld>
@@ -10640,7 +10066,29 @@
                 <a:ea typeface="+mj-ea"/>
                 <a:cs typeface="+mj-cs"/>
               </a:rPr>
-              <a:t>DGE and CNVs relationship (LUAD, TCGA)</a:t>
+              <a:t>DGE and CNVs relationship (LUAD, TCGA), </a:t>
+            </a:r>
+            <a:r>
+              <a:rPr lang="en-US" sz="3200" kern="1200" dirty="0" err="1">
+                <a:solidFill>
+                  <a:schemeClr val="tx1"/>
+                </a:solidFill>
+                <a:latin typeface="+mj-lt"/>
+                <a:ea typeface="+mj-ea"/>
+                <a:cs typeface="+mj-cs"/>
+              </a:rPr>
+              <a:t>cBioportal</a:t>
+            </a:r>
+            <a:r>
+              <a:rPr lang="en-US" sz="3200" kern="1200" dirty="0">
+                <a:solidFill>
+                  <a:schemeClr val="tx1"/>
+                </a:solidFill>
+                <a:latin typeface="+mj-lt"/>
+                <a:ea typeface="+mj-ea"/>
+                <a:cs typeface="+mj-cs"/>
+              </a:rPr>
+              <a:t> data</a:t>
             </a:r>
           </a:p>
         </p:txBody>
@@ -12144,233 +11592,6 @@
 </p:sld>
 </file>
 
-<file path=ppt/slides/slide21.xml><?xml version="1.0" encoding="utf-8"?>
-<p:sld xmlns:a="http://schemas.openxmlformats.org/drawingml/2006/main" xmlns:r="http://schemas.openxmlformats.org/officeDocument/2006/relationships" xmlns:p="http://schemas.openxmlformats.org/presentationml/2006/main">
-  <p:cSld>
-    <p:spTree>
-      <p:nvGrpSpPr>
-        <p:cNvPr id="1" name=""/>
-        <p:cNvGrpSpPr/>
-        <p:nvPr/>
-      </p:nvGrpSpPr>
-      <p:grpSpPr>
-        <a:xfrm>
-          <a:off x="0" y="0"/>
-          <a:ext cx="0" cy="0"/>
-          <a:chOff x="0" y="0"/>
-          <a:chExt cx="0" cy="0"/>
-        </a:xfrm>
-      </p:grpSpPr>
-      <p:sp>
-        <p:nvSpPr>
-          <p:cNvPr id="2" name="Titolo 1">
-            <a:extLst>
-              <a:ext uri="{FF2B5EF4-FFF2-40B4-BE49-F238E27FC236}">
-                <a16:creationId xmlns:a16="http://schemas.microsoft.com/office/drawing/2014/main" id="{67DFBA53-E0A6-A2EF-9C03-3662E726BAA9}"/>
-              </a:ext>
-            </a:extLst>
-          </p:cNvPr>
-          <p:cNvSpPr>
-            <a:spLocks noGrp="1"/>
-          </p:cNvSpPr>
-          <p:nvPr>
-            <p:ph type="title"/>
-          </p:nvPr>
-        </p:nvSpPr>
-        <p:spPr>
-          <a:xfrm>
-            <a:off x="838200" y="365126"/>
-            <a:ext cx="10515600" cy="684186"/>
-          </a:xfrm>
-        </p:spPr>
-        <p:txBody>
-          <a:bodyPr>
-            <a:normAutofit fontScale="90000"/>
-          </a:bodyPr>
-          <a:lstStyle/>
-          <a:p>
-            <a:endParaRPr lang="it-IT" dirty="0"/>
-          </a:p>
-        </p:txBody>
-      </p:sp>
-      <p:pic>
-        <p:nvPicPr>
-          <p:cNvPr id="4" name="Immagine 3" descr="Immagine che contiene testo, schermata, diagramma, design&#10;&#10;Descrizione generata automaticamente">
-            <a:extLst>
-              <a:ext uri="{FF2B5EF4-FFF2-40B4-BE49-F238E27FC236}">
-                <a16:creationId xmlns:a16="http://schemas.microsoft.com/office/drawing/2014/main" id="{BF43F93F-96F0-9A1A-B7F4-7FD61FBE25CB}"/>
-              </a:ext>
-            </a:extLst>
-          </p:cNvPr>
-          <p:cNvPicPr>
-            <a:picLocks noChangeAspect="1"/>
-          </p:cNvPicPr>
-          <p:nvPr/>
-        </p:nvPicPr>
-        <p:blipFill>
-          <a:blip r:embed="rId2">
-            <a:extLst>
-              <a:ext uri="{28A0092B-C50C-407E-A947-70E740481C1C}">
-                <a14:useLocalDpi xmlns:a14="http://schemas.microsoft.com/office/drawing/2010/main" val="0"/>
-              </a:ext>
-            </a:extLst>
-          </a:blip>
-          <a:stretch>
-            <a:fillRect/>
-          </a:stretch>
-        </p:blipFill>
-        <p:spPr>
-          <a:xfrm>
-            <a:off x="999345" y="2250279"/>
-            <a:ext cx="3657600" cy="3371850"/>
-          </a:xfrm>
-          <a:prstGeom prst="rect">
-            <a:avLst/>
-          </a:prstGeom>
-        </p:spPr>
-      </p:pic>
-      <p:sp>
-        <p:nvSpPr>
-          <p:cNvPr id="6" name="CasellaDiTesto 5">
-            <a:extLst>
-              <a:ext uri="{FF2B5EF4-FFF2-40B4-BE49-F238E27FC236}">
-                <a16:creationId xmlns:a16="http://schemas.microsoft.com/office/drawing/2014/main" id="{6C82A49B-7FC2-39D2-A6D5-161FFCF97A57}"/>
-              </a:ext>
-            </a:extLst>
-          </p:cNvPr>
-          <p:cNvSpPr txBox="1"/>
-          <p:nvPr/>
-        </p:nvSpPr>
-        <p:spPr>
-          <a:xfrm>
-            <a:off x="1231068" y="1314386"/>
-            <a:ext cx="3194154" cy="369332"/>
-          </a:xfrm>
-          <a:prstGeom prst="rect">
-            <a:avLst/>
-          </a:prstGeom>
-          <a:noFill/>
-        </p:spPr>
-        <p:txBody>
-          <a:bodyPr wrap="square" rtlCol="0">
-            <a:spAutoFit/>
-          </a:bodyPr>
-          <a:lstStyle/>
-          <a:p>
-            <a:r>
-              <a:rPr lang="it-IT" b="1" dirty="0" err="1"/>
-              <a:t>MultiAssayExperiment</a:t>
-            </a:r>
-            <a:r>
-              <a:rPr lang="it-IT" b="1"/>
-              <a:t> R</a:t>
-            </a:r>
-            <a:endParaRPr lang="it-IT" b="1" dirty="0"/>
-          </a:p>
-        </p:txBody>
-      </p:sp>
-      <p:pic>
-        <p:nvPicPr>
-          <p:cNvPr id="8" name="Immagine 7" descr="Immagine che contiene testo, schermata, design, Rettangolo&#10;&#10;Descrizione generata automaticamente">
-            <a:extLst>
-              <a:ext uri="{FF2B5EF4-FFF2-40B4-BE49-F238E27FC236}">
-                <a16:creationId xmlns:a16="http://schemas.microsoft.com/office/drawing/2014/main" id="{7B6EACB1-85B6-ADA7-F66F-B3E371676E45}"/>
-              </a:ext>
-            </a:extLst>
-          </p:cNvPr>
-          <p:cNvPicPr>
-            <a:picLocks noChangeAspect="1"/>
-          </p:cNvPicPr>
-          <p:nvPr/>
-        </p:nvPicPr>
-        <p:blipFill>
-          <a:blip r:embed="rId3">
-            <a:extLst>
-              <a:ext uri="{28A0092B-C50C-407E-A947-70E740481C1C}">
-                <a14:useLocalDpi xmlns:a14="http://schemas.microsoft.com/office/drawing/2010/main" val="0"/>
-              </a:ext>
-            </a:extLst>
-          </a:blip>
-          <a:stretch>
-            <a:fillRect/>
-          </a:stretch>
-        </p:blipFill>
-        <p:spPr>
-          <a:xfrm>
-            <a:off x="6369768" y="2225791"/>
-            <a:ext cx="4437088" cy="4121149"/>
-          </a:xfrm>
-          <a:prstGeom prst="rect">
-            <a:avLst/>
-          </a:prstGeom>
-        </p:spPr>
-      </p:pic>
-      <p:sp>
-        <p:nvSpPr>
-          <p:cNvPr id="9" name="CasellaDiTesto 8">
-            <a:extLst>
-              <a:ext uri="{FF2B5EF4-FFF2-40B4-BE49-F238E27FC236}">
-                <a16:creationId xmlns:a16="http://schemas.microsoft.com/office/drawing/2014/main" id="{BEA09AB3-81D6-A7C8-B6CB-00A897DC69C4}"/>
-              </a:ext>
-            </a:extLst>
-          </p:cNvPr>
-          <p:cNvSpPr txBox="1"/>
-          <p:nvPr/>
-        </p:nvSpPr>
-        <p:spPr>
-          <a:xfrm>
-            <a:off x="6581734" y="1314386"/>
-            <a:ext cx="3732551" cy="646331"/>
-          </a:xfrm>
-          <a:prstGeom prst="rect">
-            <a:avLst/>
-          </a:prstGeom>
-          <a:noFill/>
-        </p:spPr>
-        <p:txBody>
-          <a:bodyPr wrap="square" rtlCol="0">
-            <a:spAutoFit/>
-          </a:bodyPr>
-          <a:lstStyle/>
-          <a:p>
-            <a:r>
-              <a:rPr lang="it-IT" b="1" dirty="0" err="1"/>
-              <a:t>AnnData</a:t>
-            </a:r>
-            <a:r>
-              <a:rPr lang="it-IT" b="1" dirty="0"/>
-              <a:t> Python</a:t>
-            </a:r>
-          </a:p>
-          <a:p>
-            <a:r>
-              <a:rPr lang="it-IT" dirty="0"/>
-              <a:t>(no support for multiple </a:t>
-            </a:r>
-            <a:r>
-              <a:rPr lang="it-IT" dirty="0" err="1"/>
-              <a:t>modalities</a:t>
-            </a:r>
-            <a:r>
-              <a:rPr lang="it-IT" dirty="0"/>
-              <a:t>)</a:t>
-            </a:r>
-          </a:p>
-        </p:txBody>
-      </p:sp>
-    </p:spTree>
-    <p:extLst>
-      <p:ext uri="{BB962C8B-B14F-4D97-AF65-F5344CB8AC3E}">
-        <p14:creationId xmlns:p14="http://schemas.microsoft.com/office/powerpoint/2010/main" val="3101669562"/>
-      </p:ext>
-    </p:extLst>
-  </p:cSld>
-  <p:clrMapOvr>
-    <a:masterClrMapping/>
-  </p:clrMapOvr>
-</p:sld>
-</file>
-
 <file path=ppt/slides/slide3.xml><?xml version="1.0" encoding="utf-8"?>
 <p:sld xmlns:a="http://schemas.openxmlformats.org/drawingml/2006/main" xmlns:r="http://schemas.openxmlformats.org/officeDocument/2006/relationships" xmlns:p="http://schemas.openxmlformats.org/presentationml/2006/main">
   <p:cSld>
@@ -12546,7 +11767,7 @@
         </p:nvSpPr>
         <p:spPr>
           <a:xfrm>
-            <a:off x="3394847" y="379813"/>
+            <a:off x="3426931" y="379813"/>
             <a:ext cx="5399256" cy="369332"/>
           </a:xfrm>
           <a:prstGeom prst="rect">
@@ -12680,49 +11901,15 @@
               <a:t>31417, </a:t>
             </a:r>
             <a:r>
-              <a:rPr kumimoji="0" lang="it-IT" sz="1800" b="1" i="0" u="none" strike="noStrike" kern="1200" cap="none" spc="0" normalizeH="0" baseline="0" noProof="0" dirty="0" err="1">
-                <a:ln>
-                  <a:noFill/>
-                </a:ln>
-                <a:solidFill>
-                  <a:prstClr val="black"/>
-                </a:solidFill>
-                <a:effectLst/>
-                <a:uLnTx/>
-                <a:uFillTx/>
-                <a:latin typeface="Calibri" panose="020F0502020204030204"/>
-                <a:ea typeface="+mn-ea"/>
-                <a:cs typeface="+mn-cs"/>
-              </a:rPr>
-              <a:t>number</a:t>
-            </a:r>
-            <a:r>
-              <a:rPr kumimoji="0" lang="it-IT" sz="1800" b="1" i="0" u="none" strike="noStrike" kern="1200" cap="none" spc="0" normalizeH="0" baseline="0" noProof="0" dirty="0">
-                <a:ln>
-                  <a:noFill/>
-                </a:ln>
-                <a:solidFill>
-                  <a:prstClr val="black"/>
-                </a:solidFill>
-                <a:effectLst/>
-                <a:uLnTx/>
-                <a:uFillTx/>
-                <a:latin typeface="Calibri" panose="020F0502020204030204"/>
-                <a:ea typeface="+mn-ea"/>
-                <a:cs typeface="+mn-cs"/>
-              </a:rPr>
-              <a:t> of samples: </a:t>
-            </a:r>
-            <a:r>
-              <a:rPr lang="it-IT" b="1" dirty="0">
+              <a:rPr lang="it-IT" dirty="0">
                 <a:solidFill>
                   <a:prstClr val="black"/>
                 </a:solidFill>
                 <a:latin typeface="Calibri" panose="020F0502020204030204"/>
               </a:rPr>
-              <a:t>3</a:t>
-            </a:r>
-            <a:endParaRPr kumimoji="0" lang="it-IT" sz="1800" b="1" i="0" u="none" strike="noStrike" kern="1200" cap="none" spc="0" normalizeH="0" baseline="0" noProof="0" dirty="0">
+              <a:t>sample size = 3</a:t>
+            </a:r>
+            <a:endParaRPr kumimoji="0" lang="it-IT" sz="1800" i="0" u="none" strike="noStrike" kern="1200" cap="none" spc="0" normalizeH="0" baseline="0" noProof="0" dirty="0">
               <a:ln>
                 <a:noFill/>
               </a:ln>
@@ -13025,6 +12212,14 @@
 <file path=ppt/slides/slide4.xml><?xml version="1.0" encoding="utf-8"?>
 <p:sld xmlns:a="http://schemas.openxmlformats.org/drawingml/2006/main" xmlns:r="http://schemas.openxmlformats.org/officeDocument/2006/relationships" xmlns:p="http://schemas.openxmlformats.org/presentationml/2006/main">
   <p:cSld>
+    <p:bg>
+      <p:bgPr>
+        <a:solidFill>
+          <a:schemeClr val="bg1"/>
+        </a:solidFill>
+        <a:effectLst/>
+      </p:bgPr>
+    </p:bg>
     <p:spTree>
       <p:nvGrpSpPr>
         <p:cNvPr id="1" name=""/>
@@ -13044,7 +12239,7 @@
           <p:cNvPr id="3" name="AutoShape 2">
             <a:extLst>
               <a:ext uri="{FF2B5EF4-FFF2-40B4-BE49-F238E27FC236}">
-                <a16:creationId xmlns:a16="http://schemas.microsoft.com/office/drawing/2014/main" id="{F4F19B5D-F0C9-26A3-A897-9036F8C705D2}"/>
+                <a16:creationId xmlns:a16="http://schemas.microsoft.com/office/drawing/2014/main" id="{A133072F-16D7-2CDB-056F-2BE2F073019A}"/>
               </a:ext>
             </a:extLst>
           </p:cNvPr>
@@ -13084,82 +12279,57 @@
           </a:p>
         </p:txBody>
       </p:sp>
-      <p:pic>
-        <p:nvPicPr>
-          <p:cNvPr id="4" name="Immagine 3">
-            <a:extLst>
-              <a:ext uri="{FF2B5EF4-FFF2-40B4-BE49-F238E27FC236}">
-                <a16:creationId xmlns:a16="http://schemas.microsoft.com/office/drawing/2014/main" id="{EA71A37E-39DE-70BF-D900-73E779F1436F}"/>
-              </a:ext>
-            </a:extLst>
-          </p:cNvPr>
-          <p:cNvPicPr>
-            <a:picLocks noChangeAspect="1"/>
-          </p:cNvPicPr>
+      <p:sp>
+        <p:nvSpPr>
+          <p:cNvPr id="2" name="AutoShape 2">
+            <a:extLst>
+              <a:ext uri="{FF2B5EF4-FFF2-40B4-BE49-F238E27FC236}">
+                <a16:creationId xmlns:a16="http://schemas.microsoft.com/office/drawing/2014/main" id="{AB2B8DFF-CCDD-BBA4-BBA6-FAE3ADCBD6DB}"/>
+              </a:ext>
+            </a:extLst>
+          </p:cNvPr>
+          <p:cNvSpPr>
+            <a:spLocks noChangeAspect="1" noChangeArrowheads="1"/>
+          </p:cNvSpPr>
           <p:nvPr/>
-        </p:nvPicPr>
-        <p:blipFill>
-          <a:blip r:embed="rId2"/>
-          <a:stretch>
-            <a:fillRect/>
-          </a:stretch>
-        </p:blipFill>
-        <p:spPr>
+        </p:nvSpPr>
+        <p:spPr bwMode="auto">
           <a:xfrm>
-            <a:off x="429497" y="1365376"/>
-            <a:ext cx="5942857" cy="4704762"/>
-          </a:xfrm>
-          <a:prstGeom prst="rect">
-            <a:avLst/>
-          </a:prstGeom>
-        </p:spPr>
-      </p:pic>
-      <p:sp>
-        <p:nvSpPr>
-          <p:cNvPr id="5" name="CasellaDiTesto 4">
-            <a:extLst>
-              <a:ext uri="{FF2B5EF4-FFF2-40B4-BE49-F238E27FC236}">
-                <a16:creationId xmlns:a16="http://schemas.microsoft.com/office/drawing/2014/main" id="{87D42F4B-7ABF-EB79-D178-0C7E896E9306}"/>
-              </a:ext>
-            </a:extLst>
-          </p:cNvPr>
-          <p:cNvSpPr txBox="1"/>
-          <p:nvPr/>
-        </p:nvSpPr>
-        <p:spPr>
-          <a:xfrm>
-            <a:off x="2261937" y="730098"/>
-            <a:ext cx="2839452" cy="369332"/>
+            <a:off x="6096000" y="3429000"/>
+            <a:ext cx="304800" cy="304800"/>
           </a:xfrm>
           <a:prstGeom prst="rect">
             <a:avLst/>
           </a:prstGeom>
           <a:noFill/>
-        </p:spPr>
-        <p:txBody>
-          <a:bodyPr wrap="square" rtlCol="0">
-            <a:spAutoFit/>
+          <a:extLst>
+            <a:ext uri="{909E8E84-426E-40DD-AFC4-6F175D3DCCD1}">
+              <a14:hiddenFill xmlns:a14="http://schemas.microsoft.com/office/drawing/2010/main">
+                <a:solidFill>
+                  <a:srgbClr val="FFFFFF"/>
+                </a:solidFill>
+              </a14:hiddenFill>
+            </a:ext>
+          </a:extLst>
+        </p:spPr>
+        <p:txBody>
+          <a:bodyPr vert="horz" wrap="square" lIns="91440" tIns="45720" rIns="91440" bIns="45720" numCol="1" anchor="t" anchorCtr="0" compatLnSpc="1">
+            <a:prstTxWarp prst="textNoShape">
+              <a:avLst/>
+            </a:prstTxWarp>
           </a:bodyPr>
           <a:lstStyle/>
           <a:p>
-            <a:r>
-              <a:rPr lang="it-IT" b="1" dirty="0"/>
-              <a:t>DeSeq2 :: </a:t>
-            </a:r>
-            <a:r>
-              <a:rPr lang="it-IT" b="1" dirty="0" err="1"/>
-              <a:t>rlog</a:t>
-            </a:r>
-            <a:endParaRPr lang="it-IT" b="1" dirty="0"/>
+            <a:endParaRPr lang="it-IT"/>
           </a:p>
         </p:txBody>
       </p:sp>
       <p:pic>
         <p:nvPicPr>
-          <p:cNvPr id="6" name="Immagine 5">
-            <a:extLst>
-              <a:ext uri="{FF2B5EF4-FFF2-40B4-BE49-F238E27FC236}">
-                <a16:creationId xmlns:a16="http://schemas.microsoft.com/office/drawing/2014/main" id="{2D5CDF80-9E28-8453-9076-BFC544F02CA5}"/>
+          <p:cNvPr id="15" name="Immagine 14">
+            <a:extLst>
+              <a:ext uri="{FF2B5EF4-FFF2-40B4-BE49-F238E27FC236}">
+                <a16:creationId xmlns:a16="http://schemas.microsoft.com/office/drawing/2014/main" id="{A6337F5F-E295-EBF6-8607-705AF3DC26C7}"/>
               </a:ext>
             </a:extLst>
           </p:cNvPr>
@@ -13176,8 +12346,8 @@
         </p:blipFill>
         <p:spPr>
           <a:xfrm>
-            <a:off x="6248399" y="1443304"/>
-            <a:ext cx="5514103" cy="4626833"/>
+            <a:off x="9147221" y="5310602"/>
+            <a:ext cx="2116718" cy="1278957"/>
           </a:xfrm>
           <a:prstGeom prst="rect">
             <a:avLst/>
@@ -13186,25 +12356,250 @@
       </p:pic>
       <p:sp>
         <p:nvSpPr>
-          <p:cNvPr id="7" name="CasellaDiTesto 6">
-            <a:extLst>
-              <a:ext uri="{FF2B5EF4-FFF2-40B4-BE49-F238E27FC236}">
-                <a16:creationId xmlns:a16="http://schemas.microsoft.com/office/drawing/2014/main" id="{1C18A784-24BF-14BD-02FD-581E36968E3C}"/>
-              </a:ext>
-            </a:extLst>
-          </p:cNvPr>
-          <p:cNvSpPr txBox="1"/>
+          <p:cNvPr id="5" name="AutoShape 2">
+            <a:extLst>
+              <a:ext uri="{FF2B5EF4-FFF2-40B4-BE49-F238E27FC236}">
+                <a16:creationId xmlns:a16="http://schemas.microsoft.com/office/drawing/2014/main" id="{576F5AA0-3C2D-794E-DE27-E3FD15D67EC1}"/>
+              </a:ext>
+            </a:extLst>
+          </p:cNvPr>
+          <p:cNvSpPr>
+            <a:spLocks noChangeAspect="1" noChangeArrowheads="1"/>
+          </p:cNvSpPr>
           <p:nvPr/>
         </p:nvSpPr>
-        <p:spPr>
+        <p:spPr bwMode="auto">
           <a:xfrm>
-            <a:off x="7780420" y="778698"/>
-            <a:ext cx="2149643" cy="369332"/>
+            <a:off x="6248400" y="3581400"/>
+            <a:ext cx="304800" cy="304800"/>
           </a:xfrm>
           <a:prstGeom prst="rect">
             <a:avLst/>
           </a:prstGeom>
           <a:noFill/>
+          <a:extLst>
+            <a:ext uri="{909E8E84-426E-40DD-AFC4-6F175D3DCCD1}">
+              <a14:hiddenFill xmlns:a14="http://schemas.microsoft.com/office/drawing/2010/main">
+                <a:solidFill>
+                  <a:srgbClr val="FFFFFF"/>
+                </a:solidFill>
+              </a14:hiddenFill>
+            </a:ext>
+          </a:extLst>
+        </p:spPr>
+        <p:txBody>
+          <a:bodyPr vert="horz" wrap="square" lIns="91440" tIns="45720" rIns="91440" bIns="45720" numCol="1" anchor="t" anchorCtr="0" compatLnSpc="1">
+            <a:prstTxWarp prst="textNoShape">
+              <a:avLst/>
+            </a:prstTxWarp>
+          </a:bodyPr>
+          <a:lstStyle/>
+          <a:p>
+            <a:endParaRPr lang="it-IT"/>
+          </a:p>
+        </p:txBody>
+      </p:sp>
+      <p:pic>
+        <p:nvPicPr>
+          <p:cNvPr id="10" name="Immagine 9">
+            <a:extLst>
+              <a:ext uri="{FF2B5EF4-FFF2-40B4-BE49-F238E27FC236}">
+                <a16:creationId xmlns:a16="http://schemas.microsoft.com/office/drawing/2014/main" id="{11B7FA2D-99DF-4B9F-A698-1EFA6BFE5F5C}"/>
+              </a:ext>
+            </a:extLst>
+          </p:cNvPr>
+          <p:cNvPicPr>
+            <a:picLocks noChangeAspect="1"/>
+          </p:cNvPicPr>
+          <p:nvPr/>
+        </p:nvPicPr>
+        <p:blipFill>
+          <a:blip r:embed="rId4"/>
+          <a:stretch>
+            <a:fillRect/>
+          </a:stretch>
+        </p:blipFill>
+        <p:spPr>
+          <a:xfrm>
+            <a:off x="5744540" y="5217953"/>
+            <a:ext cx="2962688" cy="1464256"/>
+          </a:xfrm>
+          <a:prstGeom prst="rect">
+            <a:avLst/>
+          </a:prstGeom>
+        </p:spPr>
+      </p:pic>
+      <p:sp>
+        <p:nvSpPr>
+          <p:cNvPr id="11" name="AutoShape 4">
+            <a:extLst>
+              <a:ext uri="{FF2B5EF4-FFF2-40B4-BE49-F238E27FC236}">
+                <a16:creationId xmlns:a16="http://schemas.microsoft.com/office/drawing/2014/main" id="{78EC92BE-7232-A945-3500-484ABF18430A}"/>
+              </a:ext>
+            </a:extLst>
+          </p:cNvPr>
+          <p:cNvSpPr>
+            <a:spLocks noChangeAspect="1" noChangeArrowheads="1"/>
+          </p:cNvSpPr>
+          <p:nvPr/>
+        </p:nvSpPr>
+        <p:spPr bwMode="auto">
+          <a:xfrm>
+            <a:off x="6400800" y="3733800"/>
+            <a:ext cx="304800" cy="304800"/>
+          </a:xfrm>
+          <a:prstGeom prst="rect">
+            <a:avLst/>
+          </a:prstGeom>
+          <a:noFill/>
+          <a:extLst>
+            <a:ext uri="{909E8E84-426E-40DD-AFC4-6F175D3DCCD1}">
+              <a14:hiddenFill xmlns:a14="http://schemas.microsoft.com/office/drawing/2010/main">
+                <a:solidFill>
+                  <a:srgbClr val="FFFFFF"/>
+                </a:solidFill>
+              </a14:hiddenFill>
+            </a:ext>
+          </a:extLst>
+        </p:spPr>
+        <p:txBody>
+          <a:bodyPr vert="horz" wrap="square" lIns="91440" tIns="45720" rIns="91440" bIns="45720" numCol="1" anchor="t" anchorCtr="0" compatLnSpc="1">
+            <a:prstTxWarp prst="textNoShape">
+              <a:avLst/>
+            </a:prstTxWarp>
+          </a:bodyPr>
+          <a:lstStyle/>
+          <a:p>
+            <a:endParaRPr lang="it-IT"/>
+          </a:p>
+        </p:txBody>
+      </p:sp>
+      <p:pic>
+        <p:nvPicPr>
+          <p:cNvPr id="12" name="Immagine 11">
+            <a:extLst>
+              <a:ext uri="{FF2B5EF4-FFF2-40B4-BE49-F238E27FC236}">
+                <a16:creationId xmlns:a16="http://schemas.microsoft.com/office/drawing/2014/main" id="{0A932601-B328-DEEE-C7BF-C9E52F84116E}"/>
+              </a:ext>
+            </a:extLst>
+          </p:cNvPr>
+          <p:cNvPicPr>
+            <a:picLocks noChangeAspect="1"/>
+          </p:cNvPicPr>
+          <p:nvPr/>
+        </p:nvPicPr>
+        <p:blipFill>
+          <a:blip r:embed="rId5"/>
+          <a:stretch>
+            <a:fillRect/>
+          </a:stretch>
+        </p:blipFill>
+        <p:spPr>
+          <a:xfrm>
+            <a:off x="655092" y="744856"/>
+            <a:ext cx="4878239" cy="5451228"/>
+          </a:xfrm>
+          <a:prstGeom prst="rect">
+            <a:avLst/>
+          </a:prstGeom>
+        </p:spPr>
+      </p:pic>
+      <p:sp>
+        <p:nvSpPr>
+          <p:cNvPr id="13" name="AutoShape 6">
+            <a:extLst>
+              <a:ext uri="{FF2B5EF4-FFF2-40B4-BE49-F238E27FC236}">
+                <a16:creationId xmlns:a16="http://schemas.microsoft.com/office/drawing/2014/main" id="{ED931C2A-E1E8-BAB2-FB9A-2BD3A6EB2CFE}"/>
+              </a:ext>
+            </a:extLst>
+          </p:cNvPr>
+          <p:cNvSpPr>
+            <a:spLocks noChangeAspect="1" noChangeArrowheads="1"/>
+          </p:cNvSpPr>
+          <p:nvPr/>
+        </p:nvSpPr>
+        <p:spPr bwMode="auto">
+          <a:xfrm>
+            <a:off x="6553200" y="3886200"/>
+            <a:ext cx="304800" cy="304800"/>
+          </a:xfrm>
+          <a:prstGeom prst="rect">
+            <a:avLst/>
+          </a:prstGeom>
+          <a:noFill/>
+          <a:extLst>
+            <a:ext uri="{909E8E84-426E-40DD-AFC4-6F175D3DCCD1}">
+              <a14:hiddenFill xmlns:a14="http://schemas.microsoft.com/office/drawing/2010/main">
+                <a:solidFill>
+                  <a:srgbClr val="FFFFFF"/>
+                </a:solidFill>
+              </a14:hiddenFill>
+            </a:ext>
+          </a:extLst>
+        </p:spPr>
+        <p:txBody>
+          <a:bodyPr vert="horz" wrap="square" lIns="91440" tIns="45720" rIns="91440" bIns="45720" numCol="1" anchor="t" anchorCtr="0" compatLnSpc="1">
+            <a:prstTxWarp prst="textNoShape">
+              <a:avLst/>
+            </a:prstTxWarp>
+          </a:bodyPr>
+          <a:lstStyle/>
+          <a:p>
+            <a:endParaRPr lang="it-IT"/>
+          </a:p>
+        </p:txBody>
+      </p:sp>
+      <p:pic>
+        <p:nvPicPr>
+          <p:cNvPr id="14" name="Immagine 13">
+            <a:extLst>
+              <a:ext uri="{FF2B5EF4-FFF2-40B4-BE49-F238E27FC236}">
+                <a16:creationId xmlns:a16="http://schemas.microsoft.com/office/drawing/2014/main" id="{0F64D59B-DEDC-FE01-74E8-8A1CB75545D9}"/>
+              </a:ext>
+            </a:extLst>
+          </p:cNvPr>
+          <p:cNvPicPr>
+            <a:picLocks noChangeAspect="1"/>
+          </p:cNvPicPr>
+          <p:nvPr/>
+        </p:nvPicPr>
+        <p:blipFill>
+          <a:blip r:embed="rId6"/>
+          <a:stretch>
+            <a:fillRect/>
+          </a:stretch>
+        </p:blipFill>
+        <p:spPr>
+          <a:xfrm>
+            <a:off x="6073963" y="722715"/>
+            <a:ext cx="5085714" cy="4495238"/>
+          </a:xfrm>
+          <a:prstGeom prst="rect">
+            <a:avLst/>
+          </a:prstGeom>
+        </p:spPr>
+      </p:pic>
+      <p:sp>
+        <p:nvSpPr>
+          <p:cNvPr id="4" name="CasellaDiTesto 3">
+            <a:extLst>
+              <a:ext uri="{FF2B5EF4-FFF2-40B4-BE49-F238E27FC236}">
+                <a16:creationId xmlns:a16="http://schemas.microsoft.com/office/drawing/2014/main" id="{B6F4737D-9997-C15F-211A-0AC5CC61DC09}"/>
+              </a:ext>
+            </a:extLst>
+          </p:cNvPr>
+          <p:cNvSpPr txBox="1"/>
+          <p:nvPr/>
+        </p:nvSpPr>
+        <p:spPr>
+          <a:xfrm>
+            <a:off x="4724400" y="214065"/>
+            <a:ext cx="3982828" cy="369332"/>
+          </a:xfrm>
+          <a:prstGeom prst="rect">
+            <a:avLst/>
+          </a:prstGeom>
+          <a:noFill/>
         </p:spPr>
         <p:txBody>
           <a:bodyPr wrap="square" rtlCol="0">
@@ -13215,7 +12610,66 @@
             <a:pPr algn="ctr"/>
             <a:r>
               <a:rPr lang="it-IT" b="1" dirty="0"/>
-              <a:t>TMP</a:t>
+              <a:t>TCGA, LUAD (sample size = 3)</a:t>
+            </a:r>
+          </a:p>
+        </p:txBody>
+      </p:sp>
+      <p:sp>
+        <p:nvSpPr>
+          <p:cNvPr id="6" name="CasellaDiTesto 5">
+            <a:extLst>
+              <a:ext uri="{FF2B5EF4-FFF2-40B4-BE49-F238E27FC236}">
+                <a16:creationId xmlns:a16="http://schemas.microsoft.com/office/drawing/2014/main" id="{DD0A5C84-61CA-3303-D9C2-5561C38C0CB3}"/>
+              </a:ext>
+            </a:extLst>
+          </p:cNvPr>
+          <p:cNvSpPr txBox="1"/>
+          <p:nvPr/>
+        </p:nvSpPr>
+        <p:spPr>
+          <a:xfrm>
+            <a:off x="655092" y="6318913"/>
+            <a:ext cx="4069308" cy="369332"/>
+          </a:xfrm>
+          <a:prstGeom prst="rect">
+            <a:avLst/>
+          </a:prstGeom>
+          <a:noFill/>
+        </p:spPr>
+        <p:txBody>
+          <a:bodyPr wrap="square" rtlCol="0">
+            <a:spAutoFit/>
+          </a:bodyPr>
+          <a:lstStyle/>
+          <a:p>
+            <a:r>
+              <a:rPr lang="it-IT" dirty="0"/>
+              <a:t>~ 55 % </a:t>
+            </a:r>
+            <a:r>
+              <a:rPr lang="it-IT" dirty="0" err="1"/>
+              <a:t>Dosage</a:t>
+            </a:r>
+            <a:r>
+              <a:rPr lang="it-IT" dirty="0"/>
+              <a:t> </a:t>
+            </a:r>
+            <a:r>
+              <a:rPr lang="it-IT" dirty="0" err="1"/>
+              <a:t>compensated</a:t>
+            </a:r>
+            <a:r>
+              <a:rPr lang="it-IT" dirty="0"/>
+              <a:t> </a:t>
+            </a:r>
+            <a:r>
+              <a:rPr lang="it-IT" dirty="0" err="1"/>
+              <a:t>genes</a:t>
+            </a:r>
+            <a:r>
+              <a:rPr lang="it-IT" dirty="0"/>
+              <a:t> </a:t>
             </a:r>
           </a:p>
         </p:txBody>
@@ -13223,7 +12677,7 @@
     </p:spTree>
     <p:extLst>
       <p:ext uri="{BB962C8B-B14F-4D97-AF65-F5344CB8AC3E}">
-        <p14:creationId xmlns:p14="http://schemas.microsoft.com/office/powerpoint/2010/main" val="4265991929"/>
+        <p14:creationId xmlns:p14="http://schemas.microsoft.com/office/powerpoint/2010/main" val="2404406266"/>
       </p:ext>
     </p:extLst>
   </p:cSld>
@@ -13263,7 +12717,7 @@
           <p:cNvPr id="3" name="AutoShape 2">
             <a:extLst>
               <a:ext uri="{FF2B5EF4-FFF2-40B4-BE49-F238E27FC236}">
-                <a16:creationId xmlns:a16="http://schemas.microsoft.com/office/drawing/2014/main" id="{A133072F-16D7-2CDB-056F-2BE2F073019A}"/>
+                <a16:creationId xmlns:a16="http://schemas.microsoft.com/office/drawing/2014/main" id="{48C673B2-C80B-0B98-05C6-5F212F86AF18}"/>
               </a:ext>
             </a:extLst>
           </p:cNvPr>
@@ -13305,10 +12759,10 @@
       </p:sp>
       <p:sp>
         <p:nvSpPr>
-          <p:cNvPr id="2" name="AutoShape 2">
-            <a:extLst>
-              <a:ext uri="{FF2B5EF4-FFF2-40B4-BE49-F238E27FC236}">
-                <a16:creationId xmlns:a16="http://schemas.microsoft.com/office/drawing/2014/main" id="{AB2B8DFF-CCDD-BBA4-BBA6-FAE3ADCBD6DB}"/>
+          <p:cNvPr id="8" name="AutoShape 4">
+            <a:extLst>
+              <a:ext uri="{FF2B5EF4-FFF2-40B4-BE49-F238E27FC236}">
+                <a16:creationId xmlns:a16="http://schemas.microsoft.com/office/drawing/2014/main" id="{FEEF9BB4-A46A-EE77-A997-250B1B86FC4C}"/>
               </a:ext>
             </a:extLst>
           </p:cNvPr>
@@ -13348,12 +12802,136 @@
           </a:p>
         </p:txBody>
       </p:sp>
+      <p:sp>
+        <p:nvSpPr>
+          <p:cNvPr id="10" name="CasellaDiTesto 9">
+            <a:extLst>
+              <a:ext uri="{FF2B5EF4-FFF2-40B4-BE49-F238E27FC236}">
+                <a16:creationId xmlns:a16="http://schemas.microsoft.com/office/drawing/2014/main" id="{523397FE-28D4-EAFC-299D-7AFB453B2A9D}"/>
+              </a:ext>
+            </a:extLst>
+          </p:cNvPr>
+          <p:cNvSpPr txBox="1"/>
+          <p:nvPr/>
+        </p:nvSpPr>
+        <p:spPr>
+          <a:xfrm>
+            <a:off x="988593" y="6095707"/>
+            <a:ext cx="4114800" cy="523220"/>
+          </a:xfrm>
+          <a:prstGeom prst="rect">
+            <a:avLst/>
+          </a:prstGeom>
+          <a:noFill/>
+        </p:spPr>
+        <p:txBody>
+          <a:bodyPr wrap="square" rtlCol="0">
+            <a:spAutoFit/>
+          </a:bodyPr>
+          <a:lstStyle/>
+          <a:p>
+            <a:pPr algn="ctr"/>
+            <a:r>
+              <a:rPr lang="it-IT" sz="1400" dirty="0" err="1"/>
+              <a:t>about</a:t>
+            </a:r>
+            <a:r>
+              <a:rPr lang="it-IT" sz="1400" dirty="0"/>
+              <a:t> </a:t>
+            </a:r>
+            <a:r>
+              <a:rPr lang="it-IT" sz="1400" b="1" dirty="0"/>
+              <a:t>47 % (1664</a:t>
+            </a:r>
+            <a:r>
+              <a:rPr lang="it-IT" sz="1400" dirty="0"/>
+              <a:t>) of DE </a:t>
+            </a:r>
+            <a:r>
+              <a:rPr lang="it-IT" sz="1400" dirty="0" err="1"/>
+              <a:t>genes</a:t>
+            </a:r>
+            <a:r>
+              <a:rPr lang="it-IT" sz="1400" dirty="0"/>
+              <a:t> are </a:t>
+            </a:r>
+            <a:r>
+              <a:rPr lang="it-IT" sz="1400" dirty="0" err="1"/>
+              <a:t>explained</a:t>
+            </a:r>
+            <a:r>
+              <a:rPr lang="it-IT" sz="1400" dirty="0"/>
+              <a:t> by </a:t>
+            </a:r>
+          </a:p>
+          <a:p>
+            <a:pPr algn="ctr"/>
+            <a:r>
+              <a:rPr lang="it-IT" sz="1400" dirty="0"/>
+              <a:t>the </a:t>
+            </a:r>
+            <a:r>
+              <a:rPr lang="it-IT" sz="1400" dirty="0" err="1"/>
+              <a:t>effect</a:t>
+            </a:r>
+            <a:r>
+              <a:rPr lang="it-IT" sz="1400" dirty="0"/>
+              <a:t> of CNV</a:t>
+            </a:r>
+          </a:p>
+        </p:txBody>
+      </p:sp>
+      <p:sp>
+        <p:nvSpPr>
+          <p:cNvPr id="11" name="AutoShape 6">
+            <a:extLst>
+              <a:ext uri="{FF2B5EF4-FFF2-40B4-BE49-F238E27FC236}">
+                <a16:creationId xmlns:a16="http://schemas.microsoft.com/office/drawing/2014/main" id="{2C378165-6273-D26E-3D3A-97C29BE60AEF}"/>
+              </a:ext>
+            </a:extLst>
+          </p:cNvPr>
+          <p:cNvSpPr>
+            <a:spLocks noChangeAspect="1" noChangeArrowheads="1"/>
+          </p:cNvSpPr>
+          <p:nvPr/>
+        </p:nvSpPr>
+        <p:spPr bwMode="auto">
+          <a:xfrm>
+            <a:off x="6248400" y="3581400"/>
+            <a:ext cx="304800" cy="304800"/>
+          </a:xfrm>
+          <a:prstGeom prst="rect">
+            <a:avLst/>
+          </a:prstGeom>
+          <a:noFill/>
+          <a:extLst>
+            <a:ext uri="{909E8E84-426E-40DD-AFC4-6F175D3DCCD1}">
+              <a14:hiddenFill xmlns:a14="http://schemas.microsoft.com/office/drawing/2010/main">
+                <a:solidFill>
+                  <a:srgbClr val="FFFFFF"/>
+                </a:solidFill>
+              </a14:hiddenFill>
+            </a:ext>
+          </a:extLst>
+        </p:spPr>
+        <p:txBody>
+          <a:bodyPr vert="horz" wrap="square" lIns="91440" tIns="45720" rIns="91440" bIns="45720" numCol="1" anchor="t" anchorCtr="0" compatLnSpc="1">
+            <a:prstTxWarp prst="textNoShape">
+              <a:avLst/>
+            </a:prstTxWarp>
+          </a:bodyPr>
+          <a:lstStyle/>
+          <a:p>
+            <a:endParaRPr lang="it-IT"/>
+          </a:p>
+        </p:txBody>
+      </p:sp>
       <p:pic>
         <p:nvPicPr>
-          <p:cNvPr id="15" name="Immagine 14">
-            <a:extLst>
-              <a:ext uri="{FF2B5EF4-FFF2-40B4-BE49-F238E27FC236}">
-                <a16:creationId xmlns:a16="http://schemas.microsoft.com/office/drawing/2014/main" id="{A6337F5F-E295-EBF6-8607-705AF3DC26C7}"/>
+          <p:cNvPr id="12" name="Immagine 11">
+            <a:extLst>
+              <a:ext uri="{FF2B5EF4-FFF2-40B4-BE49-F238E27FC236}">
+                <a16:creationId xmlns:a16="http://schemas.microsoft.com/office/drawing/2014/main" id="{E050EA64-C8DB-FDF5-134E-BC5B6D9DDBD1}"/>
               </a:ext>
             </a:extLst>
           </p:cNvPr>
@@ -13370,65 +12948,20 @@
         </p:blipFill>
         <p:spPr>
           <a:xfrm>
-            <a:off x="9147221" y="5310602"/>
-            <a:ext cx="2116718" cy="1278957"/>
+            <a:off x="800752" y="686183"/>
+            <a:ext cx="5219048" cy="5409524"/>
           </a:xfrm>
           <a:prstGeom prst="rect">
             <a:avLst/>
           </a:prstGeom>
         </p:spPr>
       </p:pic>
-      <p:sp>
-        <p:nvSpPr>
-          <p:cNvPr id="5" name="AutoShape 2">
-            <a:extLst>
-              <a:ext uri="{FF2B5EF4-FFF2-40B4-BE49-F238E27FC236}">
-                <a16:creationId xmlns:a16="http://schemas.microsoft.com/office/drawing/2014/main" id="{576F5AA0-3C2D-794E-DE27-E3FD15D67EC1}"/>
-              </a:ext>
-            </a:extLst>
-          </p:cNvPr>
-          <p:cNvSpPr>
-            <a:spLocks noChangeAspect="1" noChangeArrowheads="1"/>
-          </p:cNvSpPr>
-          <p:nvPr/>
-        </p:nvSpPr>
-        <p:spPr bwMode="auto">
-          <a:xfrm>
-            <a:off x="6248400" y="3581400"/>
-            <a:ext cx="304800" cy="304800"/>
-          </a:xfrm>
-          <a:prstGeom prst="rect">
-            <a:avLst/>
-          </a:prstGeom>
-          <a:noFill/>
-          <a:extLst>
-            <a:ext uri="{909E8E84-426E-40DD-AFC4-6F175D3DCCD1}">
-              <a14:hiddenFill xmlns:a14="http://schemas.microsoft.com/office/drawing/2010/main">
-                <a:solidFill>
-                  <a:srgbClr val="FFFFFF"/>
-                </a:solidFill>
-              </a14:hiddenFill>
-            </a:ext>
-          </a:extLst>
-        </p:spPr>
-        <p:txBody>
-          <a:bodyPr vert="horz" wrap="square" lIns="91440" tIns="45720" rIns="91440" bIns="45720" numCol="1" anchor="t" anchorCtr="0" compatLnSpc="1">
-            <a:prstTxWarp prst="textNoShape">
-              <a:avLst/>
-            </a:prstTxWarp>
-          </a:bodyPr>
-          <a:lstStyle/>
-          <a:p>
-            <a:endParaRPr lang="it-IT"/>
-          </a:p>
-        </p:txBody>
-      </p:sp>
       <p:pic>
         <p:nvPicPr>
-          <p:cNvPr id="10" name="Immagine 9">
-            <a:extLst>
-              <a:ext uri="{FF2B5EF4-FFF2-40B4-BE49-F238E27FC236}">
-                <a16:creationId xmlns:a16="http://schemas.microsoft.com/office/drawing/2014/main" id="{11B7FA2D-99DF-4B9F-A698-1EFA6BFE5F5C}"/>
+          <p:cNvPr id="13" name="Immagine 12">
+            <a:extLst>
+              <a:ext uri="{FF2B5EF4-FFF2-40B4-BE49-F238E27FC236}">
+                <a16:creationId xmlns:a16="http://schemas.microsoft.com/office/drawing/2014/main" id="{C4AF3555-836A-F2AD-6D4D-208D89310744}"/>
               </a:ext>
             </a:extLst>
           </p:cNvPr>
@@ -13445,65 +12978,20 @@
         </p:blipFill>
         <p:spPr>
           <a:xfrm>
-            <a:off x="5744540" y="5217953"/>
-            <a:ext cx="2962688" cy="1464256"/>
+            <a:off x="6477000" y="885058"/>
+            <a:ext cx="4609448" cy="4783084"/>
           </a:xfrm>
           <a:prstGeom prst="rect">
             <a:avLst/>
           </a:prstGeom>
         </p:spPr>
       </p:pic>
-      <p:sp>
-        <p:nvSpPr>
-          <p:cNvPr id="11" name="AutoShape 4">
-            <a:extLst>
-              <a:ext uri="{FF2B5EF4-FFF2-40B4-BE49-F238E27FC236}">
-                <a16:creationId xmlns:a16="http://schemas.microsoft.com/office/drawing/2014/main" id="{78EC92BE-7232-A945-3500-484ABF18430A}"/>
-              </a:ext>
-            </a:extLst>
-          </p:cNvPr>
-          <p:cNvSpPr>
-            <a:spLocks noChangeAspect="1" noChangeArrowheads="1"/>
-          </p:cNvSpPr>
-          <p:nvPr/>
-        </p:nvSpPr>
-        <p:spPr bwMode="auto">
-          <a:xfrm>
-            <a:off x="6400800" y="3733800"/>
-            <a:ext cx="304800" cy="304800"/>
-          </a:xfrm>
-          <a:prstGeom prst="rect">
-            <a:avLst/>
-          </a:prstGeom>
-          <a:noFill/>
-          <a:extLst>
-            <a:ext uri="{909E8E84-426E-40DD-AFC4-6F175D3DCCD1}">
-              <a14:hiddenFill xmlns:a14="http://schemas.microsoft.com/office/drawing/2010/main">
-                <a:solidFill>
-                  <a:srgbClr val="FFFFFF"/>
-                </a:solidFill>
-              </a14:hiddenFill>
-            </a:ext>
-          </a:extLst>
-        </p:spPr>
-        <p:txBody>
-          <a:bodyPr vert="horz" wrap="square" lIns="91440" tIns="45720" rIns="91440" bIns="45720" numCol="1" anchor="t" anchorCtr="0" compatLnSpc="1">
-            <a:prstTxWarp prst="textNoShape">
-              <a:avLst/>
-            </a:prstTxWarp>
-          </a:bodyPr>
-          <a:lstStyle/>
-          <a:p>
-            <a:endParaRPr lang="it-IT"/>
-          </a:p>
-        </p:txBody>
-      </p:sp>
       <p:pic>
         <p:nvPicPr>
-          <p:cNvPr id="12" name="Immagine 11">
-            <a:extLst>
-              <a:ext uri="{FF2B5EF4-FFF2-40B4-BE49-F238E27FC236}">
-                <a16:creationId xmlns:a16="http://schemas.microsoft.com/office/drawing/2014/main" id="{0A932601-B328-DEEE-C7BF-C9E52F84116E}"/>
+          <p:cNvPr id="4" name="Immagine 3">
+            <a:extLst>
+              <a:ext uri="{FF2B5EF4-FFF2-40B4-BE49-F238E27FC236}">
+                <a16:creationId xmlns:a16="http://schemas.microsoft.com/office/drawing/2014/main" id="{E9BD66C6-8A14-AB6A-9155-56280505FAA6}"/>
               </a:ext>
             </a:extLst>
           </p:cNvPr>
@@ -13520,8 +13008,8 @@
         </p:blipFill>
         <p:spPr>
           <a:xfrm>
-            <a:off x="655092" y="744856"/>
-            <a:ext cx="4878239" cy="5451228"/>
+            <a:off x="6019800" y="5368664"/>
+            <a:ext cx="4572638" cy="1362265"/>
           </a:xfrm>
           <a:prstGeom prst="rect">
             <a:avLst/>
@@ -13530,100 +13018,25 @@
       </p:pic>
       <p:sp>
         <p:nvSpPr>
-          <p:cNvPr id="13" name="AutoShape 6">
-            <a:extLst>
-              <a:ext uri="{FF2B5EF4-FFF2-40B4-BE49-F238E27FC236}">
-                <a16:creationId xmlns:a16="http://schemas.microsoft.com/office/drawing/2014/main" id="{ED931C2A-E1E8-BAB2-FB9A-2BD3A6EB2CFE}"/>
-              </a:ext>
-            </a:extLst>
-          </p:cNvPr>
-          <p:cNvSpPr>
-            <a:spLocks noChangeAspect="1" noChangeArrowheads="1"/>
-          </p:cNvSpPr>
+          <p:cNvPr id="2" name="CasellaDiTesto 1">
+            <a:extLst>
+              <a:ext uri="{FF2B5EF4-FFF2-40B4-BE49-F238E27FC236}">
+                <a16:creationId xmlns:a16="http://schemas.microsoft.com/office/drawing/2014/main" id="{7141FEA5-152E-233C-C872-D7A8D589AF4C}"/>
+              </a:ext>
+            </a:extLst>
+          </p:cNvPr>
+          <p:cNvSpPr txBox="1"/>
           <p:nvPr/>
         </p:nvSpPr>
-        <p:spPr bwMode="auto">
+        <p:spPr>
           <a:xfrm>
-            <a:off x="6553200" y="3886200"/>
-            <a:ext cx="304800" cy="304800"/>
+            <a:off x="3952186" y="240651"/>
+            <a:ext cx="3982828" cy="369332"/>
           </a:xfrm>
           <a:prstGeom prst="rect">
             <a:avLst/>
           </a:prstGeom>
           <a:noFill/>
-          <a:extLst>
-            <a:ext uri="{909E8E84-426E-40DD-AFC4-6F175D3DCCD1}">
-              <a14:hiddenFill xmlns:a14="http://schemas.microsoft.com/office/drawing/2010/main">
-                <a:solidFill>
-                  <a:srgbClr val="FFFFFF"/>
-                </a:solidFill>
-              </a14:hiddenFill>
-            </a:ext>
-          </a:extLst>
-        </p:spPr>
-        <p:txBody>
-          <a:bodyPr vert="horz" wrap="square" lIns="91440" tIns="45720" rIns="91440" bIns="45720" numCol="1" anchor="t" anchorCtr="0" compatLnSpc="1">
-            <a:prstTxWarp prst="textNoShape">
-              <a:avLst/>
-            </a:prstTxWarp>
-          </a:bodyPr>
-          <a:lstStyle/>
-          <a:p>
-            <a:endParaRPr lang="it-IT"/>
-          </a:p>
-        </p:txBody>
-      </p:sp>
-      <p:pic>
-        <p:nvPicPr>
-          <p:cNvPr id="14" name="Immagine 13">
-            <a:extLst>
-              <a:ext uri="{FF2B5EF4-FFF2-40B4-BE49-F238E27FC236}">
-                <a16:creationId xmlns:a16="http://schemas.microsoft.com/office/drawing/2014/main" id="{0F64D59B-DEDC-FE01-74E8-8A1CB75545D9}"/>
-              </a:ext>
-            </a:extLst>
-          </p:cNvPr>
-          <p:cNvPicPr>
-            <a:picLocks noChangeAspect="1"/>
-          </p:cNvPicPr>
-          <p:nvPr/>
-        </p:nvPicPr>
-        <p:blipFill>
-          <a:blip r:embed="rId6"/>
-          <a:stretch>
-            <a:fillRect/>
-          </a:stretch>
-        </p:blipFill>
-        <p:spPr>
-          <a:xfrm>
-            <a:off x="6073963" y="722715"/>
-            <a:ext cx="5085714" cy="4495238"/>
-          </a:xfrm>
-          <a:prstGeom prst="rect">
-            <a:avLst/>
-          </a:prstGeom>
-        </p:spPr>
-      </p:pic>
-      <p:sp>
-        <p:nvSpPr>
-          <p:cNvPr id="4" name="CasellaDiTesto 3">
-            <a:extLst>
-              <a:ext uri="{FF2B5EF4-FFF2-40B4-BE49-F238E27FC236}">
-                <a16:creationId xmlns:a16="http://schemas.microsoft.com/office/drawing/2014/main" id="{B6F4737D-9997-C15F-211A-0AC5CC61DC09}"/>
-              </a:ext>
-            </a:extLst>
-          </p:cNvPr>
-          <p:cNvSpPr txBox="1"/>
-          <p:nvPr/>
-        </p:nvSpPr>
-        <p:spPr>
-          <a:xfrm>
-            <a:off x="4724400" y="214065"/>
-            <a:ext cx="2438400" cy="369332"/>
-          </a:xfrm>
-          <a:prstGeom prst="rect">
-            <a:avLst/>
-          </a:prstGeom>
-          <a:noFill/>
         </p:spPr>
         <p:txBody>
           <a:bodyPr wrap="square" rtlCol="0">
@@ -13634,66 +13047,7 @@
             <a:pPr algn="ctr"/>
             <a:r>
               <a:rPr lang="it-IT" b="1" dirty="0"/>
-              <a:t>TCGA, LUAD</a:t>
-            </a:r>
-          </a:p>
-        </p:txBody>
-      </p:sp>
-      <p:sp>
-        <p:nvSpPr>
-          <p:cNvPr id="6" name="CasellaDiTesto 5">
-            <a:extLst>
-              <a:ext uri="{FF2B5EF4-FFF2-40B4-BE49-F238E27FC236}">
-                <a16:creationId xmlns:a16="http://schemas.microsoft.com/office/drawing/2014/main" id="{DD0A5C84-61CA-3303-D9C2-5561C38C0CB3}"/>
-              </a:ext>
-            </a:extLst>
-          </p:cNvPr>
-          <p:cNvSpPr txBox="1"/>
-          <p:nvPr/>
-        </p:nvSpPr>
-        <p:spPr>
-          <a:xfrm>
-            <a:off x="655092" y="6318913"/>
-            <a:ext cx="4069308" cy="369332"/>
-          </a:xfrm>
-          <a:prstGeom prst="rect">
-            <a:avLst/>
-          </a:prstGeom>
-          <a:noFill/>
-        </p:spPr>
-        <p:txBody>
-          <a:bodyPr wrap="square" rtlCol="0">
-            <a:spAutoFit/>
-          </a:bodyPr>
-          <a:lstStyle/>
-          <a:p>
-            <a:r>
-              <a:rPr lang="it-IT" dirty="0"/>
-              <a:t>~ 55 % </a:t>
-            </a:r>
-            <a:r>
-              <a:rPr lang="it-IT" dirty="0" err="1"/>
-              <a:t>Dosage</a:t>
-            </a:r>
-            <a:r>
-              <a:rPr lang="it-IT" dirty="0"/>
-              <a:t> </a:t>
-            </a:r>
-            <a:r>
-              <a:rPr lang="it-IT" dirty="0" err="1"/>
-              <a:t>compensated</a:t>
-            </a:r>
-            <a:r>
-              <a:rPr lang="it-IT" dirty="0"/>
-              <a:t> </a:t>
-            </a:r>
-            <a:r>
-              <a:rPr lang="it-IT" dirty="0" err="1"/>
-              <a:t>genes</a:t>
-            </a:r>
-            <a:r>
-              <a:rPr lang="it-IT" dirty="0"/>
-              <a:t> </a:t>
+              <a:t>TCGA, LUAD (sample size = 3)</a:t>
             </a:r>
           </a:p>
         </p:txBody>
@@ -13701,7 +13055,7 @@
     </p:spTree>
     <p:extLst>
       <p:ext uri="{BB962C8B-B14F-4D97-AF65-F5344CB8AC3E}">
-        <p14:creationId xmlns:p14="http://schemas.microsoft.com/office/powerpoint/2010/main" val="2404406266"/>
+        <p14:creationId xmlns:p14="http://schemas.microsoft.com/office/powerpoint/2010/main" val="2340962228"/>
       </p:ext>
     </p:extLst>
   </p:cSld>
@@ -13714,14 +13068,6 @@
 <file path=ppt/slides/slide6.xml><?xml version="1.0" encoding="utf-8"?>
 <p:sld xmlns:a="http://schemas.openxmlformats.org/drawingml/2006/main" xmlns:r="http://schemas.openxmlformats.org/officeDocument/2006/relationships" xmlns:p="http://schemas.openxmlformats.org/presentationml/2006/main">
   <p:cSld>
-    <p:bg>
-      <p:bgPr>
-        <a:solidFill>
-          <a:schemeClr val="bg1"/>
-        </a:solidFill>
-        <a:effectLst/>
-      </p:bgPr>
-    </p:bg>
     <p:spTree>
       <p:nvGrpSpPr>
         <p:cNvPr id="1" name=""/>
@@ -13738,10 +13084,10 @@
       </p:grpSpPr>
       <p:sp>
         <p:nvSpPr>
-          <p:cNvPr id="3" name="AutoShape 2">
-            <a:extLst>
-              <a:ext uri="{FF2B5EF4-FFF2-40B4-BE49-F238E27FC236}">
-                <a16:creationId xmlns:a16="http://schemas.microsoft.com/office/drawing/2014/main" id="{48C673B2-C80B-0B98-05C6-5F212F86AF18}"/>
+          <p:cNvPr id="2" name="AutoShape 2">
+            <a:extLst>
+              <a:ext uri="{FF2B5EF4-FFF2-40B4-BE49-F238E27FC236}">
+                <a16:creationId xmlns:a16="http://schemas.microsoft.com/office/drawing/2014/main" id="{CECCC491-DA54-9C55-4450-7E7B175FA2F2}"/>
               </a:ext>
             </a:extLst>
           </p:cNvPr>
@@ -13781,181 +13127,42 @@
           </a:p>
         </p:txBody>
       </p:sp>
-      <p:sp>
-        <p:nvSpPr>
-          <p:cNvPr id="8" name="AutoShape 4">
-            <a:extLst>
-              <a:ext uri="{FF2B5EF4-FFF2-40B4-BE49-F238E27FC236}">
-                <a16:creationId xmlns:a16="http://schemas.microsoft.com/office/drawing/2014/main" id="{FEEF9BB4-A46A-EE77-A997-250B1B86FC4C}"/>
-              </a:ext>
-            </a:extLst>
-          </p:cNvPr>
-          <p:cNvSpPr>
-            <a:spLocks noChangeAspect="1" noChangeArrowheads="1"/>
-          </p:cNvSpPr>
+      <p:pic>
+        <p:nvPicPr>
+          <p:cNvPr id="4" name="Immagine 3">
+            <a:extLst>
+              <a:ext uri="{FF2B5EF4-FFF2-40B4-BE49-F238E27FC236}">
+                <a16:creationId xmlns:a16="http://schemas.microsoft.com/office/drawing/2014/main" id="{7B1204A3-4A1D-D119-E3FA-E35FE07556B6}"/>
+              </a:ext>
+            </a:extLst>
+          </p:cNvPr>
+          <p:cNvPicPr>
+            <a:picLocks noChangeAspect="1"/>
+          </p:cNvPicPr>
           <p:nvPr/>
-        </p:nvSpPr>
-        <p:spPr bwMode="auto">
+        </p:nvPicPr>
+        <p:blipFill>
+          <a:blip r:embed="rId2"/>
+          <a:stretch>
+            <a:fillRect/>
+          </a:stretch>
+        </p:blipFill>
+        <p:spPr>
           <a:xfrm>
-            <a:off x="6096000" y="3429000"/>
-            <a:ext cx="304800" cy="304800"/>
+            <a:off x="819074" y="556662"/>
+            <a:ext cx="5429326" cy="5439875"/>
           </a:xfrm>
           <a:prstGeom prst="rect">
             <a:avLst/>
           </a:prstGeom>
-          <a:noFill/>
-          <a:extLst>
-            <a:ext uri="{909E8E84-426E-40DD-AFC4-6F175D3DCCD1}">
-              <a14:hiddenFill xmlns:a14="http://schemas.microsoft.com/office/drawing/2010/main">
-                <a:solidFill>
-                  <a:srgbClr val="FFFFFF"/>
-                </a:solidFill>
-              </a14:hiddenFill>
-            </a:ext>
-          </a:extLst>
-        </p:spPr>
-        <p:txBody>
-          <a:bodyPr vert="horz" wrap="square" lIns="91440" tIns="45720" rIns="91440" bIns="45720" numCol="1" anchor="t" anchorCtr="0" compatLnSpc="1">
-            <a:prstTxWarp prst="textNoShape">
-              <a:avLst/>
-            </a:prstTxWarp>
-          </a:bodyPr>
-          <a:lstStyle/>
-          <a:p>
-            <a:endParaRPr lang="it-IT"/>
-          </a:p>
-        </p:txBody>
-      </p:sp>
-      <p:sp>
-        <p:nvSpPr>
-          <p:cNvPr id="10" name="CasellaDiTesto 9">
-            <a:extLst>
-              <a:ext uri="{FF2B5EF4-FFF2-40B4-BE49-F238E27FC236}">
-                <a16:creationId xmlns:a16="http://schemas.microsoft.com/office/drawing/2014/main" id="{523397FE-28D4-EAFC-299D-7AFB453B2A9D}"/>
-              </a:ext>
-            </a:extLst>
-          </p:cNvPr>
-          <p:cNvSpPr txBox="1"/>
-          <p:nvPr/>
-        </p:nvSpPr>
-        <p:spPr>
-          <a:xfrm>
-            <a:off x="876298" y="5872441"/>
-            <a:ext cx="4114800" cy="523220"/>
-          </a:xfrm>
-          <a:prstGeom prst="rect">
-            <a:avLst/>
-          </a:prstGeom>
-          <a:noFill/>
-        </p:spPr>
-        <p:txBody>
-          <a:bodyPr wrap="square" rtlCol="0">
-            <a:spAutoFit/>
-          </a:bodyPr>
-          <a:lstStyle/>
-          <a:p>
-            <a:pPr algn="ctr"/>
-            <a:r>
-              <a:rPr lang="it-IT" sz="1400" dirty="0" err="1"/>
-              <a:t>about</a:t>
-            </a:r>
-            <a:r>
-              <a:rPr lang="it-IT" sz="1400" dirty="0"/>
-              <a:t> </a:t>
-            </a:r>
-            <a:r>
-              <a:rPr lang="it-IT" sz="1400" b="1" dirty="0"/>
-              <a:t>47 % (1664</a:t>
-            </a:r>
-            <a:r>
-              <a:rPr lang="it-IT" sz="1400" dirty="0"/>
-              <a:t>) of DE </a:t>
-            </a:r>
-            <a:r>
-              <a:rPr lang="it-IT" sz="1400" dirty="0" err="1"/>
-              <a:t>genes</a:t>
-            </a:r>
-            <a:r>
-              <a:rPr lang="it-IT" sz="1400" dirty="0"/>
-              <a:t> are </a:t>
-            </a:r>
-            <a:r>
-              <a:rPr lang="it-IT" sz="1400" dirty="0" err="1"/>
-              <a:t>explained</a:t>
-            </a:r>
-            <a:r>
-              <a:rPr lang="it-IT" sz="1400" dirty="0"/>
-              <a:t> by </a:t>
-            </a:r>
-          </a:p>
-          <a:p>
-            <a:pPr algn="ctr"/>
-            <a:r>
-              <a:rPr lang="it-IT" sz="1400" dirty="0"/>
-              <a:t>the </a:t>
-            </a:r>
-            <a:r>
-              <a:rPr lang="it-IT" sz="1400" dirty="0" err="1"/>
-              <a:t>effect</a:t>
-            </a:r>
-            <a:r>
-              <a:rPr lang="it-IT" sz="1400" dirty="0"/>
-              <a:t> of CNV</a:t>
-            </a:r>
-          </a:p>
-        </p:txBody>
-      </p:sp>
-      <p:sp>
-        <p:nvSpPr>
-          <p:cNvPr id="11" name="AutoShape 6">
-            <a:extLst>
-              <a:ext uri="{FF2B5EF4-FFF2-40B4-BE49-F238E27FC236}">
-                <a16:creationId xmlns:a16="http://schemas.microsoft.com/office/drawing/2014/main" id="{2C378165-6273-D26E-3D3A-97C29BE60AEF}"/>
-              </a:ext>
-            </a:extLst>
-          </p:cNvPr>
-          <p:cNvSpPr>
-            <a:spLocks noChangeAspect="1" noChangeArrowheads="1"/>
-          </p:cNvSpPr>
-          <p:nvPr/>
-        </p:nvSpPr>
-        <p:spPr bwMode="auto">
-          <a:xfrm>
-            <a:off x="6248400" y="3581400"/>
-            <a:ext cx="304800" cy="304800"/>
-          </a:xfrm>
-          <a:prstGeom prst="rect">
-            <a:avLst/>
-          </a:prstGeom>
-          <a:noFill/>
-          <a:extLst>
-            <a:ext uri="{909E8E84-426E-40DD-AFC4-6F175D3DCCD1}">
-              <a14:hiddenFill xmlns:a14="http://schemas.microsoft.com/office/drawing/2010/main">
-                <a:solidFill>
-                  <a:srgbClr val="FFFFFF"/>
-                </a:solidFill>
-              </a14:hiddenFill>
-            </a:ext>
-          </a:extLst>
-        </p:spPr>
-        <p:txBody>
-          <a:bodyPr vert="horz" wrap="square" lIns="91440" tIns="45720" rIns="91440" bIns="45720" numCol="1" anchor="t" anchorCtr="0" compatLnSpc="1">
-            <a:prstTxWarp prst="textNoShape">
-              <a:avLst/>
-            </a:prstTxWarp>
-          </a:bodyPr>
-          <a:lstStyle/>
-          <a:p>
-            <a:endParaRPr lang="it-IT"/>
-          </a:p>
-        </p:txBody>
-      </p:sp>
+        </p:spPr>
+      </p:pic>
       <p:pic>
         <p:nvPicPr>
-          <p:cNvPr id="12" name="Immagine 11">
-            <a:extLst>
-              <a:ext uri="{FF2B5EF4-FFF2-40B4-BE49-F238E27FC236}">
-                <a16:creationId xmlns:a16="http://schemas.microsoft.com/office/drawing/2014/main" id="{E050EA64-C8DB-FDF5-134E-BC5B6D9DDBD1}"/>
+          <p:cNvPr id="3" name="Immagine 2">
+            <a:extLst>
+              <a:ext uri="{FF2B5EF4-FFF2-40B4-BE49-F238E27FC236}">
+                <a16:creationId xmlns:a16="http://schemas.microsoft.com/office/drawing/2014/main" id="{AFE53380-5353-03D0-BF68-1813992D30FB}"/>
               </a:ext>
             </a:extLst>
           </p:cNvPr>
@@ -13972,68 +13179,8 @@
         </p:blipFill>
         <p:spPr>
           <a:xfrm>
-            <a:off x="750330" y="239073"/>
-            <a:ext cx="5219048" cy="5409524"/>
-          </a:xfrm>
-          <a:prstGeom prst="rect">
-            <a:avLst/>
-          </a:prstGeom>
-        </p:spPr>
-      </p:pic>
-      <p:pic>
-        <p:nvPicPr>
-          <p:cNvPr id="13" name="Immagine 12">
-            <a:extLst>
-              <a:ext uri="{FF2B5EF4-FFF2-40B4-BE49-F238E27FC236}">
-                <a16:creationId xmlns:a16="http://schemas.microsoft.com/office/drawing/2014/main" id="{C4AF3555-836A-F2AD-6D4D-208D89310744}"/>
-              </a:ext>
-            </a:extLst>
-          </p:cNvPr>
-          <p:cNvPicPr>
-            <a:picLocks noChangeAspect="1"/>
-          </p:cNvPicPr>
-          <p:nvPr/>
-        </p:nvPicPr>
-        <p:blipFill>
-          <a:blip r:embed="rId4"/>
-          <a:stretch>
-            <a:fillRect/>
-          </a:stretch>
-        </p:blipFill>
-        <p:spPr>
-          <a:xfrm>
-            <a:off x="6553200" y="250316"/>
-            <a:ext cx="4609448" cy="4783084"/>
-          </a:xfrm>
-          <a:prstGeom prst="rect">
-            <a:avLst/>
-          </a:prstGeom>
-        </p:spPr>
-      </p:pic>
-      <p:pic>
-        <p:nvPicPr>
-          <p:cNvPr id="4" name="Immagine 3">
-            <a:extLst>
-              <a:ext uri="{FF2B5EF4-FFF2-40B4-BE49-F238E27FC236}">
-                <a16:creationId xmlns:a16="http://schemas.microsoft.com/office/drawing/2014/main" id="{E9BD66C6-8A14-AB6A-9155-56280505FAA6}"/>
-              </a:ext>
-            </a:extLst>
-          </p:cNvPr>
-          <p:cNvPicPr>
-            <a:picLocks noChangeAspect="1"/>
-          </p:cNvPicPr>
-          <p:nvPr/>
-        </p:nvPicPr>
-        <p:blipFill>
-          <a:blip r:embed="rId5"/>
-          <a:stretch>
-            <a:fillRect/>
-          </a:stretch>
-        </p:blipFill>
-        <p:spPr>
-          <a:xfrm>
-            <a:off x="6096000" y="5229521"/>
-            <a:ext cx="4572638" cy="1362265"/>
+            <a:off x="6660108" y="556662"/>
+            <a:ext cx="5151822" cy="5439874"/>
           </a:xfrm>
           <a:prstGeom prst="rect">
             <a:avLst/>
@@ -14043,7 +13190,7 @@
     </p:spTree>
     <p:extLst>
       <p:ext uri="{BB962C8B-B14F-4D97-AF65-F5344CB8AC3E}">
-        <p14:creationId xmlns:p14="http://schemas.microsoft.com/office/powerpoint/2010/main" val="2340962228"/>
+        <p14:creationId xmlns:p14="http://schemas.microsoft.com/office/powerpoint/2010/main" val="4031643693"/>
       </p:ext>
     </p:extLst>
   </p:cSld>
@@ -14070,141 +13217,6 @@
           <a:chExt cx="0" cy="0"/>
         </a:xfrm>
       </p:grpSpPr>
-      <p:sp>
-        <p:nvSpPr>
-          <p:cNvPr id="2" name="AutoShape 2">
-            <a:extLst>
-              <a:ext uri="{FF2B5EF4-FFF2-40B4-BE49-F238E27FC236}">
-                <a16:creationId xmlns:a16="http://schemas.microsoft.com/office/drawing/2014/main" id="{CECCC491-DA54-9C55-4450-7E7B175FA2F2}"/>
-              </a:ext>
-            </a:extLst>
-          </p:cNvPr>
-          <p:cNvSpPr>
-            <a:spLocks noChangeAspect="1" noChangeArrowheads="1"/>
-          </p:cNvSpPr>
-          <p:nvPr/>
-        </p:nvSpPr>
-        <p:spPr bwMode="auto">
-          <a:xfrm>
-            <a:off x="5943600" y="3276600"/>
-            <a:ext cx="304800" cy="304800"/>
-          </a:xfrm>
-          <a:prstGeom prst="rect">
-            <a:avLst/>
-          </a:prstGeom>
-          <a:noFill/>
-          <a:extLst>
-            <a:ext uri="{909E8E84-426E-40DD-AFC4-6F175D3DCCD1}">
-              <a14:hiddenFill xmlns:a14="http://schemas.microsoft.com/office/drawing/2010/main">
-                <a:solidFill>
-                  <a:srgbClr val="FFFFFF"/>
-                </a:solidFill>
-              </a14:hiddenFill>
-            </a:ext>
-          </a:extLst>
-        </p:spPr>
-        <p:txBody>
-          <a:bodyPr vert="horz" wrap="square" lIns="91440" tIns="45720" rIns="91440" bIns="45720" numCol="1" anchor="t" anchorCtr="0" compatLnSpc="1">
-            <a:prstTxWarp prst="textNoShape">
-              <a:avLst/>
-            </a:prstTxWarp>
-          </a:bodyPr>
-          <a:lstStyle/>
-          <a:p>
-            <a:endParaRPr lang="it-IT"/>
-          </a:p>
-        </p:txBody>
-      </p:sp>
-      <p:pic>
-        <p:nvPicPr>
-          <p:cNvPr id="4" name="Immagine 3">
-            <a:extLst>
-              <a:ext uri="{FF2B5EF4-FFF2-40B4-BE49-F238E27FC236}">
-                <a16:creationId xmlns:a16="http://schemas.microsoft.com/office/drawing/2014/main" id="{7B1204A3-4A1D-D119-E3FA-E35FE07556B6}"/>
-              </a:ext>
-            </a:extLst>
-          </p:cNvPr>
-          <p:cNvPicPr>
-            <a:picLocks noChangeAspect="1"/>
-          </p:cNvPicPr>
-          <p:nvPr/>
-        </p:nvPicPr>
-        <p:blipFill>
-          <a:blip r:embed="rId2"/>
-          <a:stretch>
-            <a:fillRect/>
-          </a:stretch>
-        </p:blipFill>
-        <p:spPr>
-          <a:xfrm>
-            <a:off x="819074" y="556662"/>
-            <a:ext cx="5429326" cy="5439875"/>
-          </a:xfrm>
-          <a:prstGeom prst="rect">
-            <a:avLst/>
-          </a:prstGeom>
-        </p:spPr>
-      </p:pic>
-      <p:pic>
-        <p:nvPicPr>
-          <p:cNvPr id="3" name="Immagine 2">
-            <a:extLst>
-              <a:ext uri="{FF2B5EF4-FFF2-40B4-BE49-F238E27FC236}">
-                <a16:creationId xmlns:a16="http://schemas.microsoft.com/office/drawing/2014/main" id="{AFE53380-5353-03D0-BF68-1813992D30FB}"/>
-              </a:ext>
-            </a:extLst>
-          </p:cNvPr>
-          <p:cNvPicPr>
-            <a:picLocks noChangeAspect="1"/>
-          </p:cNvPicPr>
-          <p:nvPr/>
-        </p:nvPicPr>
-        <p:blipFill>
-          <a:blip r:embed="rId3"/>
-          <a:stretch>
-            <a:fillRect/>
-          </a:stretch>
-        </p:blipFill>
-        <p:spPr>
-          <a:xfrm>
-            <a:off x="6660108" y="556662"/>
-            <a:ext cx="5151822" cy="5439874"/>
-          </a:xfrm>
-          <a:prstGeom prst="rect">
-            <a:avLst/>
-          </a:prstGeom>
-        </p:spPr>
-      </p:pic>
-    </p:spTree>
-    <p:extLst>
-      <p:ext uri="{BB962C8B-B14F-4D97-AF65-F5344CB8AC3E}">
-        <p14:creationId xmlns:p14="http://schemas.microsoft.com/office/powerpoint/2010/main" val="4031643693"/>
-      </p:ext>
-    </p:extLst>
-  </p:cSld>
-  <p:clrMapOvr>
-    <a:masterClrMapping/>
-  </p:clrMapOvr>
-</p:sld>
-</file>
-
-<file path=ppt/slides/slide8.xml><?xml version="1.0" encoding="utf-8"?>
-<p:sld xmlns:a="http://schemas.openxmlformats.org/drawingml/2006/main" xmlns:r="http://schemas.openxmlformats.org/officeDocument/2006/relationships" xmlns:p="http://schemas.openxmlformats.org/presentationml/2006/main">
-  <p:cSld>
-    <p:spTree>
-      <p:nvGrpSpPr>
-        <p:cNvPr id="1" name=""/>
-        <p:cNvGrpSpPr/>
-        <p:nvPr/>
-      </p:nvGrpSpPr>
-      <p:grpSpPr>
-        <a:xfrm>
-          <a:off x="0" y="0"/>
-          <a:ext cx="0" cy="0"/>
-          <a:chOff x="0" y="0"/>
-          <a:chExt cx="0" cy="0"/>
-        </a:xfrm>
-      </p:grpSpPr>
       <p:pic>
         <p:nvPicPr>
           <p:cNvPr id="2" name="Immagine 1">
@@ -14308,9 +13320,17 @@
 </p:sld>
 </file>
 
-<file path=ppt/slides/slide9.xml><?xml version="1.0" encoding="utf-8"?>
+<file path=ppt/slides/slide8.xml><?xml version="1.0" encoding="utf-8"?>
 <p:sld xmlns:a="http://schemas.openxmlformats.org/drawingml/2006/main" xmlns:r="http://schemas.openxmlformats.org/officeDocument/2006/relationships" xmlns:p="http://schemas.openxmlformats.org/presentationml/2006/main">
   <p:cSld>
+    <p:bg>
+      <p:bgPr>
+        <a:solidFill>
+          <a:schemeClr val="bg1"/>
+        </a:solidFill>
+        <a:effectLst/>
+      </p:bgPr>
+    </p:bg>
     <p:spTree>
       <p:nvGrpSpPr>
         <p:cNvPr id="1" name=""/>
@@ -14325,12 +13345,1022 @@
           <a:chExt cx="0" cy="0"/>
         </a:xfrm>
       </p:grpSpPr>
+      <p:sp>
+        <p:nvSpPr>
+          <p:cNvPr id="25" name="Rectangle 24">
+            <a:extLst>
+              <a:ext uri="{FF2B5EF4-FFF2-40B4-BE49-F238E27FC236}">
+                <a16:creationId xmlns:a16="http://schemas.microsoft.com/office/drawing/2014/main" id="{A9F529C3-C941-49FD-8C67-82F134F64BDB}"/>
+              </a:ext>
+              <a:ext uri="{C183D7F6-B498-43B3-948B-1728B52AA6E4}">
+                <adec:decorative xmlns:adec="http://schemas.microsoft.com/office/drawing/2017/decorative" val="1"/>
+              </a:ext>
+            </a:extLst>
+          </p:cNvPr>
+          <p:cNvSpPr>
+            <a:spLocks noGrp="1" noRot="1" noChangeAspect="1" noMove="1" noResize="1" noEditPoints="1" noAdjustHandles="1" noChangeArrowheads="1" noChangeShapeType="1" noTextEdit="1"/>
+          </p:cNvSpPr>
+          <p:nvPr>
+            <p:extLst>
+              <p:ext uri="{386F3935-93C4-4BCD-93E2-E3B085C9AB24}">
+                <p16:designElem xmlns:p16="http://schemas.microsoft.com/office/powerpoint/2015/main" val="1"/>
+              </p:ext>
+            </p:extLst>
+          </p:nvPr>
+        </p:nvSpPr>
+        <p:spPr>
+          <a:xfrm>
+            <a:off x="0" y="0"/>
+            <a:ext cx="12192000" cy="6858000"/>
+          </a:xfrm>
+          <a:prstGeom prst="rect">
+            <a:avLst/>
+          </a:prstGeom>
+          <a:solidFill>
+            <a:schemeClr val="tx1">
+              <a:lumMod val="50000"/>
+              <a:lumOff val="50000"/>
+              <a:alpha val="30000"/>
+            </a:schemeClr>
+          </a:solidFill>
+          <a:ln>
+            <a:noFill/>
+          </a:ln>
+        </p:spPr>
+        <p:style>
+          <a:lnRef idx="2">
+            <a:schemeClr val="accent1">
+              <a:shade val="50000"/>
+            </a:schemeClr>
+          </a:lnRef>
+          <a:fillRef idx="1">
+            <a:schemeClr val="accent1"/>
+          </a:fillRef>
+          <a:effectRef idx="0">
+            <a:schemeClr val="accent1"/>
+          </a:effectRef>
+          <a:fontRef idx="minor">
+            <a:schemeClr val="lt1"/>
+          </a:fontRef>
+        </p:style>
+        <p:txBody>
+          <a:bodyPr rtlCol="0" anchor="ctr"/>
+          <a:lstStyle/>
+          <a:p>
+            <a:pPr algn="ctr"/>
+            <a:endParaRPr lang="en-US"/>
+          </a:p>
+        </p:txBody>
+      </p:sp>
+      <p:sp>
+        <p:nvSpPr>
+          <p:cNvPr id="27" name="Rectangle 26">
+            <a:extLst>
+              <a:ext uri="{FF2B5EF4-FFF2-40B4-BE49-F238E27FC236}">
+                <a16:creationId xmlns:a16="http://schemas.microsoft.com/office/drawing/2014/main" id="{20586029-32A0-47E5-9AEC-AE3ABA6B94D0}"/>
+              </a:ext>
+              <a:ext uri="{C183D7F6-B498-43B3-948B-1728B52AA6E4}">
+                <adec:decorative xmlns:adec="http://schemas.microsoft.com/office/drawing/2017/decorative" val="1"/>
+              </a:ext>
+            </a:extLst>
+          </p:cNvPr>
+          <p:cNvSpPr>
+            <a:spLocks noGrp="1" noRot="1" noChangeAspect="1" noMove="1" noResize="1" noEditPoints="1" noAdjustHandles="1" noChangeArrowheads="1" noChangeShapeType="1" noTextEdit="1"/>
+          </p:cNvSpPr>
+          <p:nvPr>
+            <p:extLst>
+              <p:ext uri="{386F3935-93C4-4BCD-93E2-E3B085C9AB24}">
+                <p16:designElem xmlns:p16="http://schemas.microsoft.com/office/powerpoint/2015/main" val="1"/>
+              </p:ext>
+            </p:extLst>
+          </p:nvPr>
+        </p:nvSpPr>
+        <p:spPr>
+          <a:xfrm>
+            <a:off x="477012" y="480060"/>
+            <a:ext cx="11237976" cy="5897880"/>
+          </a:xfrm>
+          <a:prstGeom prst="rect">
+            <a:avLst/>
+          </a:prstGeom>
+          <a:solidFill>
+            <a:srgbClr val="FFFFFF"/>
+          </a:solidFill>
+          <a:ln w="9525">
+            <a:noFill/>
+          </a:ln>
+          <a:effectLst>
+            <a:outerShdw blurRad="63500" dist="17780" dir="5400000" algn="t" rotWithShape="0">
+              <a:prstClr val="black">
+                <a:alpha val="43000"/>
+              </a:prstClr>
+            </a:outerShdw>
+          </a:effectLst>
+        </p:spPr>
+        <p:style>
+          <a:lnRef idx="2">
+            <a:schemeClr val="accent1">
+              <a:shade val="50000"/>
+            </a:schemeClr>
+          </a:lnRef>
+          <a:fillRef idx="1">
+            <a:schemeClr val="accent1"/>
+          </a:fillRef>
+          <a:effectRef idx="0">
+            <a:schemeClr val="accent1"/>
+          </a:effectRef>
+          <a:fontRef idx="minor">
+            <a:schemeClr val="lt1"/>
+          </a:fontRef>
+        </p:style>
+        <p:txBody>
+          <a:bodyPr rtlCol="0" anchor="ctr"/>
+          <a:lstStyle/>
+          <a:p>
+            <a:pPr algn="ctr"/>
+            <a:endParaRPr lang="en-US"/>
+          </a:p>
+        </p:txBody>
+      </p:sp>
       <p:pic>
         <p:nvPicPr>
-          <p:cNvPr id="5" name="Immagine 4">
-            <a:extLst>
-              <a:ext uri="{FF2B5EF4-FFF2-40B4-BE49-F238E27FC236}">
-                <a16:creationId xmlns:a16="http://schemas.microsoft.com/office/drawing/2014/main" id="{540F307C-4CB5-80BB-3B58-33B433A7E4BA}"/>
+          <p:cNvPr id="11" name="Immagine 10">
+            <a:extLst>
+              <a:ext uri="{FF2B5EF4-FFF2-40B4-BE49-F238E27FC236}">
+                <a16:creationId xmlns:a16="http://schemas.microsoft.com/office/drawing/2014/main" id="{1084E461-0748-E200-7160-5372EE01DF6D}"/>
+              </a:ext>
+            </a:extLst>
+          </p:cNvPr>
+          <p:cNvPicPr>
+            <a:picLocks noChangeAspect="1"/>
+          </p:cNvPicPr>
+          <p:nvPr/>
+        </p:nvPicPr>
+        <p:blipFill>
+          <a:blip r:embed="rId3"/>
+          <a:stretch>
+            <a:fillRect/>
+          </a:stretch>
+        </p:blipFill>
+        <p:spPr>
+          <a:xfrm>
+            <a:off x="878782" y="1165508"/>
+            <a:ext cx="4663049" cy="4526981"/>
+          </a:xfrm>
+          <a:prstGeom prst="rect">
+            <a:avLst/>
+          </a:prstGeom>
+        </p:spPr>
+      </p:pic>
+      <p:cxnSp>
+        <p:nvCxnSpPr>
+          <p:cNvPr id="29" name="Straight Connector 28">
+            <a:extLst>
+              <a:ext uri="{FF2B5EF4-FFF2-40B4-BE49-F238E27FC236}">
+                <a16:creationId xmlns:a16="http://schemas.microsoft.com/office/drawing/2014/main" id="{8C730EAB-A532-4295-A302-FB4B90DB9F5E}"/>
+              </a:ext>
+              <a:ext uri="{C183D7F6-B498-43B3-948B-1728B52AA6E4}">
+                <adec:decorative xmlns:adec="http://schemas.microsoft.com/office/drawing/2017/decorative" val="1"/>
+              </a:ext>
+            </a:extLst>
+          </p:cNvPr>
+          <p:cNvCxnSpPr>
+            <a:cxnSpLocks noGrp="1" noRot="1" noChangeAspect="1" noMove="1" noResize="1" noEditPoints="1" noAdjustHandles="1" noChangeArrowheads="1" noChangeShapeType="1"/>
+          </p:cNvCxnSpPr>
+          <p:nvPr>
+            <p:extLst>
+              <p:ext uri="{386F3935-93C4-4BCD-93E2-E3B085C9AB24}">
+                <p16:designElem xmlns:p16="http://schemas.microsoft.com/office/powerpoint/2015/main" val="1"/>
+              </p:ext>
+            </p:extLst>
+          </p:nvPr>
+        </p:nvCxnSpPr>
+        <p:spPr>
+          <a:xfrm>
+            <a:off x="6079958" y="1143000"/>
+            <a:ext cx="0" cy="4572000"/>
+          </a:xfrm>
+          <a:prstGeom prst="line">
+            <a:avLst/>
+          </a:prstGeom>
+          <a:ln>
+            <a:solidFill>
+              <a:srgbClr val="4E4E4E"/>
+            </a:solidFill>
+          </a:ln>
+        </p:spPr>
+        <p:style>
+          <a:lnRef idx="1">
+            <a:schemeClr val="accent1"/>
+          </a:lnRef>
+          <a:fillRef idx="0">
+            <a:schemeClr val="accent1"/>
+          </a:fillRef>
+          <a:effectRef idx="0">
+            <a:schemeClr val="accent1"/>
+          </a:effectRef>
+          <a:fontRef idx="minor">
+            <a:schemeClr val="tx1"/>
+          </a:fontRef>
+        </p:style>
+      </p:cxnSp>
+      <p:pic>
+        <p:nvPicPr>
+          <p:cNvPr id="4" name="Immagine 3">
+            <a:extLst>
+              <a:ext uri="{FF2B5EF4-FFF2-40B4-BE49-F238E27FC236}">
+                <a16:creationId xmlns:a16="http://schemas.microsoft.com/office/drawing/2014/main" id="{2785F493-3294-CE6F-7CE1-06ADC4B49CE7}"/>
+              </a:ext>
+            </a:extLst>
+          </p:cNvPr>
+          <p:cNvPicPr>
+            <a:picLocks noChangeAspect="1"/>
+          </p:cNvPicPr>
+          <p:nvPr/>
+        </p:nvPicPr>
+        <p:blipFill>
+          <a:blip r:embed="rId4"/>
+          <a:stretch>
+            <a:fillRect/>
+          </a:stretch>
+        </p:blipFill>
+        <p:spPr>
+          <a:xfrm>
+            <a:off x="6556971" y="1165509"/>
+            <a:ext cx="4991561" cy="4526981"/>
+          </a:xfrm>
+          <a:prstGeom prst="rect">
+            <a:avLst/>
+          </a:prstGeom>
+        </p:spPr>
+      </p:pic>
+      <p:sp>
+        <p:nvSpPr>
+          <p:cNvPr id="10" name="AutoShape 8">
+            <a:extLst>
+              <a:ext uri="{FF2B5EF4-FFF2-40B4-BE49-F238E27FC236}">
+                <a16:creationId xmlns:a16="http://schemas.microsoft.com/office/drawing/2014/main" id="{4E890139-79ED-5CD2-BA6C-BD3F943E7BF6}"/>
+              </a:ext>
+            </a:extLst>
+          </p:cNvPr>
+          <p:cNvSpPr>
+            <a:spLocks noChangeAspect="1" noChangeArrowheads="1"/>
+          </p:cNvSpPr>
+          <p:nvPr/>
+        </p:nvSpPr>
+        <p:spPr bwMode="auto">
+          <a:xfrm>
+            <a:off x="5943600" y="3276600"/>
+            <a:ext cx="304800" cy="304800"/>
+          </a:xfrm>
+          <a:prstGeom prst="rect">
+            <a:avLst/>
+          </a:prstGeom>
+          <a:noFill/>
+          <a:extLst>
+            <a:ext uri="{909E8E84-426E-40DD-AFC4-6F175D3DCCD1}">
+              <a14:hiddenFill xmlns:a14="http://schemas.microsoft.com/office/drawing/2010/main">
+                <a:solidFill>
+                  <a:srgbClr val="FFFFFF"/>
+                </a:solidFill>
+              </a14:hiddenFill>
+            </a:ext>
+          </a:extLst>
+        </p:spPr>
+        <p:txBody>
+          <a:bodyPr vert="horz" wrap="square" lIns="91440" tIns="45720" rIns="91440" bIns="45720" numCol="1" anchor="t" anchorCtr="0" compatLnSpc="1">
+            <a:prstTxWarp prst="textNoShape">
+              <a:avLst/>
+            </a:prstTxWarp>
+          </a:bodyPr>
+          <a:lstStyle/>
+          <a:p>
+            <a:endParaRPr lang="it-IT"/>
+          </a:p>
+        </p:txBody>
+      </p:sp>
+      <p:sp>
+        <p:nvSpPr>
+          <p:cNvPr id="3" name="AutoShape 2">
+            <a:extLst>
+              <a:ext uri="{FF2B5EF4-FFF2-40B4-BE49-F238E27FC236}">
+                <a16:creationId xmlns:a16="http://schemas.microsoft.com/office/drawing/2014/main" id="{072F5509-B97F-5A2D-3F51-05E47F6066C7}"/>
+              </a:ext>
+            </a:extLst>
+          </p:cNvPr>
+          <p:cNvSpPr>
+            <a:spLocks noChangeAspect="1" noChangeArrowheads="1"/>
+          </p:cNvSpPr>
+          <p:nvPr/>
+        </p:nvSpPr>
+        <p:spPr bwMode="auto">
+          <a:xfrm>
+            <a:off x="6096000" y="3429000"/>
+            <a:ext cx="304800" cy="304800"/>
+          </a:xfrm>
+          <a:prstGeom prst="rect">
+            <a:avLst/>
+          </a:prstGeom>
+          <a:noFill/>
+          <a:extLst>
+            <a:ext uri="{909E8E84-426E-40DD-AFC4-6F175D3DCCD1}">
+              <a14:hiddenFill xmlns:a14="http://schemas.microsoft.com/office/drawing/2010/main">
+                <a:solidFill>
+                  <a:srgbClr val="FFFFFF"/>
+                </a:solidFill>
+              </a14:hiddenFill>
+            </a:ext>
+          </a:extLst>
+        </p:spPr>
+        <p:txBody>
+          <a:bodyPr vert="horz" wrap="square" lIns="91440" tIns="45720" rIns="91440" bIns="45720" numCol="1" anchor="t" anchorCtr="0" compatLnSpc="1">
+            <a:prstTxWarp prst="textNoShape">
+              <a:avLst/>
+            </a:prstTxWarp>
+          </a:bodyPr>
+          <a:lstStyle/>
+          <a:p>
+            <a:endParaRPr lang="it-IT"/>
+          </a:p>
+        </p:txBody>
+      </p:sp>
+    </p:spTree>
+    <p:extLst>
+      <p:ext uri="{BB962C8B-B14F-4D97-AF65-F5344CB8AC3E}">
+        <p14:creationId xmlns:p14="http://schemas.microsoft.com/office/powerpoint/2010/main" val="3490156820"/>
+      </p:ext>
+    </p:extLst>
+  </p:cSld>
+  <p:clrMapOvr>
+    <a:masterClrMapping/>
+  </p:clrMapOvr>
+</p:sld>
+</file>
+
+<file path=ppt/slides/slide9.xml><?xml version="1.0" encoding="utf-8"?>
+<p:sld xmlns:a="http://schemas.openxmlformats.org/drawingml/2006/main" xmlns:r="http://schemas.openxmlformats.org/officeDocument/2006/relationships" xmlns:p="http://schemas.openxmlformats.org/presentationml/2006/main">
+  <p:cSld>
+    <p:bg>
+      <p:bgPr>
+        <a:solidFill>
+          <a:schemeClr val="bg1"/>
+        </a:solidFill>
+        <a:effectLst/>
+      </p:bgPr>
+    </p:bg>
+    <p:spTree>
+      <p:nvGrpSpPr>
+        <p:cNvPr id="1" name=""/>
+        <p:cNvGrpSpPr/>
+        <p:nvPr/>
+      </p:nvGrpSpPr>
+      <p:grpSpPr>
+        <a:xfrm>
+          <a:off x="0" y="0"/>
+          <a:ext cx="0" cy="0"/>
+          <a:chOff x="0" y="0"/>
+          <a:chExt cx="0" cy="0"/>
+        </a:xfrm>
+      </p:grpSpPr>
+      <p:sp useBgFill="1">
+        <p:nvSpPr>
+          <p:cNvPr id="25" name="Rectangle 24">
+            <a:extLst>
+              <a:ext uri="{FF2B5EF4-FFF2-40B4-BE49-F238E27FC236}">
+                <a16:creationId xmlns:a16="http://schemas.microsoft.com/office/drawing/2014/main" id="{3B47FC9C-2ED3-4100-A4EF-E8CDFEE106C9}"/>
+              </a:ext>
+              <a:ext uri="{C183D7F6-B498-43B3-948B-1728B52AA6E4}">
+                <adec:decorative xmlns:adec="http://schemas.microsoft.com/office/drawing/2017/decorative" val="1"/>
+              </a:ext>
+            </a:extLst>
+          </p:cNvPr>
+          <p:cNvSpPr>
+            <a:spLocks noGrp="1" noRot="1" noChangeAspect="1" noMove="1" noResize="1" noEditPoints="1" noAdjustHandles="1" noChangeArrowheads="1" noChangeShapeType="1" noTextEdit="1"/>
+          </p:cNvSpPr>
+          <p:nvPr>
+            <p:extLst>
+              <p:ext uri="{386F3935-93C4-4BCD-93E2-E3B085C9AB24}">
+                <p16:designElem xmlns:p16="http://schemas.microsoft.com/office/powerpoint/2015/main" val="1"/>
+              </p:ext>
+            </p:extLst>
+          </p:nvPr>
+        </p:nvSpPr>
+        <p:spPr>
+          <a:xfrm>
+            <a:off x="-1" y="0"/>
+            <a:ext cx="12188952" cy="6858000"/>
+          </a:xfrm>
+          <a:prstGeom prst="rect">
+            <a:avLst/>
+          </a:prstGeom>
+          <a:ln>
+            <a:noFill/>
+          </a:ln>
+        </p:spPr>
+        <p:style>
+          <a:lnRef idx="2">
+            <a:schemeClr val="accent1">
+              <a:shade val="50000"/>
+            </a:schemeClr>
+          </a:lnRef>
+          <a:fillRef idx="1">
+            <a:schemeClr val="accent1"/>
+          </a:fillRef>
+          <a:effectRef idx="0">
+            <a:schemeClr val="accent1"/>
+          </a:effectRef>
+          <a:fontRef idx="minor">
+            <a:schemeClr val="lt1"/>
+          </a:fontRef>
+        </p:style>
+        <p:txBody>
+          <a:bodyPr rtlCol="0" anchor="ctr"/>
+          <a:lstStyle/>
+          <a:p>
+            <a:pPr marL="0" marR="0" lvl="0" indent="0" algn="ctr" defTabSz="914400" rtl="0" eaLnBrk="1" fontAlgn="auto" latinLnBrk="0" hangingPunct="1">
+              <a:lnSpc>
+                <a:spcPct val="100000"/>
+              </a:lnSpc>
+              <a:spcBef>
+                <a:spcPts val="0"/>
+              </a:spcBef>
+              <a:spcAft>
+                <a:spcPts val="0"/>
+              </a:spcAft>
+              <a:buClrTx/>
+              <a:buSzTx/>
+              <a:buFontTx/>
+              <a:buNone/>
+              <a:tabLst/>
+              <a:defRPr/>
+            </a:pPr>
+            <a:endParaRPr kumimoji="0" lang="en-US" sz="1800" b="0" i="0" u="none" strike="noStrike" kern="1200" cap="none" spc="0" normalizeH="0" baseline="0" noProof="0" dirty="0">
+              <a:ln>
+                <a:noFill/>
+              </a:ln>
+              <a:solidFill>
+                <a:prstClr val="white"/>
+              </a:solidFill>
+              <a:effectLst/>
+              <a:uLnTx/>
+              <a:uFillTx/>
+              <a:latin typeface="Calibri" panose="020F0502020204030204"/>
+              <a:ea typeface="+mn-ea"/>
+              <a:cs typeface="+mn-cs"/>
+            </a:endParaRPr>
+          </a:p>
+        </p:txBody>
+      </p:sp>
+      <p:sp>
+        <p:nvSpPr>
+          <p:cNvPr id="2" name="Titolo 1">
+            <a:extLst>
+              <a:ext uri="{FF2B5EF4-FFF2-40B4-BE49-F238E27FC236}">
+                <a16:creationId xmlns:a16="http://schemas.microsoft.com/office/drawing/2014/main" id="{2F24DAB3-4C11-016B-134C-A094EA024882}"/>
+              </a:ext>
+            </a:extLst>
+          </p:cNvPr>
+          <p:cNvSpPr>
+            <a:spLocks noGrp="1"/>
+          </p:cNvSpPr>
+          <p:nvPr>
+            <p:ph type="title"/>
+          </p:nvPr>
+        </p:nvSpPr>
+        <p:spPr>
+          <a:xfrm>
+            <a:off x="614516" y="-193519"/>
+            <a:ext cx="10515600" cy="942664"/>
+          </a:xfrm>
+        </p:spPr>
+        <p:txBody>
+          <a:bodyPr vert="horz" lIns="91440" tIns="45720" rIns="91440" bIns="45720" rtlCol="0" anchor="ctr">
+            <a:normAutofit/>
+          </a:bodyPr>
+          <a:lstStyle/>
+          <a:p>
+            <a:pPr algn="ctr"/>
+            <a:r>
+              <a:rPr lang="en-US" sz="2000" dirty="0"/>
+              <a:t>mRNA</a:t>
+            </a:r>
+            <a:r>
+              <a:rPr lang="en-US" sz="2000" kern="1200" dirty="0">
+                <a:solidFill>
+                  <a:schemeClr val="tx1"/>
+                </a:solidFill>
+                <a:latin typeface="+mj-lt"/>
+                <a:ea typeface="+mj-ea"/>
+                <a:cs typeface="+mj-cs"/>
+              </a:rPr>
+              <a:t> and CNVs relationship exploration (TCGA, </a:t>
+            </a:r>
+            <a:r>
+              <a:rPr lang="en-US" sz="2000" dirty="0"/>
+              <a:t>BRCA</a:t>
+            </a:r>
+            <a:r>
+              <a:rPr lang="en-US" sz="2000" kern="1200" dirty="0">
+                <a:solidFill>
+                  <a:schemeClr val="tx1"/>
+                </a:solidFill>
+                <a:latin typeface="+mj-lt"/>
+                <a:ea typeface="+mj-ea"/>
+                <a:cs typeface="+mj-cs"/>
+              </a:rPr>
+              <a:t>)</a:t>
+            </a:r>
+          </a:p>
+        </p:txBody>
+      </p:sp>
+      <p:sp>
+        <p:nvSpPr>
+          <p:cNvPr id="7" name="CasellaDiTesto 6">
+            <a:extLst>
+              <a:ext uri="{FF2B5EF4-FFF2-40B4-BE49-F238E27FC236}">
+                <a16:creationId xmlns:a16="http://schemas.microsoft.com/office/drawing/2014/main" id="{13F98B9A-7108-EDBB-2582-58F57AA1B232}"/>
+              </a:ext>
+            </a:extLst>
+          </p:cNvPr>
+          <p:cNvSpPr txBox="1"/>
+          <p:nvPr/>
+        </p:nvSpPr>
+        <p:spPr>
+          <a:xfrm>
+            <a:off x="3394847" y="379813"/>
+            <a:ext cx="5399256" cy="369332"/>
+          </a:xfrm>
+          <a:prstGeom prst="rect">
+            <a:avLst/>
+          </a:prstGeom>
+          <a:noFill/>
+        </p:spPr>
+        <p:txBody>
+          <a:bodyPr wrap="square" rtlCol="0">
+            <a:spAutoFit/>
+          </a:bodyPr>
+          <a:lstStyle/>
+          <a:p>
+            <a:pPr marL="0" marR="0" lvl="0" indent="0" algn="l" defTabSz="914400" rtl="0" eaLnBrk="1" fontAlgn="auto" latinLnBrk="0" hangingPunct="1">
+              <a:lnSpc>
+                <a:spcPct val="100000"/>
+              </a:lnSpc>
+              <a:spcBef>
+                <a:spcPts val="0"/>
+              </a:spcBef>
+              <a:spcAft>
+                <a:spcPts val="0"/>
+              </a:spcAft>
+              <a:buClrTx/>
+              <a:buSzTx/>
+              <a:buFontTx/>
+              <a:buNone/>
+              <a:tabLst/>
+              <a:defRPr/>
+            </a:pPr>
+            <a:r>
+              <a:rPr kumimoji="0" lang="it-IT" sz="1800" b="0" i="0" u="none" strike="noStrike" kern="1200" cap="none" spc="0" normalizeH="0" baseline="0" noProof="0" dirty="0">
+                <a:ln>
+                  <a:noFill/>
+                </a:ln>
+                <a:solidFill>
+                  <a:prstClr val="black"/>
+                </a:solidFill>
+                <a:effectLst/>
+                <a:uLnTx/>
+                <a:uFillTx/>
+                <a:latin typeface="Calibri" panose="020F0502020204030204"/>
+                <a:ea typeface="+mn-ea"/>
+                <a:cs typeface="+mn-cs"/>
+              </a:rPr>
+              <a:t>Total </a:t>
+            </a:r>
+            <a:r>
+              <a:rPr kumimoji="0" lang="it-IT" sz="1800" b="0" i="0" u="none" strike="noStrike" kern="1200" cap="none" spc="0" normalizeH="0" baseline="0" noProof="0" dirty="0" err="1">
+                <a:ln>
+                  <a:noFill/>
+                </a:ln>
+                <a:solidFill>
+                  <a:prstClr val="black"/>
+                </a:solidFill>
+                <a:effectLst/>
+                <a:uLnTx/>
+                <a:uFillTx/>
+                <a:latin typeface="Calibri" panose="020F0502020204030204"/>
+                <a:ea typeface="+mn-ea"/>
+                <a:cs typeface="+mn-cs"/>
+              </a:rPr>
+              <a:t>genes</a:t>
+            </a:r>
+            <a:r>
+              <a:rPr kumimoji="0" lang="it-IT" sz="1800" b="0" i="0" u="none" strike="noStrike" kern="1200" cap="none" spc="0" normalizeH="0" baseline="0" noProof="0" dirty="0">
+                <a:ln>
+                  <a:noFill/>
+                </a:ln>
+                <a:solidFill>
+                  <a:prstClr val="black"/>
+                </a:solidFill>
+                <a:effectLst/>
+                <a:uLnTx/>
+                <a:uFillTx/>
+                <a:latin typeface="Calibri" panose="020F0502020204030204"/>
+                <a:ea typeface="+mn-ea"/>
+                <a:cs typeface="+mn-cs"/>
+              </a:rPr>
+              <a:t> </a:t>
+            </a:r>
+            <a:r>
+              <a:rPr kumimoji="0" lang="it-IT" sz="1800" b="0" i="0" u="none" strike="noStrike" kern="1200" cap="none" spc="0" normalizeH="0" baseline="0" noProof="0" dirty="0" err="1">
+                <a:ln>
+                  <a:noFill/>
+                </a:ln>
+                <a:solidFill>
+                  <a:prstClr val="black"/>
+                </a:solidFill>
+                <a:effectLst/>
+                <a:uLnTx/>
+                <a:uFillTx/>
+                <a:latin typeface="Calibri" panose="020F0502020204030204"/>
+                <a:ea typeface="+mn-ea"/>
+                <a:cs typeface="+mn-cs"/>
+              </a:rPr>
+              <a:t>tested</a:t>
+            </a:r>
+            <a:r>
+              <a:rPr kumimoji="0" lang="it-IT" sz="1800" b="0" i="0" u="none" strike="noStrike" kern="1200" cap="none" spc="0" normalizeH="0" baseline="0" noProof="0" dirty="0">
+                <a:ln>
+                  <a:noFill/>
+                </a:ln>
+                <a:solidFill>
+                  <a:prstClr val="black"/>
+                </a:solidFill>
+                <a:effectLst/>
+                <a:uLnTx/>
+                <a:uFillTx/>
+                <a:latin typeface="Calibri" panose="020F0502020204030204"/>
+                <a:ea typeface="+mn-ea"/>
+                <a:cs typeface="+mn-cs"/>
+              </a:rPr>
+              <a:t>: </a:t>
+            </a:r>
+            <a:r>
+              <a:rPr lang="it-IT" b="1" dirty="0">
+                <a:solidFill>
+                  <a:prstClr val="black"/>
+                </a:solidFill>
+                <a:latin typeface="Calibri" panose="020F0502020204030204"/>
+              </a:rPr>
+              <a:t>29359</a:t>
+            </a:r>
+            <a:r>
+              <a:rPr kumimoji="0" lang="it-IT" sz="1800" b="1" i="0" u="none" strike="noStrike" kern="1200" cap="none" spc="0" normalizeH="0" baseline="0" noProof="0" dirty="0">
+                <a:ln>
+                  <a:noFill/>
+                </a:ln>
+                <a:solidFill>
+                  <a:prstClr val="black"/>
+                </a:solidFill>
+                <a:effectLst/>
+                <a:uLnTx/>
+                <a:uFillTx/>
+                <a:latin typeface="Calibri" panose="020F0502020204030204"/>
+                <a:ea typeface="+mn-ea"/>
+                <a:cs typeface="+mn-cs"/>
+              </a:rPr>
+              <a:t>, </a:t>
+            </a:r>
+            <a:r>
+              <a:rPr lang="it-IT" b="1" dirty="0">
+                <a:solidFill>
+                  <a:prstClr val="black"/>
+                </a:solidFill>
+                <a:latin typeface="Calibri" panose="020F0502020204030204"/>
+              </a:rPr>
+              <a:t>sample size = 3</a:t>
+            </a:r>
+            <a:endParaRPr kumimoji="0" lang="it-IT" sz="1800" b="1" i="0" u="none" strike="noStrike" kern="1200" cap="none" spc="0" normalizeH="0" baseline="0" noProof="0" dirty="0">
+              <a:ln>
+                <a:noFill/>
+              </a:ln>
+              <a:solidFill>
+                <a:prstClr val="black"/>
+              </a:solidFill>
+              <a:effectLst/>
+              <a:uLnTx/>
+              <a:uFillTx/>
+              <a:latin typeface="Calibri" panose="020F0502020204030204"/>
+              <a:ea typeface="+mn-ea"/>
+              <a:cs typeface="+mn-cs"/>
+            </a:endParaRPr>
+          </a:p>
+        </p:txBody>
+      </p:sp>
+      <p:sp>
+        <p:nvSpPr>
+          <p:cNvPr id="10" name="AutoShape 2">
+            <a:extLst>
+              <a:ext uri="{FF2B5EF4-FFF2-40B4-BE49-F238E27FC236}">
+                <a16:creationId xmlns:a16="http://schemas.microsoft.com/office/drawing/2014/main" id="{5384599A-31E2-862E-72FF-AF91F45BD7E5}"/>
+              </a:ext>
+            </a:extLst>
+          </p:cNvPr>
+          <p:cNvSpPr>
+            <a:spLocks noChangeAspect="1" noChangeArrowheads="1"/>
+          </p:cNvSpPr>
+          <p:nvPr/>
+        </p:nvSpPr>
+        <p:spPr bwMode="auto">
+          <a:xfrm>
+            <a:off x="5943600" y="3276600"/>
+            <a:ext cx="304800" cy="304800"/>
+          </a:xfrm>
+          <a:prstGeom prst="rect">
+            <a:avLst/>
+          </a:prstGeom>
+          <a:noFill/>
+          <a:extLst>
+            <a:ext uri="{909E8E84-426E-40DD-AFC4-6F175D3DCCD1}">
+              <a14:hiddenFill xmlns:a14="http://schemas.microsoft.com/office/drawing/2010/main">
+                <a:solidFill>
+                  <a:srgbClr val="FFFFFF"/>
+                </a:solidFill>
+              </a14:hiddenFill>
+            </a:ext>
+          </a:extLst>
+        </p:spPr>
+        <p:txBody>
+          <a:bodyPr vert="horz" wrap="square" lIns="91440" tIns="45720" rIns="91440" bIns="45720" numCol="1" anchor="t" anchorCtr="0" compatLnSpc="1">
+            <a:prstTxWarp prst="textNoShape">
+              <a:avLst/>
+            </a:prstTxWarp>
+          </a:bodyPr>
+          <a:lstStyle/>
+          <a:p>
+            <a:pPr marL="0" marR="0" lvl="0" indent="0" algn="l" defTabSz="914400" rtl="0" eaLnBrk="1" fontAlgn="auto" latinLnBrk="0" hangingPunct="1">
+              <a:lnSpc>
+                <a:spcPct val="100000"/>
+              </a:lnSpc>
+              <a:spcBef>
+                <a:spcPts val="0"/>
+              </a:spcBef>
+              <a:spcAft>
+                <a:spcPts val="0"/>
+              </a:spcAft>
+              <a:buClrTx/>
+              <a:buSzTx/>
+              <a:buFontTx/>
+              <a:buNone/>
+              <a:tabLst/>
+              <a:defRPr/>
+            </a:pPr>
+            <a:endParaRPr kumimoji="0" lang="it-IT" sz="1800" b="0" i="0" u="none" strike="noStrike" kern="1200" cap="none" spc="0" normalizeH="0" baseline="0" noProof="0">
+              <a:ln>
+                <a:noFill/>
+              </a:ln>
+              <a:solidFill>
+                <a:prstClr val="black"/>
+              </a:solidFill>
+              <a:effectLst/>
+              <a:uLnTx/>
+              <a:uFillTx/>
+              <a:latin typeface="Calibri" panose="020F0502020204030204"/>
+              <a:ea typeface="+mn-ea"/>
+              <a:cs typeface="+mn-cs"/>
+            </a:endParaRPr>
+          </a:p>
+        </p:txBody>
+      </p:sp>
+      <p:sp>
+        <p:nvSpPr>
+          <p:cNvPr id="15" name="AutoShape 4">
+            <a:extLst>
+              <a:ext uri="{FF2B5EF4-FFF2-40B4-BE49-F238E27FC236}">
+                <a16:creationId xmlns:a16="http://schemas.microsoft.com/office/drawing/2014/main" id="{4B0ACB89-1ED2-162C-3445-2C7249B546F5}"/>
+              </a:ext>
+            </a:extLst>
+          </p:cNvPr>
+          <p:cNvSpPr>
+            <a:spLocks noChangeAspect="1" noChangeArrowheads="1"/>
+          </p:cNvSpPr>
+          <p:nvPr/>
+        </p:nvSpPr>
+        <p:spPr bwMode="auto">
+          <a:xfrm>
+            <a:off x="6096000" y="3429000"/>
+            <a:ext cx="304800" cy="304800"/>
+          </a:xfrm>
+          <a:prstGeom prst="rect">
+            <a:avLst/>
+          </a:prstGeom>
+          <a:noFill/>
+          <a:extLst>
+            <a:ext uri="{909E8E84-426E-40DD-AFC4-6F175D3DCCD1}">
+              <a14:hiddenFill xmlns:a14="http://schemas.microsoft.com/office/drawing/2010/main">
+                <a:solidFill>
+                  <a:srgbClr val="FFFFFF"/>
+                </a:solidFill>
+              </a14:hiddenFill>
+            </a:ext>
+          </a:extLst>
+        </p:spPr>
+        <p:txBody>
+          <a:bodyPr vert="horz" wrap="square" lIns="91440" tIns="45720" rIns="91440" bIns="45720" numCol="1" anchor="t" anchorCtr="0" compatLnSpc="1">
+            <a:prstTxWarp prst="textNoShape">
+              <a:avLst/>
+            </a:prstTxWarp>
+          </a:bodyPr>
+          <a:lstStyle/>
+          <a:p>
+            <a:pPr marL="0" marR="0" lvl="0" indent="0" algn="l" defTabSz="914400" rtl="0" eaLnBrk="1" fontAlgn="auto" latinLnBrk="0" hangingPunct="1">
+              <a:lnSpc>
+                <a:spcPct val="100000"/>
+              </a:lnSpc>
+              <a:spcBef>
+                <a:spcPts val="0"/>
+              </a:spcBef>
+              <a:spcAft>
+                <a:spcPts val="0"/>
+              </a:spcAft>
+              <a:buClrTx/>
+              <a:buSzTx/>
+              <a:buFontTx/>
+              <a:buNone/>
+              <a:tabLst/>
+              <a:defRPr/>
+            </a:pPr>
+            <a:endParaRPr kumimoji="0" lang="it-IT" sz="1800" b="0" i="0" u="none" strike="noStrike" kern="1200" cap="none" spc="0" normalizeH="0" baseline="0" noProof="0">
+              <a:ln>
+                <a:noFill/>
+              </a:ln>
+              <a:solidFill>
+                <a:prstClr val="black"/>
+              </a:solidFill>
+              <a:effectLst/>
+              <a:uLnTx/>
+              <a:uFillTx/>
+              <a:latin typeface="Calibri" panose="020F0502020204030204"/>
+              <a:ea typeface="+mn-ea"/>
+              <a:cs typeface="+mn-cs"/>
+            </a:endParaRPr>
+          </a:p>
+        </p:txBody>
+      </p:sp>
+      <p:sp>
+        <p:nvSpPr>
+          <p:cNvPr id="11" name="AutoShape 6">
+            <a:extLst>
+              <a:ext uri="{FF2B5EF4-FFF2-40B4-BE49-F238E27FC236}">
+                <a16:creationId xmlns:a16="http://schemas.microsoft.com/office/drawing/2014/main" id="{CF2B3126-942C-4AA1-F823-630261A54295}"/>
+              </a:ext>
+            </a:extLst>
+          </p:cNvPr>
+          <p:cNvSpPr>
+            <a:spLocks noChangeAspect="1" noChangeArrowheads="1"/>
+          </p:cNvSpPr>
+          <p:nvPr/>
+        </p:nvSpPr>
+        <p:spPr bwMode="auto">
+          <a:xfrm>
+            <a:off x="6248400" y="3581400"/>
+            <a:ext cx="304800" cy="304800"/>
+          </a:xfrm>
+          <a:prstGeom prst="rect">
+            <a:avLst/>
+          </a:prstGeom>
+          <a:noFill/>
+          <a:extLst>
+            <a:ext uri="{909E8E84-426E-40DD-AFC4-6F175D3DCCD1}">
+              <a14:hiddenFill xmlns:a14="http://schemas.microsoft.com/office/drawing/2010/main">
+                <a:solidFill>
+                  <a:srgbClr val="FFFFFF"/>
+                </a:solidFill>
+              </a14:hiddenFill>
+            </a:ext>
+          </a:extLst>
+        </p:spPr>
+        <p:txBody>
+          <a:bodyPr vert="horz" wrap="square" lIns="91440" tIns="45720" rIns="91440" bIns="45720" numCol="1" anchor="t" anchorCtr="0" compatLnSpc="1">
+            <a:prstTxWarp prst="textNoShape">
+              <a:avLst/>
+            </a:prstTxWarp>
+          </a:bodyPr>
+          <a:lstStyle/>
+          <a:p>
+            <a:pPr marL="0" marR="0" lvl="0" indent="0" algn="l" defTabSz="914400" rtl="0" eaLnBrk="1" fontAlgn="auto" latinLnBrk="0" hangingPunct="1">
+              <a:lnSpc>
+                <a:spcPct val="100000"/>
+              </a:lnSpc>
+              <a:spcBef>
+                <a:spcPts val="0"/>
+              </a:spcBef>
+              <a:spcAft>
+                <a:spcPts val="0"/>
+              </a:spcAft>
+              <a:buClrTx/>
+              <a:buSzTx/>
+              <a:buFontTx/>
+              <a:buNone/>
+              <a:tabLst/>
+              <a:defRPr/>
+            </a:pPr>
+            <a:endParaRPr kumimoji="0" lang="it-IT" sz="1800" b="0" i="0" u="none" strike="noStrike" kern="1200" cap="none" spc="0" normalizeH="0" baseline="0" noProof="0">
+              <a:ln>
+                <a:noFill/>
+              </a:ln>
+              <a:solidFill>
+                <a:prstClr val="black"/>
+              </a:solidFill>
+              <a:effectLst/>
+              <a:uLnTx/>
+              <a:uFillTx/>
+              <a:latin typeface="Calibri" panose="020F0502020204030204"/>
+              <a:ea typeface="+mn-ea"/>
+              <a:cs typeface="+mn-cs"/>
+            </a:endParaRPr>
+          </a:p>
+        </p:txBody>
+      </p:sp>
+      <p:sp>
+        <p:nvSpPr>
+          <p:cNvPr id="5" name="AutoShape 2">
+            <a:extLst>
+              <a:ext uri="{FF2B5EF4-FFF2-40B4-BE49-F238E27FC236}">
+                <a16:creationId xmlns:a16="http://schemas.microsoft.com/office/drawing/2014/main" id="{9C46A8AB-0B8A-B405-EE73-0F921F7E2CD9}"/>
+              </a:ext>
+            </a:extLst>
+          </p:cNvPr>
+          <p:cNvSpPr>
+            <a:spLocks noChangeAspect="1" noChangeArrowheads="1"/>
+          </p:cNvSpPr>
+          <p:nvPr/>
+        </p:nvSpPr>
+        <p:spPr bwMode="auto">
+          <a:xfrm>
+            <a:off x="6400800" y="3733800"/>
+            <a:ext cx="304800" cy="304800"/>
+          </a:xfrm>
+          <a:prstGeom prst="rect">
+            <a:avLst/>
+          </a:prstGeom>
+          <a:noFill/>
+          <a:extLst>
+            <a:ext uri="{909E8E84-426E-40DD-AFC4-6F175D3DCCD1}">
+              <a14:hiddenFill xmlns:a14="http://schemas.microsoft.com/office/drawing/2010/main">
+                <a:solidFill>
+                  <a:srgbClr val="FFFFFF"/>
+                </a:solidFill>
+              </a14:hiddenFill>
+            </a:ext>
+          </a:extLst>
+        </p:spPr>
+        <p:txBody>
+          <a:bodyPr vert="horz" wrap="square" lIns="91440" tIns="45720" rIns="91440" bIns="45720" numCol="1" anchor="t" anchorCtr="0" compatLnSpc="1">
+            <a:prstTxWarp prst="textNoShape">
+              <a:avLst/>
+            </a:prstTxWarp>
+          </a:bodyPr>
+          <a:lstStyle/>
+          <a:p>
+            <a:pPr marL="0" marR="0" lvl="0" indent="0" algn="l" defTabSz="914400" rtl="0" eaLnBrk="1" fontAlgn="auto" latinLnBrk="0" hangingPunct="1">
+              <a:lnSpc>
+                <a:spcPct val="100000"/>
+              </a:lnSpc>
+              <a:spcBef>
+                <a:spcPts val="0"/>
+              </a:spcBef>
+              <a:spcAft>
+                <a:spcPts val="0"/>
+              </a:spcAft>
+              <a:buClrTx/>
+              <a:buSzTx/>
+              <a:buFontTx/>
+              <a:buNone/>
+              <a:tabLst/>
+              <a:defRPr/>
+            </a:pPr>
+            <a:endParaRPr kumimoji="0" lang="it-IT" sz="1800" b="0" i="0" u="none" strike="noStrike" kern="1200" cap="none" spc="0" normalizeH="0" baseline="0" noProof="0">
+              <a:ln>
+                <a:noFill/>
+              </a:ln>
+              <a:solidFill>
+                <a:prstClr val="black"/>
+              </a:solidFill>
+              <a:effectLst/>
+              <a:uLnTx/>
+              <a:uFillTx/>
+              <a:latin typeface="Calibri" panose="020F0502020204030204"/>
+              <a:ea typeface="+mn-ea"/>
+              <a:cs typeface="+mn-cs"/>
+            </a:endParaRPr>
+          </a:p>
+        </p:txBody>
+      </p:sp>
+      <p:pic>
+        <p:nvPicPr>
+          <p:cNvPr id="8" name="Immagine 7">
+            <a:extLst>
+              <a:ext uri="{FF2B5EF4-FFF2-40B4-BE49-F238E27FC236}">
+                <a16:creationId xmlns:a16="http://schemas.microsoft.com/office/drawing/2014/main" id="{E7212A88-0DF7-B643-945C-5520C1CB8AA4}"/>
               </a:ext>
             </a:extLst>
           </p:cNvPr>
@@ -14347,8 +14377,8 @@
         </p:blipFill>
         <p:spPr>
           <a:xfrm>
-            <a:off x="696530" y="274531"/>
-            <a:ext cx="6453778" cy="6261179"/>
+            <a:off x="1076873" y="942664"/>
+            <a:ext cx="4834547" cy="4468755"/>
           </a:xfrm>
           <a:prstGeom prst="rect">
             <a:avLst/>
@@ -14357,10 +14387,10 @@
       </p:pic>
       <p:pic>
         <p:nvPicPr>
-          <p:cNvPr id="7" name="Immagine 6">
-            <a:extLst>
-              <a:ext uri="{FF2B5EF4-FFF2-40B4-BE49-F238E27FC236}">
-                <a16:creationId xmlns:a16="http://schemas.microsoft.com/office/drawing/2014/main" id="{B54DF60D-754F-CBCC-8CD6-32DDF70739DC}"/>
+          <p:cNvPr id="9" name="Immagine 8">
+            <a:extLst>
+              <a:ext uri="{FF2B5EF4-FFF2-40B4-BE49-F238E27FC236}">
+                <a16:creationId xmlns:a16="http://schemas.microsoft.com/office/drawing/2014/main" id="{0C4607D7-DC68-9957-6956-E3A111740654}"/>
               </a:ext>
             </a:extLst>
           </p:cNvPr>
@@ -14377,8 +14407,8 @@
         </p:blipFill>
         <p:spPr>
           <a:xfrm>
-            <a:off x="7972782" y="1806849"/>
-            <a:ext cx="3522688" cy="1891974"/>
+            <a:off x="6094475" y="924798"/>
+            <a:ext cx="5238095" cy="4361905"/>
           </a:xfrm>
           <a:prstGeom prst="rect">
             <a:avLst/>
@@ -14388,7 +14418,7 @@
     </p:spTree>
     <p:extLst>
       <p:ext uri="{BB962C8B-B14F-4D97-AF65-F5344CB8AC3E}">
-        <p14:creationId xmlns:p14="http://schemas.microsoft.com/office/powerpoint/2010/main" val="439416254"/>
+        <p14:creationId xmlns:p14="http://schemas.microsoft.com/office/powerpoint/2010/main" val="4206292135"/>
       </p:ext>
     </p:extLst>
   </p:cSld>
